--- a/Slides/Razor_03.pptx
+++ b/Slides/Razor_03.pptx
@@ -8,7 +8,7 @@
     <p:sldMasterId id="2147483723" r:id="rId4"/>
   </p:sldMasterIdLst>
   <p:notesMasterIdLst>
-    <p:notesMasterId r:id="rId32"/>
+    <p:notesMasterId r:id="rId31"/>
   </p:notesMasterIdLst>
   <p:sldIdLst>
     <p:sldId id="256" r:id="rId5"/>
@@ -22,62 +22,61 @@
     <p:sldId id="273" r:id="rId13"/>
     <p:sldId id="274" r:id="rId14"/>
     <p:sldId id="258" r:id="rId15"/>
-    <p:sldId id="260" r:id="rId16"/>
-    <p:sldId id="261" r:id="rId17"/>
-    <p:sldId id="262" r:id="rId18"/>
-    <p:sldId id="263" r:id="rId19"/>
-    <p:sldId id="264" r:id="rId20"/>
-    <p:sldId id="265" r:id="rId21"/>
-    <p:sldId id="266" r:id="rId22"/>
-    <p:sldId id="267" r:id="rId23"/>
-    <p:sldId id="268" r:id="rId24"/>
-    <p:sldId id="269" r:id="rId25"/>
-    <p:sldId id="278" r:id="rId26"/>
-    <p:sldId id="282" r:id="rId27"/>
-    <p:sldId id="279" r:id="rId28"/>
-    <p:sldId id="280" r:id="rId29"/>
-    <p:sldId id="281" r:id="rId30"/>
-    <p:sldId id="283" r:id="rId31"/>
+    <p:sldId id="261" r:id="rId16"/>
+    <p:sldId id="262" r:id="rId17"/>
+    <p:sldId id="263" r:id="rId18"/>
+    <p:sldId id="264" r:id="rId19"/>
+    <p:sldId id="265" r:id="rId20"/>
+    <p:sldId id="266" r:id="rId21"/>
+    <p:sldId id="267" r:id="rId22"/>
+    <p:sldId id="268" r:id="rId23"/>
+    <p:sldId id="269" r:id="rId24"/>
+    <p:sldId id="278" r:id="rId25"/>
+    <p:sldId id="282" r:id="rId26"/>
+    <p:sldId id="279" r:id="rId27"/>
+    <p:sldId id="280" r:id="rId28"/>
+    <p:sldId id="281" r:id="rId29"/>
+    <p:sldId id="283" r:id="rId30"/>
   </p:sldIdLst>
   <p:sldSz cx="12192000" cy="6858000"/>
   <p:notesSz cx="6858000" cy="9144000"/>
   <p:embeddedFontLst>
     <p:embeddedFont>
       <p:font typeface="Calibri" panose="020F0502020204030204" pitchFamily="34" charset="0"/>
-      <p:regular r:id="rId33"/>
-      <p:bold r:id="rId34"/>
-      <p:italic r:id="rId35"/>
-      <p:boldItalic r:id="rId36"/>
+      <p:regular r:id="rId32"/>
+      <p:bold r:id="rId33"/>
+      <p:italic r:id="rId34"/>
+      <p:boldItalic r:id="rId35"/>
     </p:embeddedFont>
     <p:embeddedFont>
       <p:font typeface="Consolas" panose="020B0609020204030204" pitchFamily="49" charset="0"/>
-      <p:regular r:id="rId37"/>
-      <p:bold r:id="rId38"/>
-      <p:italic r:id="rId39"/>
-      <p:boldItalic r:id="rId40"/>
+      <p:regular r:id="rId36"/>
+      <p:bold r:id="rId37"/>
+      <p:italic r:id="rId38"/>
+      <p:boldItalic r:id="rId39"/>
     </p:embeddedFont>
     <p:embeddedFont>
       <p:font typeface="Lucida Sans Unicode" panose="020B0602030504020204" pitchFamily="34" charset="0"/>
-      <p:regular r:id="rId41"/>
+      <p:regular r:id="rId40"/>
     </p:embeddedFont>
     <p:embeddedFont>
       <p:font typeface="Segoe UI" panose="020B0502040204020203" pitchFamily="34" charset="0"/>
-      <p:regular r:id="rId42"/>
-      <p:bold r:id="rId43"/>
-      <p:italic r:id="rId44"/>
-      <p:boldItalic r:id="rId45"/>
+      <p:regular r:id="rId41"/>
+      <p:bold r:id="rId42"/>
+      <p:italic r:id="rId43"/>
+      <p:boldItalic r:id="rId44"/>
     </p:embeddedFont>
     <p:embeddedFont>
       <p:font typeface="Segoe UI Light" panose="020B0502040204020203" pitchFamily="34" charset="0"/>
-      <p:regular r:id="rId46"/>
-      <p:italic r:id="rId47"/>
+      <p:regular r:id="rId45"/>
+      <p:italic r:id="rId46"/>
     </p:embeddedFont>
     <p:embeddedFont>
       <p:font typeface="Verdana" panose="020B0604030504040204" pitchFamily="34" charset="0"/>
-      <p:regular r:id="rId48"/>
-      <p:bold r:id="rId49"/>
-      <p:italic r:id="rId50"/>
-      <p:boldItalic r:id="rId51"/>
+      <p:regular r:id="rId47"/>
+      <p:bold r:id="rId48"/>
+      <p:italic r:id="rId49"/>
+      <p:boldItalic r:id="rId50"/>
     </p:embeddedFont>
   </p:embeddedFontLst>
   <p:defaultTextStyle>
@@ -4036,7 +4035,7 @@
           <a:p>
             <a:fld id="{E484AD41-7237-4420-966D-AA6ACF9C5581}" type="datetimeFigureOut">
               <a:rPr lang="en-US" smtClean="0"/>
-              <a:t>11/14/2021</a:t>
+              <a:t>1/18/2022</a:t>
             </a:fld>
             <a:endParaRPr lang="en-US"/>
           </a:p>
@@ -5290,7 +5289,23 @@
                 <a:ea typeface="Calibri"/>
                 <a:cs typeface="Times New Roman"/>
               </a:rPr>
-              <a:t>Avoid explaining services in detail. Mention that services will be covered in Lesson 2, “Configuring Services”</a:t>
+              <a:t>The content of the </a:t>
+            </a:r>
+            <a:r>
+              <a:rPr lang="en-US" sz="1000" b="1" dirty="0">
+                <a:latin typeface="Arial"/>
+                <a:ea typeface="Calibri"/>
+                <a:cs typeface="Times New Roman"/>
+              </a:rPr>
+              <a:t>Configure</a:t>
+            </a:r>
+            <a:r>
+              <a:rPr lang="en-US" sz="1000" dirty="0">
+                <a:latin typeface="Arial"/>
+                <a:ea typeface="Calibri"/>
+                <a:cs typeface="Times New Roman"/>
+              </a:rPr>
+              <a:t> method will be explained in the next topic, “Middleware Fundamentals”.</a:t>
             </a:r>
           </a:p>
         </p:txBody>
@@ -5465,7 +5480,7 @@
     </p:spTree>
     <p:extLst>
       <p:ext uri="{BB962C8B-B14F-4D97-AF65-F5344CB8AC3E}">
-        <p14:creationId xmlns:p14="http://schemas.microsoft.com/office/powerpoint/2010/main" val="180841635"/>
+        <p14:creationId xmlns:p14="http://schemas.microsoft.com/office/powerpoint/2010/main" val="2428189243"/>
       </p:ext>
     </p:extLst>
   </p:cSld>
@@ -5545,7 +5560,7 @@
                 <a:ea typeface="Calibri"/>
                 <a:cs typeface="Times New Roman"/>
               </a:rPr>
-              <a:t>The content of the </a:t>
+              <a:t>Emphasize the importance of arranging the middleware in the correct order, particularly in cases where short-circuiting occurs. Point out that the </a:t>
             </a:r>
             <a:r>
               <a:rPr lang="en-US" sz="1000" b="1" dirty="0">
@@ -5553,7 +5568,7 @@
                 <a:ea typeface="Calibri"/>
                 <a:cs typeface="Times New Roman"/>
               </a:rPr>
-              <a:t>Configure</a:t>
+              <a:t>Map</a:t>
             </a:r>
             <a:r>
               <a:rPr lang="en-US" sz="1000" dirty="0">
@@ -5561,7 +5576,7 @@
                 <a:ea typeface="Calibri"/>
                 <a:cs typeface="Times New Roman"/>
               </a:rPr>
-              <a:t> method will be explained in the next topic, “Middleware Fundamentals”.</a:t>
+              <a:t> shouldn’t be used for routing as there are better ways to handle routes which will be covered in Module 4, “Developing Controllers”.</a:t>
             </a:r>
           </a:p>
         </p:txBody>
@@ -5736,7 +5751,7 @@
     </p:spTree>
     <p:extLst>
       <p:ext uri="{BB962C8B-B14F-4D97-AF65-F5344CB8AC3E}">
-        <p14:creationId xmlns:p14="http://schemas.microsoft.com/office/powerpoint/2010/main" val="2428189243"/>
+        <p14:creationId xmlns:p14="http://schemas.microsoft.com/office/powerpoint/2010/main" val="1131616351"/>
       </p:ext>
     </p:extLst>
   </p:cSld>
@@ -5792,7 +5807,7 @@
         </p:nvSpPr>
         <p:spPr>
           <a:xfrm>
-            <a:off x="310896" y="2093976"/>
+            <a:off x="310896" y="2093975"/>
             <a:ext cx="6153912" cy="6604000"/>
           </a:xfrm>
         </p:spPr>
@@ -5816,7 +5831,7 @@
                 <a:ea typeface="Calibri"/>
                 <a:cs typeface="Times New Roman"/>
               </a:rPr>
-              <a:t>Emphasize the importance of arranging the middleware in the correct order, particularly in cases where short-circuiting occurs. Point out that the </a:t>
+              <a:t>Emphasize that the </a:t>
             </a:r>
             <a:r>
               <a:rPr lang="en-US" sz="1000" b="1" dirty="0">
@@ -5824,7 +5839,7 @@
                 <a:ea typeface="Calibri"/>
                 <a:cs typeface="Times New Roman"/>
               </a:rPr>
-              <a:t>Map</a:t>
+              <a:t>Run</a:t>
             </a:r>
             <a:r>
               <a:rPr lang="en-US" sz="1000" dirty="0">
@@ -5832,7 +5847,71 @@
                 <a:ea typeface="Calibri"/>
                 <a:cs typeface="Times New Roman"/>
               </a:rPr>
-              <a:t> shouldn’t be used for routing as there are better ways to handle routes which will be covered in Module 4, “Developing Controllers”.</a:t>
+              <a:t> middleware should always appear at the bottom of the middleware pipeline. Additionally, while technically a </a:t>
+            </a:r>
+            <a:r>
+              <a:rPr lang="en-US" sz="1000" b="1" dirty="0">
+                <a:latin typeface="Arial"/>
+                <a:ea typeface="Calibri"/>
+                <a:cs typeface="Times New Roman"/>
+              </a:rPr>
+              <a:t>Run</a:t>
+            </a:r>
+            <a:r>
+              <a:rPr lang="en-US" sz="1000" dirty="0">
+                <a:latin typeface="Arial"/>
+                <a:ea typeface="Calibri"/>
+                <a:cs typeface="Times New Roman"/>
+              </a:rPr>
+              <a:t> middleware does not have to be configured, it is a good convention to use since it allows us to mark a definite end to the pipeline. When </a:t>
+            </a:r>
+            <a:r>
+              <a:rPr lang="en-US" sz="1000" b="1" dirty="0">
+                <a:latin typeface="Arial"/>
+                <a:ea typeface="Calibri"/>
+                <a:cs typeface="Times New Roman"/>
+              </a:rPr>
+              <a:t>Map</a:t>
+            </a:r>
+            <a:r>
+              <a:rPr lang="en-US" sz="1000" dirty="0">
+                <a:latin typeface="Arial"/>
+                <a:ea typeface="Calibri"/>
+                <a:cs typeface="Times New Roman"/>
+              </a:rPr>
+              <a:t> is used, every single pipeline configured inside </a:t>
+            </a:r>
+            <a:r>
+              <a:rPr lang="en-US" sz="1000" b="1" dirty="0">
+                <a:latin typeface="Arial"/>
+                <a:ea typeface="Calibri"/>
+                <a:cs typeface="Times New Roman"/>
+              </a:rPr>
+              <a:t>Map</a:t>
+            </a:r>
+            <a:r>
+              <a:rPr lang="en-US" sz="1000" dirty="0">
+                <a:latin typeface="Arial"/>
+                <a:ea typeface="Calibri"/>
+                <a:cs typeface="Times New Roman"/>
+              </a:rPr>
+              <a:t> can have its own separate </a:t>
+            </a:r>
+            <a:r>
+              <a:rPr lang="en-US" sz="1000" b="1" dirty="0">
+                <a:latin typeface="Arial"/>
+                <a:ea typeface="Calibri"/>
+                <a:cs typeface="Times New Roman"/>
+              </a:rPr>
+              <a:t>Run</a:t>
+            </a:r>
+            <a:r>
+              <a:rPr lang="en-US" sz="1000" dirty="0">
+                <a:latin typeface="Arial"/>
+                <a:ea typeface="Calibri"/>
+                <a:cs typeface="Times New Roman"/>
+              </a:rPr>
+              <a:t> middleware.</a:t>
             </a:r>
           </a:p>
         </p:txBody>
@@ -6007,7 +6086,7 @@
     </p:spTree>
     <p:extLst>
       <p:ext uri="{BB962C8B-B14F-4D97-AF65-F5344CB8AC3E}">
-        <p14:creationId xmlns:p14="http://schemas.microsoft.com/office/powerpoint/2010/main" val="1131616351"/>
+        <p14:creationId xmlns:p14="http://schemas.microsoft.com/office/powerpoint/2010/main" val="798683301"/>
       </p:ext>
     </p:extLst>
   </p:cSld>
@@ -6063,7 +6142,7 @@
         </p:nvSpPr>
         <p:spPr>
           <a:xfrm>
-            <a:off x="310896" y="2093975"/>
+            <a:off x="310896" y="2093976"/>
             <a:ext cx="6153912" cy="6604000"/>
           </a:xfrm>
         </p:spPr>
@@ -6087,7 +6166,7 @@
                 <a:ea typeface="Calibri"/>
                 <a:cs typeface="Times New Roman"/>
               </a:rPr>
-              <a:t>Emphasize that the </a:t>
+              <a:t>Point out that the majority of middleware in the application will be </a:t>
             </a:r>
             <a:r>
               <a:rPr lang="en-US" sz="1000" b="1" dirty="0">
@@ -6095,7 +6174,7 @@
                 <a:ea typeface="Calibri"/>
                 <a:cs typeface="Times New Roman"/>
               </a:rPr>
-              <a:t>Run</a:t>
+              <a:t>Use</a:t>
             </a:r>
             <a:r>
               <a:rPr lang="en-US" sz="1000" dirty="0">
@@ -6103,71 +6182,7 @@
                 <a:ea typeface="Calibri"/>
                 <a:cs typeface="Times New Roman"/>
               </a:rPr>
-              <a:t> middleware should always appear at the bottom of the middleware pipeline. Additionally, while technically a </a:t>
-            </a:r>
-            <a:r>
-              <a:rPr lang="en-US" sz="1000" b="1" dirty="0">
-                <a:latin typeface="Arial"/>
-                <a:ea typeface="Calibri"/>
-                <a:cs typeface="Times New Roman"/>
-              </a:rPr>
-              <a:t>Run</a:t>
-            </a:r>
-            <a:r>
-              <a:rPr lang="en-US" sz="1000" dirty="0">
-                <a:latin typeface="Arial"/>
-                <a:ea typeface="Calibri"/>
-                <a:cs typeface="Times New Roman"/>
-              </a:rPr>
-              <a:t> middleware does not have to be configured, it is a good convention to use since it allows us to mark a definite end to the pipeline. When </a:t>
-            </a:r>
-            <a:r>
-              <a:rPr lang="en-US" sz="1000" b="1" dirty="0">
-                <a:latin typeface="Arial"/>
-                <a:ea typeface="Calibri"/>
-                <a:cs typeface="Times New Roman"/>
-              </a:rPr>
-              <a:t>Map</a:t>
-            </a:r>
-            <a:r>
-              <a:rPr lang="en-US" sz="1000" dirty="0">
-                <a:latin typeface="Arial"/>
-                <a:ea typeface="Calibri"/>
-                <a:cs typeface="Times New Roman"/>
-              </a:rPr>
-              <a:t> is used, every single pipeline configured inside </a:t>
-            </a:r>
-            <a:r>
-              <a:rPr lang="en-US" sz="1000" b="1" dirty="0">
-                <a:latin typeface="Arial"/>
-                <a:ea typeface="Calibri"/>
-                <a:cs typeface="Times New Roman"/>
-              </a:rPr>
-              <a:t>Map</a:t>
-            </a:r>
-            <a:r>
-              <a:rPr lang="en-US" sz="1000" dirty="0">
-                <a:latin typeface="Arial"/>
-                <a:ea typeface="Calibri"/>
-                <a:cs typeface="Times New Roman"/>
-              </a:rPr>
-              <a:t> can have its own separate </a:t>
-            </a:r>
-            <a:r>
-              <a:rPr lang="en-US" sz="1000" b="1" dirty="0">
-                <a:latin typeface="Arial"/>
-                <a:ea typeface="Calibri"/>
-                <a:cs typeface="Times New Roman"/>
-              </a:rPr>
-              <a:t>Run</a:t>
-            </a:r>
-            <a:r>
-              <a:rPr lang="en-US" sz="1000" dirty="0">
-                <a:latin typeface="Arial"/>
-                <a:ea typeface="Calibri"/>
-                <a:cs typeface="Times New Roman"/>
-              </a:rPr>
-              <a:t> middleware.</a:t>
+              <a:t>.</a:t>
             </a:r>
           </a:p>
         </p:txBody>
@@ -6342,7 +6357,7 @@
     </p:spTree>
     <p:extLst>
       <p:ext uri="{BB962C8B-B14F-4D97-AF65-F5344CB8AC3E}">
-        <p14:creationId xmlns:p14="http://schemas.microsoft.com/office/powerpoint/2010/main" val="798683301"/>
+        <p14:creationId xmlns:p14="http://schemas.microsoft.com/office/powerpoint/2010/main" val="416181266"/>
       </p:ext>
     </p:extLst>
   </p:cSld>
@@ -6422,7 +6437,7 @@
                 <a:ea typeface="Calibri"/>
                 <a:cs typeface="Times New Roman"/>
               </a:rPr>
-              <a:t>Point out that the majority of middleware in the application will be </a:t>
+              <a:t>Point out that </a:t>
             </a:r>
             <a:r>
               <a:rPr lang="en-US" sz="1000" b="1" dirty="0">
@@ -6430,7 +6445,7 @@
                 <a:ea typeface="Calibri"/>
                 <a:cs typeface="Times New Roman"/>
               </a:rPr>
-              <a:t>Use</a:t>
+              <a:t>Map</a:t>
             </a:r>
             <a:r>
               <a:rPr lang="en-US" sz="1000" dirty="0">
@@ -6438,7 +6453,55 @@
                 <a:ea typeface="Calibri"/>
                 <a:cs typeface="Times New Roman"/>
               </a:rPr>
-              <a:t>.</a:t>
+              <a:t> isn’t used as much as the other types of middleware but can be situationally useful. It should be important to point that on its own </a:t>
+            </a:r>
+            <a:r>
+              <a:rPr lang="en-US" sz="1000" b="1" dirty="0">
+                <a:latin typeface="Arial"/>
+                <a:ea typeface="Calibri"/>
+                <a:cs typeface="Times New Roman"/>
+              </a:rPr>
+              <a:t>Map</a:t>
+            </a:r>
+            <a:r>
+              <a:rPr lang="en-US" sz="1000" dirty="0">
+                <a:latin typeface="Arial"/>
+                <a:ea typeface="Calibri"/>
+                <a:cs typeface="Times New Roman"/>
+              </a:rPr>
+              <a:t> doesn’t do anything, and that the </a:t>
+            </a:r>
+            <a:r>
+              <a:rPr lang="en-US" sz="1000" b="1" dirty="0">
+                <a:latin typeface="Arial"/>
+                <a:ea typeface="Calibri"/>
+                <a:cs typeface="Times New Roman"/>
+              </a:rPr>
+              <a:t>Use</a:t>
+            </a:r>
+            <a:r>
+              <a:rPr lang="en-US" sz="1000" dirty="0">
+                <a:latin typeface="Arial"/>
+                <a:ea typeface="Calibri"/>
+                <a:cs typeface="Times New Roman"/>
+              </a:rPr>
+              <a:t> and </a:t>
+            </a:r>
+            <a:r>
+              <a:rPr lang="en-US" sz="1000" b="1" dirty="0">
+                <a:latin typeface="Arial"/>
+                <a:ea typeface="Calibri"/>
+                <a:cs typeface="Times New Roman"/>
+              </a:rPr>
+              <a:t>Run</a:t>
+            </a:r>
+            <a:r>
+              <a:rPr lang="en-US" sz="1000" dirty="0">
+                <a:latin typeface="Arial"/>
+                <a:ea typeface="Calibri"/>
+                <a:cs typeface="Times New Roman"/>
+              </a:rPr>
+              <a:t> middleware will need to be added to the pipeline it creates.</a:t>
             </a:r>
           </a:p>
         </p:txBody>
@@ -6613,7 +6676,7 @@
     </p:spTree>
     <p:extLst>
       <p:ext uri="{BB962C8B-B14F-4D97-AF65-F5344CB8AC3E}">
-        <p14:creationId xmlns:p14="http://schemas.microsoft.com/office/powerpoint/2010/main" val="416181266"/>
+        <p14:creationId xmlns:p14="http://schemas.microsoft.com/office/powerpoint/2010/main" val="2050650645"/>
       </p:ext>
     </p:extLst>
   </p:cSld>
@@ -6669,7 +6732,7 @@
         </p:nvSpPr>
         <p:spPr>
           <a:xfrm>
-            <a:off x="310896" y="2093976"/>
+            <a:off x="310896" y="2093975"/>
             <a:ext cx="6153912" cy="6604000"/>
           </a:xfrm>
         </p:spPr>
@@ -6693,72 +6756,105 @@
                 <a:ea typeface="Calibri"/>
                 <a:cs typeface="Times New Roman"/>
               </a:rPr>
-              <a:t>Point out that </a:t>
-            </a:r>
+              <a:t>In some conditions, middleware may end up not performing any actions and immediately calling </a:t>
+            </a:r>
+            <a:r>
+              <a:rPr lang="en-US" sz="1000" dirty="0" err="1">
+                <a:latin typeface="Arial"/>
+                <a:ea typeface="Calibri"/>
+                <a:cs typeface="Times New Roman"/>
+              </a:rPr>
+              <a:t>next.Invoke</a:t>
+            </a:r>
+            <a:r>
+              <a:rPr lang="en-US" sz="1000" dirty="0">
+                <a:latin typeface="Arial"/>
+                <a:ea typeface="Calibri"/>
+                <a:cs typeface="Times New Roman"/>
+              </a:rPr>
+              <a:t>. An example for this is the </a:t>
+            </a:r>
+            <a:r>
+              <a:rPr lang="en-US" sz="1000" dirty="0" err="1">
+                <a:latin typeface="Arial"/>
+                <a:ea typeface="Calibri"/>
+                <a:cs typeface="Times New Roman"/>
+              </a:rPr>
+              <a:t>UseStaticFiles</a:t>
+            </a:r>
+            <a:r>
+              <a:rPr lang="en-US" sz="1000" dirty="0">
+                <a:latin typeface="Arial"/>
+                <a:ea typeface="Calibri"/>
+                <a:cs typeface="Times New Roman"/>
+              </a:rPr>
+              <a:t> middleware, which is covered in Topic 4, “Working with Static Files”. There are no examples for this in this demo.</a:t>
+            </a:r>
+          </a:p>
+          <a:p>
+            <a:pPr>
+              <a:lnSpc>
+                <a:spcPct val="115000"/>
+              </a:lnSpc>
+              <a:spcAft>
+                <a:spcPts val="1000"/>
+              </a:spcAft>
+            </a:pPr>
             <a:r>
               <a:rPr lang="en-US" sz="1000" b="1" dirty="0">
                 <a:latin typeface="Arial"/>
                 <a:ea typeface="Calibri"/>
                 <a:cs typeface="Times New Roman"/>
               </a:rPr>
-              <a:t>Map</a:t>
-            </a:r>
+              <a:t>Demonstration Steps</a:t>
+            </a:r>
+          </a:p>
+          <a:p>
+            <a:pPr>
+              <a:lnSpc>
+                <a:spcPct val="115000"/>
+              </a:lnSpc>
+              <a:spcAft>
+                <a:spcPts val="1000"/>
+              </a:spcAft>
+            </a:pPr>
             <a:r>
               <a:rPr lang="en-US" sz="1000" dirty="0">
                 <a:latin typeface="Arial"/>
                 <a:ea typeface="Calibri"/>
                 <a:cs typeface="Times New Roman"/>
               </a:rPr>
-              <a:t> isn’t used as much as the other types of middleware but can be situationally useful. It should be important to point that on its own </a:t>
-            </a:r>
-            <a:r>
-              <a:rPr lang="en-US" sz="1000" b="1" dirty="0">
+              <a:t>You will find the steps in the section “Demonstration: How to Create Custom Middleware“ on the following page: </a:t>
+            </a:r>
+            <a:r>
+              <a:rPr lang="en-US" sz="1000" u="sng" dirty="0">
+                <a:solidFill>
+                  <a:srgbClr val="0563C1"/>
+                </a:solidFill>
+                <a:latin typeface="Arial"/>
+                <a:ea typeface="Calibri"/>
+                <a:cs typeface="Segoe UI"/>
+                <a:hlinkClick r:id="rId3"/>
+              </a:rPr>
+              <a:t>https://github.com/MicrosoftLearning/20486D-DevelopingASPNETMVCWebApplications/blob/master/Instructions/20486D_MOD03_DEMO.md#demonstration-how-to-create-custom-middleware</a:t>
+            </a:r>
+            <a:r>
+              <a:rPr lang="en-US" sz="1000" u="sng" dirty="0">
+                <a:solidFill>
+                  <a:srgbClr val="0563C1"/>
+                </a:solidFill>
                 <a:latin typeface="Arial"/>
                 <a:ea typeface="Calibri"/>
                 <a:cs typeface="Times New Roman"/>
-              </a:rPr>
-              <a:t>Map</a:t>
-            </a:r>
-            <a:r>
-              <a:rPr lang="en-US" sz="1000" dirty="0">
-                <a:latin typeface="Arial"/>
-                <a:ea typeface="Calibri"/>
-                <a:cs typeface="Times New Roman"/>
-              </a:rPr>
-              <a:t> doesn’t do anything, and that the </a:t>
-            </a:r>
-            <a:r>
-              <a:rPr lang="en-US" sz="1000" b="1" dirty="0">
-                <a:latin typeface="Arial"/>
-                <a:ea typeface="Calibri"/>
-                <a:cs typeface="Times New Roman"/>
-              </a:rPr>
-              <a:t>Use</a:t>
-            </a:r>
-            <a:r>
-              <a:rPr lang="en-US" sz="1000" dirty="0">
-                <a:latin typeface="Arial"/>
-                <a:ea typeface="Calibri"/>
-                <a:cs typeface="Times New Roman"/>
-              </a:rPr>
-              <a:t> and </a:t>
-            </a:r>
-            <a:r>
-              <a:rPr lang="en-US" sz="1000" b="1" dirty="0">
-                <a:latin typeface="Arial"/>
-                <a:ea typeface="Calibri"/>
-                <a:cs typeface="Times New Roman"/>
-              </a:rPr>
-              <a:t>Run</a:t>
-            </a:r>
-            <a:r>
-              <a:rPr lang="en-US" sz="1000" dirty="0">
-                <a:latin typeface="Arial"/>
-                <a:ea typeface="Calibri"/>
-                <a:cs typeface="Times New Roman"/>
-              </a:rPr>
-              <a:t> middleware will need to be added to the pipeline it creates.</a:t>
-            </a:r>
+                <a:hlinkClick r:id="rId3"/>
+              </a:rPr>
+              <a:t>.</a:t>
+            </a:r>
+            <a:endParaRPr lang="en-US" sz="1000" dirty="0">
+              <a:latin typeface="Arial"/>
+              <a:ea typeface="Calibri"/>
+              <a:cs typeface="Times New Roman"/>
+            </a:endParaRPr>
           </a:p>
         </p:txBody>
       </p:sp>
@@ -6932,7 +7028,7 @@
     </p:spTree>
     <p:extLst>
       <p:ext uri="{BB962C8B-B14F-4D97-AF65-F5344CB8AC3E}">
-        <p14:creationId xmlns:p14="http://schemas.microsoft.com/office/powerpoint/2010/main" val="2050650645"/>
+        <p14:creationId xmlns:p14="http://schemas.microsoft.com/office/powerpoint/2010/main" val="2262612097"/>
       </p:ext>
     </p:extLst>
   </p:cSld>
@@ -7012,105 +7108,8 @@
                 <a:ea typeface="Calibri"/>
                 <a:cs typeface="Times New Roman"/>
               </a:rPr>
-              <a:t>In some conditions, middleware may end up not performing any actions and immediately calling </a:t>
-            </a:r>
-            <a:r>
-              <a:rPr lang="en-US" sz="1000" dirty="0" err="1">
-                <a:latin typeface="Arial"/>
-                <a:ea typeface="Calibri"/>
-                <a:cs typeface="Times New Roman"/>
-              </a:rPr>
-              <a:t>next.Invoke</a:t>
-            </a:r>
-            <a:r>
-              <a:rPr lang="en-US" sz="1000" dirty="0">
-                <a:latin typeface="Arial"/>
-                <a:ea typeface="Calibri"/>
-                <a:cs typeface="Times New Roman"/>
-              </a:rPr>
-              <a:t>. An example for this is the </a:t>
-            </a:r>
-            <a:r>
-              <a:rPr lang="en-US" sz="1000" dirty="0" err="1">
-                <a:latin typeface="Arial"/>
-                <a:ea typeface="Calibri"/>
-                <a:cs typeface="Times New Roman"/>
-              </a:rPr>
-              <a:t>UseStaticFiles</a:t>
-            </a:r>
-            <a:r>
-              <a:rPr lang="en-US" sz="1000" dirty="0">
-                <a:latin typeface="Arial"/>
-                <a:ea typeface="Calibri"/>
-                <a:cs typeface="Times New Roman"/>
-              </a:rPr>
-              <a:t> middleware, which is covered in Topic 4, “Working with Static Files”. There are no examples for this in this demo.</a:t>
-            </a:r>
-          </a:p>
-          <a:p>
-            <a:pPr>
-              <a:lnSpc>
-                <a:spcPct val="115000"/>
-              </a:lnSpc>
-              <a:spcAft>
-                <a:spcPts val="1000"/>
-              </a:spcAft>
-            </a:pPr>
-            <a:r>
-              <a:rPr lang="en-US" sz="1000" b="1" dirty="0">
-                <a:latin typeface="Arial"/>
-                <a:ea typeface="Calibri"/>
-                <a:cs typeface="Times New Roman"/>
-              </a:rPr>
-              <a:t>Demonstration Steps</a:t>
-            </a:r>
-          </a:p>
-          <a:p>
-            <a:pPr>
-              <a:lnSpc>
-                <a:spcPct val="115000"/>
-              </a:lnSpc>
-              <a:spcAft>
-                <a:spcPts val="1000"/>
-              </a:spcAft>
-            </a:pPr>
-            <a:r>
-              <a:rPr lang="en-US" sz="1000" dirty="0">
-                <a:latin typeface="Arial"/>
-                <a:ea typeface="Calibri"/>
-                <a:cs typeface="Times New Roman"/>
-              </a:rPr>
-              <a:t>You will find the steps in the section “Demonstration: How to Create Custom Middleware“ on the following page: </a:t>
-            </a:r>
-            <a:r>
-              <a:rPr lang="en-US" sz="1000" u="sng" dirty="0">
-                <a:solidFill>
-                  <a:srgbClr val="0563C1"/>
-                </a:solidFill>
-                <a:latin typeface="Arial"/>
-                <a:ea typeface="Calibri"/>
-                <a:cs typeface="Segoe UI"/>
-                <a:hlinkClick r:id="rId3"/>
-              </a:rPr>
-              <a:t>https://github.com/MicrosoftLearning/20486D-DevelopingASPNETMVCWebApplications/blob/master/Instructions/20486D_MOD03_DEMO.md#demonstration-how-to-create-custom-middleware</a:t>
-            </a:r>
-            <a:r>
-              <a:rPr lang="en-US" sz="1000" u="sng" dirty="0">
-                <a:solidFill>
-                  <a:srgbClr val="0563C1"/>
-                </a:solidFill>
-                <a:latin typeface="Arial"/>
-                <a:ea typeface="Calibri"/>
-                <a:cs typeface="Times New Roman"/>
-                <a:hlinkClick r:id="rId3"/>
-              </a:rPr>
-              <a:t>.</a:t>
-            </a:r>
-            <a:endParaRPr lang="en-US" sz="1000" dirty="0">
-              <a:latin typeface="Arial"/>
-              <a:ea typeface="Calibri"/>
-              <a:cs typeface="Times New Roman"/>
-            </a:endParaRPr>
+              <a:t>Point out that static files are files that should be sent to the client as they are. These should not be files that could grant knowledge of the application structure on the server side.</a:t>
+            </a:r>
           </a:p>
         </p:txBody>
       </p:sp>
@@ -7284,7 +7283,7 @@
     </p:spTree>
     <p:extLst>
       <p:ext uri="{BB962C8B-B14F-4D97-AF65-F5344CB8AC3E}">
-        <p14:creationId xmlns:p14="http://schemas.microsoft.com/office/powerpoint/2010/main" val="2262612097"/>
+        <p14:creationId xmlns:p14="http://schemas.microsoft.com/office/powerpoint/2010/main" val="1710906530"/>
       </p:ext>
     </p:extLst>
   </p:cSld>
@@ -7340,7 +7339,7 @@
         </p:nvSpPr>
         <p:spPr>
           <a:xfrm>
-            <a:off x="310896" y="2093975"/>
+            <a:off x="310896" y="2093976"/>
             <a:ext cx="6153912" cy="6604000"/>
           </a:xfrm>
         </p:spPr>
@@ -7364,7 +7363,7 @@
                 <a:ea typeface="Calibri"/>
                 <a:cs typeface="Times New Roman"/>
               </a:rPr>
-              <a:t>Point out that static files are files that should be sent to the client as they are. These should not be files that could grant knowledge of the application structure on the server side.</a:t>
+              <a:t>Note that many other files can be supported by default for serving to the client, and it is possible to toggle a setting allowing non-standard file types. However, that should be handled cautiously.</a:t>
             </a:r>
           </a:p>
         </p:txBody>
@@ -7539,7 +7538,7 @@
     </p:spTree>
     <p:extLst>
       <p:ext uri="{BB962C8B-B14F-4D97-AF65-F5344CB8AC3E}">
-        <p14:creationId xmlns:p14="http://schemas.microsoft.com/office/powerpoint/2010/main" val="1710906530"/>
+        <p14:creationId xmlns:p14="http://schemas.microsoft.com/office/powerpoint/2010/main" val="2002436644"/>
       </p:ext>
     </p:extLst>
   </p:cSld>
@@ -7886,7 +7885,7 @@
         </p:nvSpPr>
         <p:spPr>
           <a:xfrm>
-            <a:off x="310896" y="2093976"/>
+            <a:off x="310896" y="2093975"/>
             <a:ext cx="6153912" cy="6604000"/>
           </a:xfrm>
         </p:spPr>
@@ -7905,13 +7904,64 @@
               </a:spcAft>
             </a:pPr>
             <a:r>
+              <a:rPr lang="en-US" sz="1000" b="1" dirty="0">
+                <a:latin typeface="Arial"/>
+                <a:ea typeface="Calibri"/>
+                <a:cs typeface="Times New Roman"/>
+              </a:rPr>
+              <a:t>Demonstration Steps</a:t>
+            </a:r>
+          </a:p>
+          <a:p>
+            <a:pPr>
+              <a:lnSpc>
+                <a:spcPct val="115000"/>
+              </a:lnSpc>
+            </a:pPr>
+            <a:r>
               <a:rPr lang="en-US" sz="1000" dirty="0">
                 <a:latin typeface="Arial"/>
                 <a:ea typeface="Calibri"/>
                 <a:cs typeface="Times New Roman"/>
               </a:rPr>
-              <a:t>Note that many other files can be supported by default for serving to the client, and it is possible to toggle a setting allowing non-standard file types. However, that should be handled cautiously.</a:t>
-            </a:r>
+              <a:t>You will find the steps in the section “Demonstration: How to Work with Static Files“ on the following page: </a:t>
+            </a:r>
+            <a:r>
+              <a:rPr lang="en-US" sz="1000" u="sng" dirty="0">
+                <a:solidFill>
+                  <a:srgbClr val="0563C1"/>
+                </a:solidFill>
+                <a:latin typeface="Arial"/>
+                <a:ea typeface="Calibri"/>
+                <a:cs typeface="Segoe UI"/>
+                <a:hlinkClick r:id="rId3"/>
+              </a:rPr>
+              <a:t>https://github.com/MicrosoftLearning/20486D-DevelopingASPNETMVCWebApplications/blob/master/Instructions/20486D_MOD03_DEMO.md#demonstration-how-to-work-with-static-files</a:t>
+            </a:r>
+            <a:r>
+              <a:rPr lang="en-US" sz="1000" u="sng" dirty="0">
+                <a:solidFill>
+                  <a:srgbClr val="0563C1"/>
+                </a:solidFill>
+                <a:latin typeface="Arial"/>
+                <a:ea typeface="Calibri"/>
+                <a:cs typeface="Times New Roman"/>
+                <a:hlinkClick r:id="rId3"/>
+              </a:rPr>
+              <a:t>.</a:t>
+            </a:r>
+            <a:r>
+              <a:rPr lang="en-US" sz="1000" dirty="0">
+                <a:effectLst/>
+                <a:latin typeface="Arial"/>
+                <a:ea typeface="Calibri"/>
+                <a:cs typeface="Times New Roman"/>
+              </a:rPr>
+              <a:t> </a:t>
+            </a:r>
+            <a:endParaRPr lang="en-US" sz="1000" dirty="0">
+              <a:latin typeface="Arial"/>
+            </a:endParaRPr>
           </a:p>
         </p:txBody>
       </p:sp>
@@ -8085,7 +8135,7 @@
     </p:spTree>
     <p:extLst>
       <p:ext uri="{BB962C8B-B14F-4D97-AF65-F5344CB8AC3E}">
-        <p14:creationId xmlns:p14="http://schemas.microsoft.com/office/powerpoint/2010/main" val="2002436644"/>
+        <p14:creationId xmlns:p14="http://schemas.microsoft.com/office/powerpoint/2010/main" val="2377007719"/>
       </p:ext>
     </p:extLst>
   </p:cSld>
@@ -8141,7 +8191,7 @@
         </p:nvSpPr>
         <p:spPr>
           <a:xfrm>
-            <a:off x="310896" y="2093975"/>
+            <a:off x="310896" y="2093976"/>
             <a:ext cx="6153912" cy="6604000"/>
           </a:xfrm>
         </p:spPr>
@@ -8160,27 +8210,33 @@
               </a:spcAft>
             </a:pPr>
             <a:r>
-              <a:rPr lang="en-US" sz="1000" b="1" dirty="0">
-                <a:latin typeface="Arial"/>
-                <a:ea typeface="Calibri"/>
-                <a:cs typeface="Times New Roman"/>
-              </a:rPr>
-              <a:t>Demonstration Steps</a:t>
-            </a:r>
-          </a:p>
-          <a:p>
-            <a:pPr>
-              <a:lnSpc>
-                <a:spcPct val="115000"/>
-              </a:lnSpc>
-            </a:pPr>
-            <a:r>
               <a:rPr lang="en-US" sz="1000" dirty="0">
                 <a:latin typeface="Arial"/>
                 <a:ea typeface="Calibri"/>
                 <a:cs typeface="Times New Roman"/>
               </a:rPr>
-              <a:t>You will find the steps in the section “Demonstration: How to Work with Static Files“ on the following page: </a:t>
+              <a:t>In this lab the students will learn how to send data from an HTML form to a middleware, save the data in a service, and output the data by using a controller and Dependency Injection.</a:t>
+            </a:r>
+          </a:p>
+          <a:p>
+            <a:pPr>
+              <a:lnSpc>
+                <a:spcPct val="115000"/>
+              </a:lnSpc>
+              <a:spcAft>
+                <a:spcPts val="1000"/>
+              </a:spcAft>
+            </a:pPr>
+            <a:r>
+              <a:rPr lang="en-US" sz="1000" dirty="0">
+                <a:solidFill>
+                  <a:srgbClr val="000000"/>
+                </a:solidFill>
+                <a:latin typeface="Arial"/>
+                <a:ea typeface="Calibri"/>
+                <a:cs typeface="Times New Roman"/>
+              </a:rPr>
+              <a:t>You will find the high-level steps on the following page: </a:t>
             </a:r>
             <a:r>
               <a:rPr lang="en-US" sz="1000" u="sng" dirty="0">
@@ -8192,7 +8248,7 @@
                 <a:cs typeface="Segoe UI"/>
                 <a:hlinkClick r:id="rId3"/>
               </a:rPr>
-              <a:t>https://github.com/MicrosoftLearning/20486D-DevelopingASPNETMVCWebApplications/blob/master/Instructions/20486D_MOD03_DEMO.md#demonstration-how-to-work-with-static-files</a:t>
+              <a:t>https://github.com/MicrosoftLearning/20486D-DevelopingASPNETMVCWebApplications/blob/master/Instructions/20486D_MOD03_LAB_MANUAL.md</a:t>
             </a:r>
             <a:r>
               <a:rPr lang="en-US" sz="1000" u="sng" dirty="0">
@@ -8208,7 +8264,9 @@
             </a:r>
             <a:r>
               <a:rPr lang="en-US" sz="1000" dirty="0">
-                <a:effectLst/>
+                <a:solidFill>
+                  <a:srgbClr val="000000"/>
+                </a:solidFill>
                 <a:latin typeface="Arial"/>
                 <a:ea typeface="Calibri"/>
                 <a:cs typeface="Times New Roman"/>
@@ -8217,6 +8275,431 @@
             </a:r>
             <a:endParaRPr lang="en-US" sz="1000" dirty="0">
               <a:latin typeface="Arial"/>
+              <a:ea typeface="Calibri"/>
+              <a:cs typeface="Times New Roman"/>
+            </a:endParaRPr>
+          </a:p>
+          <a:p>
+            <a:pPr>
+              <a:lnSpc>
+                <a:spcPct val="115000"/>
+              </a:lnSpc>
+              <a:spcAft>
+                <a:spcPts val="1000"/>
+              </a:spcAft>
+            </a:pPr>
+            <a:r>
+              <a:rPr lang="en-US" sz="1000" dirty="0">
+                <a:solidFill>
+                  <a:srgbClr val="000000"/>
+                </a:solidFill>
+                <a:latin typeface="Arial"/>
+                <a:ea typeface="Calibri"/>
+                <a:cs typeface="Times New Roman"/>
+              </a:rPr>
+              <a:t>You will find the detailed steps on the following page: </a:t>
+            </a:r>
+            <a:r>
+              <a:rPr lang="en-US" sz="1000" u="sng" dirty="0">
+                <a:solidFill>
+                  <a:srgbClr val="0563C1"/>
+                </a:solidFill>
+                <a:latin typeface="Arial"/>
+                <a:ea typeface="Calibri"/>
+                <a:cs typeface="Segoe UI"/>
+                <a:hlinkClick r:id="rId4"/>
+              </a:rPr>
+              <a:t>https://github.com/MicrosoftLearning/20486D-DevelopingASPNETMVCWebApplications/blob/master/Instructions/20486D_MOD03_LAK.md</a:t>
+            </a:r>
+            <a:r>
+              <a:rPr lang="en-US" sz="1000" u="sng" dirty="0">
+                <a:solidFill>
+                  <a:srgbClr val="0563C1"/>
+                </a:solidFill>
+                <a:latin typeface="Arial"/>
+                <a:ea typeface="Calibri"/>
+                <a:cs typeface="Times New Roman"/>
+                <a:hlinkClick r:id="rId4"/>
+              </a:rPr>
+              <a:t>.</a:t>
+            </a:r>
+            <a:r>
+              <a:rPr lang="en-US" sz="1000" dirty="0">
+                <a:solidFill>
+                  <a:srgbClr val="000000"/>
+                </a:solidFill>
+                <a:latin typeface="Arial"/>
+                <a:ea typeface="Calibri"/>
+                <a:cs typeface="Times New Roman"/>
+              </a:rPr>
+              <a:t> </a:t>
+            </a:r>
+            <a:endParaRPr lang="en-US" sz="1000" dirty="0">
+              <a:latin typeface="Arial"/>
+              <a:ea typeface="Calibri"/>
+              <a:cs typeface="Times New Roman"/>
+            </a:endParaRPr>
+          </a:p>
+          <a:p>
+            <a:pPr>
+              <a:lnSpc>
+                <a:spcPct val="115000"/>
+              </a:lnSpc>
+              <a:spcAft>
+                <a:spcPts val="1000"/>
+              </a:spcAft>
+            </a:pPr>
+            <a:r>
+              <a:rPr lang="en-US" sz="1000" b="1" dirty="0">
+                <a:latin typeface="Arial"/>
+                <a:ea typeface="Arial Unicode MS"/>
+                <a:cs typeface="Arial"/>
+              </a:rPr>
+              <a:t>Exercise 1: Working with Static Files</a:t>
+            </a:r>
+            <a:endParaRPr lang="en-US" sz="1000" b="1" dirty="0">
+              <a:latin typeface="Arial"/>
+              <a:ea typeface="Calibri"/>
+              <a:cs typeface="Times New Roman"/>
+            </a:endParaRPr>
+          </a:p>
+          <a:p>
+            <a:pPr>
+              <a:lnSpc>
+                <a:spcPct val="115000"/>
+              </a:lnSpc>
+              <a:spcAft>
+                <a:spcPts val="1000"/>
+              </a:spcAft>
+            </a:pPr>
+            <a:r>
+              <a:rPr lang="en-US" sz="1000" dirty="0">
+                <a:latin typeface="Arial"/>
+                <a:ea typeface="Calibri"/>
+                <a:cs typeface="Times New Roman"/>
+              </a:rPr>
+              <a:t>To create the poll, the application needs a styled HTML page. The HTML page must post the poll results to the server. To transfer the results to the server you will use an HTML form.</a:t>
+            </a:r>
+          </a:p>
+          <a:p>
+            <a:pPr>
+              <a:lnSpc>
+                <a:spcPct val="115000"/>
+              </a:lnSpc>
+              <a:spcAft>
+                <a:spcPts val="1000"/>
+              </a:spcAft>
+            </a:pPr>
+            <a:r>
+              <a:rPr lang="en-US" sz="1000" dirty="0">
+                <a:latin typeface="Arial"/>
+                <a:ea typeface="Calibri"/>
+                <a:cs typeface="Times New Roman"/>
+              </a:rPr>
+              <a:t>The main tasks for this exercise are the following: </a:t>
+            </a:r>
+          </a:p>
+          <a:p>
+            <a:pPr marL="342900" marR="0" lvl="0" indent="-342900">
+              <a:lnSpc>
+                <a:spcPct val="115000"/>
+              </a:lnSpc>
+              <a:spcBef>
+                <a:spcPts val="0"/>
+              </a:spcBef>
+              <a:spcAft>
+                <a:spcPts val="995"/>
+              </a:spcAft>
+              <a:buFont typeface="+mj-lt"/>
+              <a:buAutoNum type="arabicPeriod"/>
+            </a:pPr>
+            <a:r>
+              <a:rPr lang="en-US" sz="1000" dirty="0">
+                <a:effectLst/>
+                <a:latin typeface="Arial"/>
+                <a:ea typeface="Times New Roman"/>
+                <a:cs typeface="Times New Roman"/>
+              </a:rPr>
+              <a:t>Create a new project by using the ASP.NET Core Empty project template</a:t>
+            </a:r>
+          </a:p>
+          <a:p>
+            <a:pPr marL="342900" marR="0" lvl="0" indent="-342900">
+              <a:lnSpc>
+                <a:spcPct val="115000"/>
+              </a:lnSpc>
+              <a:spcBef>
+                <a:spcPts val="0"/>
+              </a:spcBef>
+              <a:spcAft>
+                <a:spcPts val="995"/>
+              </a:spcAft>
+              <a:buFont typeface="+mj-lt"/>
+              <a:buAutoNum type="arabicPeriod"/>
+            </a:pPr>
+            <a:r>
+              <a:rPr lang="en-US" sz="1000" dirty="0">
+                <a:effectLst/>
+                <a:latin typeface="Arial"/>
+                <a:ea typeface="Times New Roman"/>
+                <a:cs typeface="Times New Roman"/>
+              </a:rPr>
+              <a:t>Run the application</a:t>
+            </a:r>
+          </a:p>
+          <a:p>
+            <a:pPr marL="342900" marR="0" lvl="0" indent="-342900">
+              <a:lnSpc>
+                <a:spcPct val="115000"/>
+              </a:lnSpc>
+              <a:spcBef>
+                <a:spcPts val="0"/>
+              </a:spcBef>
+              <a:spcAft>
+                <a:spcPts val="995"/>
+              </a:spcAft>
+              <a:buFont typeface="+mj-lt"/>
+              <a:buAutoNum type="arabicPeriod"/>
+            </a:pPr>
+            <a:r>
+              <a:rPr lang="en-US" sz="1000" dirty="0">
+                <a:effectLst/>
+                <a:latin typeface="Arial"/>
+                <a:ea typeface="Times New Roman"/>
+                <a:cs typeface="Times New Roman"/>
+              </a:rPr>
+              <a:t>Add an HTML file to the </a:t>
+            </a:r>
+            <a:r>
+              <a:rPr lang="en-US" sz="1000" b="1" dirty="0" err="1">
+                <a:effectLst/>
+                <a:latin typeface="Arial"/>
+                <a:ea typeface="Times New Roman"/>
+                <a:cs typeface="Times New Roman"/>
+              </a:rPr>
+              <a:t>wwwroot</a:t>
+            </a:r>
+            <a:r>
+              <a:rPr lang="en-US" sz="1000" dirty="0">
+                <a:effectLst/>
+                <a:latin typeface="Arial"/>
+                <a:ea typeface="Times New Roman"/>
+                <a:cs typeface="Times New Roman"/>
+              </a:rPr>
+              <a:t> folder</a:t>
+            </a:r>
+          </a:p>
+          <a:p>
+            <a:pPr marL="342900" marR="0" lvl="0" indent="-342900">
+              <a:lnSpc>
+                <a:spcPct val="115000"/>
+              </a:lnSpc>
+              <a:spcBef>
+                <a:spcPts val="0"/>
+              </a:spcBef>
+              <a:spcAft>
+                <a:spcPts val="995"/>
+              </a:spcAft>
+              <a:buFont typeface="+mj-lt"/>
+              <a:buAutoNum type="arabicPeriod"/>
+            </a:pPr>
+            <a:r>
+              <a:rPr lang="en-US" sz="1000" dirty="0">
+                <a:effectLst/>
+                <a:latin typeface="Arial"/>
+                <a:ea typeface="Times New Roman"/>
+                <a:cs typeface="Times New Roman"/>
+              </a:rPr>
+              <a:t>Run the application - the content of the HTML file is not displayed</a:t>
+            </a:r>
+          </a:p>
+          <a:p>
+            <a:pPr marL="342900" marR="0" lvl="0" indent="-342900">
+              <a:lnSpc>
+                <a:spcPct val="115000"/>
+              </a:lnSpc>
+              <a:spcBef>
+                <a:spcPts val="0"/>
+              </a:spcBef>
+              <a:spcAft>
+                <a:spcPts val="995"/>
+              </a:spcAft>
+              <a:buFont typeface="+mj-lt"/>
+              <a:buAutoNum type="arabicPeriod"/>
+            </a:pPr>
+            <a:r>
+              <a:rPr lang="en-US" sz="1000" dirty="0">
+                <a:effectLst/>
+                <a:latin typeface="Arial"/>
+                <a:ea typeface="Times New Roman"/>
+                <a:cs typeface="Times New Roman"/>
+              </a:rPr>
+              <a:t>Enable working with static files</a:t>
+            </a:r>
+          </a:p>
+          <a:p>
+            <a:pPr marL="342900" marR="0" lvl="0" indent="-342900">
+              <a:lnSpc>
+                <a:spcPct val="115000"/>
+              </a:lnSpc>
+              <a:spcBef>
+                <a:spcPts val="0"/>
+              </a:spcBef>
+              <a:spcAft>
+                <a:spcPts val="995"/>
+              </a:spcAft>
+              <a:buFont typeface="+mj-lt"/>
+              <a:buAutoNum type="arabicPeriod"/>
+            </a:pPr>
+            <a:r>
+              <a:rPr lang="en-US" sz="1000" dirty="0">
+                <a:effectLst/>
+                <a:latin typeface="Arial"/>
+                <a:ea typeface="Times New Roman"/>
+                <a:cs typeface="Times New Roman"/>
+              </a:rPr>
+              <a:t>Run the application - the content of the HTML file is displayed</a:t>
+            </a:r>
+          </a:p>
+          <a:p>
+            <a:pPr marL="342900" marR="0" lvl="0" indent="-342900">
+              <a:lnSpc>
+                <a:spcPct val="115000"/>
+              </a:lnSpc>
+              <a:spcBef>
+                <a:spcPts val="0"/>
+              </a:spcBef>
+              <a:spcAft>
+                <a:spcPts val="995"/>
+              </a:spcAft>
+              <a:buFont typeface="+mj-lt"/>
+              <a:buAutoNum type="arabicPeriod"/>
+            </a:pPr>
+            <a:r>
+              <a:rPr lang="en-US" sz="1000" dirty="0">
+                <a:effectLst/>
+                <a:latin typeface="Arial"/>
+                <a:ea typeface="Times New Roman"/>
+                <a:cs typeface="Times New Roman"/>
+              </a:rPr>
+              <a:t>Add an HTML file outside of the </a:t>
+            </a:r>
+            <a:r>
+              <a:rPr lang="en-US" sz="1000" b="1" dirty="0" err="1">
+                <a:effectLst/>
+                <a:latin typeface="Arial"/>
+                <a:ea typeface="Times New Roman"/>
+                <a:cs typeface="Times New Roman"/>
+              </a:rPr>
+              <a:t>wwwroot</a:t>
+            </a:r>
+            <a:r>
+              <a:rPr lang="en-US" sz="1000" dirty="0">
+                <a:effectLst/>
+                <a:latin typeface="Arial"/>
+                <a:ea typeface="Times New Roman"/>
+                <a:cs typeface="Times New Roman"/>
+              </a:rPr>
+              <a:t> folder</a:t>
+            </a:r>
+          </a:p>
+          <a:p>
+            <a:pPr marL="342900" marR="0" lvl="0" indent="-342900">
+              <a:lnSpc>
+                <a:spcPct val="115000"/>
+              </a:lnSpc>
+              <a:spcBef>
+                <a:spcPts val="0"/>
+              </a:spcBef>
+              <a:spcAft>
+                <a:spcPts val="995"/>
+              </a:spcAft>
+              <a:buFont typeface="+mj-lt"/>
+              <a:buAutoNum type="arabicPeriod"/>
+            </a:pPr>
+            <a:r>
+              <a:rPr lang="en-US" sz="1000" dirty="0">
+                <a:effectLst/>
+                <a:latin typeface="Arial"/>
+                <a:ea typeface="Times New Roman"/>
+                <a:cs typeface="Times New Roman"/>
+              </a:rPr>
+              <a:t>Run the application - the content of the HTML file outside the </a:t>
+            </a:r>
+            <a:r>
+              <a:rPr lang="en-US" sz="1000" b="1" dirty="0" err="1">
+                <a:effectLst/>
+                <a:latin typeface="Arial"/>
+                <a:ea typeface="Times New Roman"/>
+                <a:cs typeface="Times New Roman"/>
+              </a:rPr>
+              <a:t>wwwroot</a:t>
+            </a:r>
+            <a:r>
+              <a:rPr lang="en-US" sz="1000" dirty="0">
+                <a:effectLst/>
+                <a:latin typeface="Arial"/>
+                <a:ea typeface="Times New Roman"/>
+                <a:cs typeface="Times New Roman"/>
+              </a:rPr>
+              <a:t> folder is not displayed</a:t>
+            </a:r>
+          </a:p>
+          <a:p>
+            <a:pPr>
+              <a:lnSpc>
+                <a:spcPct val="115000"/>
+              </a:lnSpc>
+              <a:spcAft>
+                <a:spcPts val="1000"/>
+              </a:spcAft>
+            </a:pPr>
+            <a:r>
+              <a:rPr lang="en-US" sz="1000" b="1" dirty="0">
+                <a:latin typeface="Arial"/>
+                <a:ea typeface="Arial Unicode MS"/>
+                <a:cs typeface="Arial"/>
+              </a:rPr>
+              <a:t>Exercise 2: Creating Custom Middleware</a:t>
+            </a:r>
+            <a:endParaRPr lang="en-US" sz="1000" b="1" dirty="0">
+              <a:latin typeface="Arial"/>
+              <a:ea typeface="Calibri"/>
+              <a:cs typeface="Times New Roman"/>
+            </a:endParaRPr>
+          </a:p>
+          <a:p>
+            <a:pPr>
+              <a:lnSpc>
+                <a:spcPct val="115000"/>
+              </a:lnSpc>
+              <a:spcAft>
+                <a:spcPts val="1000"/>
+              </a:spcAft>
+            </a:pPr>
+            <a:r>
+              <a:rPr lang="en-US" sz="1000" dirty="0">
+                <a:latin typeface="Arial"/>
+                <a:ea typeface="Calibri"/>
+                <a:cs typeface="Times New Roman"/>
+              </a:rPr>
+              <a:t>The server needs to handle the client’s request. You have been asked to find which ball game was chosen by the user. To do this, you will create a middleware.</a:t>
+            </a:r>
+          </a:p>
+          <a:p>
+            <a:pPr>
+              <a:lnSpc>
+                <a:spcPct val="115000"/>
+              </a:lnSpc>
+              <a:spcAft>
+                <a:spcPts val="1000"/>
+              </a:spcAft>
+            </a:pPr>
+            <a:endParaRPr lang="en-US" sz="1000" dirty="0">
+              <a:effectLst/>
+              <a:latin typeface="Arial"/>
+              <a:ea typeface="Times New Roman"/>
+              <a:cs typeface="Times New Roman"/>
             </a:endParaRPr>
           </a:p>
         </p:txBody>
@@ -8388,10 +8871,41 @@
           </a:p>
         </p:txBody>
       </p:sp>
+      <p:sp>
+        <p:nvSpPr>
+          <p:cNvPr id="7" name="TextBox 6"/>
+          <p:cNvSpPr txBox="1"/>
+          <p:nvPr/>
+        </p:nvSpPr>
+        <p:spPr>
+          <a:xfrm>
+            <a:off x="0" y="8890000"/>
+            <a:ext cx="1871025" cy="246221"/>
+          </a:xfrm>
+          <a:prstGeom prst="rect">
+            <a:avLst/>
+          </a:prstGeom>
+          <a:noFill/>
+        </p:spPr>
+        <p:txBody>
+          <a:bodyPr vert="horz" wrap="none" rtlCol="0">
+            <a:spAutoFit/>
+          </a:bodyPr>
+          <a:lstStyle/>
+          <a:p>
+            <a:r>
+              <a:rPr lang="en-US" sz="1000">
+                <a:latin typeface="Arial"/>
+              </a:rPr>
+              <a:t>(More notes on the next slide)</a:t>
+            </a:r>
+          </a:p>
+        </p:txBody>
+      </p:sp>
     </p:spTree>
     <p:extLst>
       <p:ext uri="{BB962C8B-B14F-4D97-AF65-F5344CB8AC3E}">
-        <p14:creationId xmlns:p14="http://schemas.microsoft.com/office/powerpoint/2010/main" val="2377007719"/>
+        <p14:creationId xmlns:p14="http://schemas.microsoft.com/office/powerpoint/2010/main" val="734247852"/>
       </p:ext>
     </p:extLst>
   </p:cSld>
@@ -8457,7 +8971,7 @@
           </a:bodyPr>
           <a:lstStyle/>
           <a:p>
-            <a:pPr>
+            <a:pPr lvl="0">
               <a:lnSpc>
                 <a:spcPct val="115000"/>
               </a:lnSpc>
@@ -8467,202 +8981,21 @@
             </a:pPr>
             <a:r>
               <a:rPr lang="en-US" sz="1000" dirty="0">
+                <a:solidFill>
+                  <a:prstClr val="black"/>
+                </a:solidFill>
                 <a:latin typeface="Arial"/>
                 <a:ea typeface="Calibri"/>
                 <a:cs typeface="Times New Roman"/>
               </a:rPr>
-              <a:t>In this lab the students will learn how to send data from an HTML form to a middleware, save the data in a service, and output the data by using a controller and Dependency Injection.</a:t>
-            </a:r>
-          </a:p>
-          <a:p>
-            <a:pPr>
+              <a:t>The main tasks for this exercise are the follows: </a:t>
+            </a:r>
+          </a:p>
+          <a:p>
+            <a:pPr marL="342900" lvl="0" indent="-342900">
               <a:lnSpc>
                 <a:spcPct val="115000"/>
               </a:lnSpc>
-              <a:spcAft>
-                <a:spcPts val="1000"/>
-              </a:spcAft>
-            </a:pPr>
-            <a:r>
-              <a:rPr lang="en-US" sz="1000" dirty="0">
-                <a:solidFill>
-                  <a:srgbClr val="000000"/>
-                </a:solidFill>
-                <a:latin typeface="Arial"/>
-                <a:ea typeface="Calibri"/>
-                <a:cs typeface="Times New Roman"/>
-              </a:rPr>
-              <a:t>You will find the high-level steps on the following page: </a:t>
-            </a:r>
-            <a:r>
-              <a:rPr lang="en-US" sz="1000" u="sng" dirty="0">
-                <a:solidFill>
-                  <a:srgbClr val="0563C1"/>
-                </a:solidFill>
-                <a:latin typeface="Arial"/>
-                <a:ea typeface="Calibri"/>
-                <a:cs typeface="Segoe UI"/>
-                <a:hlinkClick r:id="rId3"/>
-              </a:rPr>
-              <a:t>https://github.com/MicrosoftLearning/20486D-DevelopingASPNETMVCWebApplications/blob/master/Instructions/20486D_MOD03_LAB_MANUAL.md</a:t>
-            </a:r>
-            <a:r>
-              <a:rPr lang="en-US" sz="1000" u="sng" dirty="0">
-                <a:solidFill>
-                  <a:srgbClr val="0563C1"/>
-                </a:solidFill>
-                <a:latin typeface="Arial"/>
-                <a:ea typeface="Calibri"/>
-                <a:cs typeface="Times New Roman"/>
-                <a:hlinkClick r:id="rId3"/>
-              </a:rPr>
-              <a:t>.</a:t>
-            </a:r>
-            <a:r>
-              <a:rPr lang="en-US" sz="1000" dirty="0">
-                <a:solidFill>
-                  <a:srgbClr val="000000"/>
-                </a:solidFill>
-                <a:latin typeface="Arial"/>
-                <a:ea typeface="Calibri"/>
-                <a:cs typeface="Times New Roman"/>
-              </a:rPr>
-              <a:t> </a:t>
-            </a:r>
-            <a:endParaRPr lang="en-US" sz="1000" dirty="0">
-              <a:latin typeface="Arial"/>
-              <a:ea typeface="Calibri"/>
-              <a:cs typeface="Times New Roman"/>
-            </a:endParaRPr>
-          </a:p>
-          <a:p>
-            <a:pPr>
-              <a:lnSpc>
-                <a:spcPct val="115000"/>
-              </a:lnSpc>
-              <a:spcAft>
-                <a:spcPts val="1000"/>
-              </a:spcAft>
-            </a:pPr>
-            <a:r>
-              <a:rPr lang="en-US" sz="1000" dirty="0">
-                <a:solidFill>
-                  <a:srgbClr val="000000"/>
-                </a:solidFill>
-                <a:latin typeface="Arial"/>
-                <a:ea typeface="Calibri"/>
-                <a:cs typeface="Times New Roman"/>
-              </a:rPr>
-              <a:t>You will find the detailed steps on the following page: </a:t>
-            </a:r>
-            <a:r>
-              <a:rPr lang="en-US" sz="1000" u="sng" dirty="0">
-                <a:solidFill>
-                  <a:srgbClr val="0563C1"/>
-                </a:solidFill>
-                <a:latin typeface="Arial"/>
-                <a:ea typeface="Calibri"/>
-                <a:cs typeface="Segoe UI"/>
-                <a:hlinkClick r:id="rId4"/>
-              </a:rPr>
-              <a:t>https://github.com/MicrosoftLearning/20486D-DevelopingASPNETMVCWebApplications/blob/master/Instructions/20486D_MOD03_LAK.md</a:t>
-            </a:r>
-            <a:r>
-              <a:rPr lang="en-US" sz="1000" u="sng" dirty="0">
-                <a:solidFill>
-                  <a:srgbClr val="0563C1"/>
-                </a:solidFill>
-                <a:latin typeface="Arial"/>
-                <a:ea typeface="Calibri"/>
-                <a:cs typeface="Times New Roman"/>
-                <a:hlinkClick r:id="rId4"/>
-              </a:rPr>
-              <a:t>.</a:t>
-            </a:r>
-            <a:r>
-              <a:rPr lang="en-US" sz="1000" dirty="0">
-                <a:solidFill>
-                  <a:srgbClr val="000000"/>
-                </a:solidFill>
-                <a:latin typeface="Arial"/>
-                <a:ea typeface="Calibri"/>
-                <a:cs typeface="Times New Roman"/>
-              </a:rPr>
-              <a:t> </a:t>
-            </a:r>
-            <a:endParaRPr lang="en-US" sz="1000" dirty="0">
-              <a:latin typeface="Arial"/>
-              <a:ea typeface="Calibri"/>
-              <a:cs typeface="Times New Roman"/>
-            </a:endParaRPr>
-          </a:p>
-          <a:p>
-            <a:pPr>
-              <a:lnSpc>
-                <a:spcPct val="115000"/>
-              </a:lnSpc>
-              <a:spcAft>
-                <a:spcPts val="1000"/>
-              </a:spcAft>
-            </a:pPr>
-            <a:r>
-              <a:rPr lang="en-US" sz="1000" b="1" dirty="0">
-                <a:latin typeface="Arial"/>
-                <a:ea typeface="Arial Unicode MS"/>
-                <a:cs typeface="Arial"/>
-              </a:rPr>
-              <a:t>Exercise 1: Working with Static Files</a:t>
-            </a:r>
-            <a:endParaRPr lang="en-US" sz="1000" b="1" dirty="0">
-              <a:latin typeface="Arial"/>
-              <a:ea typeface="Calibri"/>
-              <a:cs typeface="Times New Roman"/>
-            </a:endParaRPr>
-          </a:p>
-          <a:p>
-            <a:pPr>
-              <a:lnSpc>
-                <a:spcPct val="115000"/>
-              </a:lnSpc>
-              <a:spcAft>
-                <a:spcPts val="1000"/>
-              </a:spcAft>
-            </a:pPr>
-            <a:r>
-              <a:rPr lang="en-US" sz="1000" dirty="0">
-                <a:latin typeface="Arial"/>
-                <a:ea typeface="Calibri"/>
-                <a:cs typeface="Times New Roman"/>
-              </a:rPr>
-              <a:t>To create the poll, the application needs a styled HTML page. The HTML page must post the poll results to the server. To transfer the results to the server you will use an HTML form.</a:t>
-            </a:r>
-          </a:p>
-          <a:p>
-            <a:pPr>
-              <a:lnSpc>
-                <a:spcPct val="115000"/>
-              </a:lnSpc>
-              <a:spcAft>
-                <a:spcPts val="1000"/>
-              </a:spcAft>
-            </a:pPr>
-            <a:r>
-              <a:rPr lang="en-US" sz="1000" dirty="0">
-                <a:latin typeface="Arial"/>
-                <a:ea typeface="Calibri"/>
-                <a:cs typeface="Times New Roman"/>
-              </a:rPr>
-              <a:t>The main tasks for this exercise are the following: </a:t>
-            </a:r>
-          </a:p>
-          <a:p>
-            <a:pPr marL="342900" marR="0" lvl="0" indent="-342900">
-              <a:lnSpc>
-                <a:spcPct val="115000"/>
-              </a:lnSpc>
-              <a:spcBef>
-                <a:spcPts val="0"/>
-              </a:spcBef>
               <a:spcAft>
                 <a:spcPts val="995"/>
               </a:spcAft>
@@ -8671,22 +9004,21 @@
             </a:pPr>
             <a:r>
               <a:rPr lang="en-US" sz="1000" dirty="0">
-                <a:effectLst/>
+                <a:solidFill>
+                  <a:prstClr val="black"/>
+                </a:solidFill>
                 <a:latin typeface="Arial"/>
                 <a:ea typeface="Times New Roman"/>
                 <a:cs typeface="Times New Roman"/>
               </a:rPr>
-              <a:t>Create a new project by using the ASP.NET Core Empty project template</a:t>
-            </a:r>
-          </a:p>
-          <a:p>
-            <a:pPr marL="342900" marR="0" lvl="0" indent="-342900">
+              <a:t>Create a middleware</a:t>
+            </a:r>
+          </a:p>
+          <a:p>
+            <a:pPr marL="342900" lvl="0" indent="-342900">
               <a:lnSpc>
                 <a:spcPct val="115000"/>
               </a:lnSpc>
-              <a:spcBef>
-                <a:spcPts val="0"/>
-              </a:spcBef>
               <a:spcAft>
                 <a:spcPts val="995"/>
               </a:spcAft>
@@ -8695,7 +9027,9 @@
             </a:pPr>
             <a:r>
               <a:rPr lang="en-US" sz="1000" dirty="0">
-                <a:effectLst/>
+                <a:solidFill>
+                  <a:prstClr val="black"/>
+                </a:solidFill>
                 <a:latin typeface="Arial"/>
                 <a:ea typeface="Times New Roman"/>
                 <a:cs typeface="Times New Roman"/>
@@ -8704,13 +9038,10 @@
             </a:r>
           </a:p>
           <a:p>
-            <a:pPr marL="342900" marR="0" lvl="0" indent="-342900">
+            <a:pPr marL="342900" lvl="0" indent="-342900">
               <a:lnSpc>
                 <a:spcPct val="115000"/>
               </a:lnSpc>
-              <a:spcBef>
-                <a:spcPts val="0"/>
-              </a:spcBef>
               <a:spcAft>
                 <a:spcPts val="995"/>
               </a:spcAft>
@@ -8719,40 +9050,92 @@
             </a:pPr>
             <a:r>
               <a:rPr lang="en-US" sz="1000" dirty="0">
-                <a:effectLst/>
+                <a:solidFill>
+                  <a:prstClr val="black"/>
+                </a:solidFill>
                 <a:latin typeface="Arial"/>
                 <a:ea typeface="Times New Roman"/>
                 <a:cs typeface="Times New Roman"/>
               </a:rPr>
-              <a:t>Add an HTML file to the </a:t>
-            </a:r>
-            <a:r>
-              <a:rPr lang="en-US" sz="1000" b="1" dirty="0" err="1">
-                <a:effectLst/>
+              <a:t>Change the order of the middleware</a:t>
+            </a:r>
+          </a:p>
+          <a:p>
+            <a:pPr lvl="0">
+              <a:lnSpc>
+                <a:spcPct val="115000"/>
+              </a:lnSpc>
+              <a:spcAft>
+                <a:spcPts val="1000"/>
+              </a:spcAft>
+            </a:pPr>
+            <a:r>
+              <a:rPr lang="en-US" sz="1000" b="1" dirty="0">
+                <a:solidFill>
+                  <a:prstClr val="black"/>
+                </a:solidFill>
                 <a:latin typeface="Arial"/>
-                <a:ea typeface="Times New Roman"/>
+                <a:ea typeface="Arial Unicode MS"/>
+                <a:cs typeface="Arial"/>
+              </a:rPr>
+              <a:t>Exercise 3: Using Dependency Injection</a:t>
+            </a:r>
+            <a:endParaRPr lang="en-US" sz="1000" b="1" dirty="0">
+              <a:solidFill>
+                <a:prstClr val="black"/>
+              </a:solidFill>
+              <a:latin typeface="Arial"/>
+              <a:ea typeface="Calibri"/>
+              <a:cs typeface="Times New Roman"/>
+            </a:endParaRPr>
+          </a:p>
+          <a:p>
+            <a:pPr lvl="0">
+              <a:lnSpc>
+                <a:spcPct val="115000"/>
+              </a:lnSpc>
+              <a:spcAft>
+                <a:spcPts val="1000"/>
+              </a:spcAft>
+            </a:pPr>
+            <a:r>
+              <a:rPr lang="en-US" sz="1000" dirty="0">
+                <a:solidFill>
+                  <a:prstClr val="black"/>
+                </a:solidFill>
+                <a:latin typeface="Arial"/>
+                <a:ea typeface="Calibri"/>
                 <a:cs typeface="Times New Roman"/>
               </a:rPr>
-              <a:t>wwwroot</a:t>
-            </a:r>
+              <a:t>You will need to aggregate the votes and store them for future use. You will use services to manage and preserve the data.</a:t>
+            </a:r>
+          </a:p>
+          <a:p>
+            <a:pPr lvl="0">
+              <a:lnSpc>
+                <a:spcPct val="115000"/>
+              </a:lnSpc>
+              <a:spcAft>
+                <a:spcPts val="1000"/>
+              </a:spcAft>
+            </a:pPr>
             <a:r>
               <a:rPr lang="en-US" sz="1000" dirty="0">
-                <a:effectLst/>
+                <a:solidFill>
+                  <a:prstClr val="black"/>
+                </a:solidFill>
                 <a:latin typeface="Arial"/>
-                <a:ea typeface="Times New Roman"/>
+                <a:ea typeface="Calibri"/>
                 <a:cs typeface="Times New Roman"/>
               </a:rPr>
-              <a:t> folder</a:t>
-            </a:r>
-          </a:p>
-          <a:p>
-            <a:pPr marL="342900" marR="0" lvl="0" indent="-342900">
+              <a:t>The main tasks for this exercise are as follows: </a:t>
+            </a:r>
+          </a:p>
+          <a:p>
+            <a:pPr marL="342900" lvl="0" indent="-342900">
               <a:lnSpc>
                 <a:spcPct val="115000"/>
               </a:lnSpc>
-              <a:spcBef>
-                <a:spcPts val="0"/>
-              </a:spcBef>
               <a:spcAft>
                 <a:spcPts val="995"/>
               </a:spcAft>
@@ -8761,22 +9144,21 @@
             </a:pPr>
             <a:r>
               <a:rPr lang="en-US" sz="1000" dirty="0">
-                <a:effectLst/>
+                <a:solidFill>
+                  <a:prstClr val="black"/>
+                </a:solidFill>
                 <a:latin typeface="Arial"/>
                 <a:ea typeface="Times New Roman"/>
                 <a:cs typeface="Times New Roman"/>
               </a:rPr>
-              <a:t>Run the application - the content of the HTML file is not displayed</a:t>
-            </a:r>
-          </a:p>
-          <a:p>
-            <a:pPr marL="342900" marR="0" lvl="0" indent="-342900">
+              <a:t>Define an interface for a service</a:t>
+            </a:r>
+          </a:p>
+          <a:p>
+            <a:pPr marL="342900" lvl="0" indent="-342900">
               <a:lnSpc>
                 <a:spcPct val="115000"/>
               </a:lnSpc>
-              <a:spcBef>
-                <a:spcPts val="0"/>
-              </a:spcBef>
               <a:spcAft>
                 <a:spcPts val="995"/>
               </a:spcAft>
@@ -8785,22 +9167,21 @@
             </a:pPr>
             <a:r>
               <a:rPr lang="en-US" sz="1000" dirty="0">
-                <a:effectLst/>
+                <a:solidFill>
+                  <a:prstClr val="black"/>
+                </a:solidFill>
                 <a:latin typeface="Arial"/>
                 <a:ea typeface="Times New Roman"/>
                 <a:cs typeface="Times New Roman"/>
               </a:rPr>
-              <a:t>Enable working with static files</a:t>
-            </a:r>
-          </a:p>
-          <a:p>
-            <a:pPr marL="342900" marR="0" lvl="0" indent="-342900">
+              <a:t>Define an implementation for the service</a:t>
+            </a:r>
+          </a:p>
+          <a:p>
+            <a:pPr marL="342900" lvl="0" indent="-342900">
               <a:lnSpc>
                 <a:spcPct val="115000"/>
               </a:lnSpc>
-              <a:spcBef>
-                <a:spcPts val="0"/>
-              </a:spcBef>
               <a:spcAft>
                 <a:spcPts val="995"/>
               </a:spcAft>
@@ -8809,22 +9190,21 @@
             </a:pPr>
             <a:r>
               <a:rPr lang="en-US" sz="1000" dirty="0">
-                <a:effectLst/>
+                <a:solidFill>
+                  <a:prstClr val="black"/>
+                </a:solidFill>
                 <a:latin typeface="Arial"/>
                 <a:ea typeface="Times New Roman"/>
                 <a:cs typeface="Times New Roman"/>
               </a:rPr>
-              <a:t>Run the application - the content of the HTML file is displayed</a:t>
-            </a:r>
-          </a:p>
-          <a:p>
-            <a:pPr marL="342900" marR="0" lvl="0" indent="-342900">
+              <a:t>Use dependency injection</a:t>
+            </a:r>
+          </a:p>
+          <a:p>
+            <a:pPr marL="342900" lvl="0" indent="-342900">
               <a:lnSpc>
                 <a:spcPct val="115000"/>
               </a:lnSpc>
-              <a:spcBef>
-                <a:spcPts val="0"/>
-              </a:spcBef>
               <a:spcAft>
                 <a:spcPts val="995"/>
               </a:spcAft>
@@ -8833,40 +9213,103 @@
             </a:pPr>
             <a:r>
               <a:rPr lang="en-US" sz="1000" dirty="0">
-                <a:effectLst/>
+                <a:solidFill>
+                  <a:prstClr val="black"/>
+                </a:solidFill>
                 <a:latin typeface="Arial"/>
                 <a:ea typeface="Times New Roman"/>
                 <a:cs typeface="Times New Roman"/>
               </a:rPr>
-              <a:t>Add an HTML file outside of the </a:t>
-            </a:r>
-            <a:r>
-              <a:rPr lang="en-US" sz="1000" b="1" dirty="0" err="1">
-                <a:effectLst/>
+              <a:t>Run the application</a:t>
+            </a:r>
+          </a:p>
+          <a:p>
+            <a:pPr lvl="0">
+              <a:lnSpc>
+                <a:spcPct val="115000"/>
+              </a:lnSpc>
+              <a:spcAft>
+                <a:spcPts val="995"/>
+              </a:spcAft>
+            </a:pPr>
+            <a:r>
+              <a:rPr lang="en-US" sz="1000" b="1" dirty="0">
+                <a:solidFill>
+                  <a:prstClr val="black"/>
+                </a:solidFill>
                 <a:latin typeface="Arial"/>
-                <a:ea typeface="Times New Roman"/>
+                <a:ea typeface="Calibri"/>
                 <a:cs typeface="Times New Roman"/>
               </a:rPr>
-              <a:t>wwwroot</a:t>
-            </a:r>
+              <a:t>Exercise 4: </a:t>
+            </a:r>
+            <a:r>
+              <a:rPr lang="en-US" sz="1000" b="1" dirty="0">
+                <a:solidFill>
+                  <a:srgbClr val="000000"/>
+                </a:solidFill>
+                <a:latin typeface="Arial"/>
+                <a:ea typeface="Arial Unicode MS"/>
+                <a:cs typeface="Arial"/>
+              </a:rPr>
+              <a:t>Injecting a Service to a Controller</a:t>
+            </a:r>
+            <a:endParaRPr lang="en-US" sz="1000" b="1" dirty="0">
+              <a:solidFill>
+                <a:prstClr val="black"/>
+              </a:solidFill>
+              <a:latin typeface="Arial"/>
+              <a:ea typeface="Calibri"/>
+              <a:cs typeface="Times New Roman"/>
+            </a:endParaRPr>
+          </a:p>
+          <a:p>
+            <a:pPr lvl="0">
+              <a:lnSpc>
+                <a:spcPct val="115000"/>
+              </a:lnSpc>
+              <a:spcAft>
+                <a:spcPts val="1000"/>
+              </a:spcAft>
+            </a:pPr>
             <a:r>
               <a:rPr lang="en-US" sz="1000" dirty="0">
-                <a:effectLst/>
+                <a:solidFill>
+                  <a:prstClr val="black"/>
+                </a:solidFill>
                 <a:latin typeface="Arial"/>
-                <a:ea typeface="Times New Roman"/>
+                <a:ea typeface="Calibri"/>
                 <a:cs typeface="Times New Roman"/>
               </a:rPr>
-              <a:t> folder</a:t>
-            </a:r>
-          </a:p>
-          <a:p>
-            <a:pPr marL="342900" marR="0" lvl="0" indent="-342900">
+              <a:t>In this exercise, you will create an ASP.NET Core MVC controller to display the poll results. </a:t>
+            </a:r>
+          </a:p>
+          <a:p>
+            <a:pPr lvl="0">
               <a:lnSpc>
                 <a:spcPct val="115000"/>
               </a:lnSpc>
-              <a:spcBef>
-                <a:spcPts val="0"/>
-              </a:spcBef>
+              <a:spcAft>
+                <a:spcPts val="1000"/>
+              </a:spcAft>
+            </a:pPr>
+            <a:r>
+              <a:rPr lang="en-US" sz="1000" dirty="0">
+                <a:solidFill>
+                  <a:prstClr val="black"/>
+                </a:solidFill>
+                <a:latin typeface="Arial"/>
+                <a:ea typeface="Calibri"/>
+                <a:cs typeface="Times New Roman"/>
+              </a:rPr>
+              <a:t>The main tasks for this exercise are the following: </a:t>
+            </a:r>
+          </a:p>
+          <a:p>
+            <a:pPr marL="342900" lvl="0" indent="-342900">
+              <a:lnSpc>
+                <a:spcPct val="115000"/>
+              </a:lnSpc>
               <a:spcAft>
                 <a:spcPts val="995"/>
               </a:spcAft>
@@ -8875,88 +9318,140 @@
             </a:pPr>
             <a:r>
               <a:rPr lang="en-US" sz="1000" dirty="0">
-                <a:effectLst/>
-                <a:latin typeface="Arial"/>
-                <a:ea typeface="Times New Roman"/>
-                <a:cs typeface="Times New Roman"/>
-              </a:rPr>
-              <a:t>Run the application - the content of the HTML file outside the </a:t>
-            </a:r>
-            <a:r>
-              <a:rPr lang="en-US" sz="1000" b="1" dirty="0" err="1">
-                <a:effectLst/>
-                <a:latin typeface="Arial"/>
-                <a:ea typeface="Times New Roman"/>
-                <a:cs typeface="Times New Roman"/>
-              </a:rPr>
-              <a:t>wwwroot</a:t>
-            </a:r>
-            <a:r>
-              <a:rPr lang="en-US" sz="1000" dirty="0">
-                <a:effectLst/>
-                <a:latin typeface="Arial"/>
-                <a:ea typeface="Times New Roman"/>
-                <a:cs typeface="Times New Roman"/>
-              </a:rPr>
-              <a:t> folder is not displayed</a:t>
-            </a:r>
-          </a:p>
-          <a:p>
-            <a:pPr>
-              <a:lnSpc>
-                <a:spcPct val="115000"/>
-              </a:lnSpc>
-              <a:spcAft>
-                <a:spcPts val="1000"/>
-              </a:spcAft>
-            </a:pPr>
-            <a:r>
-              <a:rPr lang="en-US" sz="1000" b="1" dirty="0">
+                <a:solidFill>
+                  <a:prstClr val="black"/>
+                </a:solidFill>
                 <a:latin typeface="Arial"/>
                 <a:ea typeface="Arial Unicode MS"/>
                 <a:cs typeface="Arial"/>
               </a:rPr>
-              <a:t>Exercise 2: Creating Custom Middleware</a:t>
-            </a:r>
-            <a:endParaRPr lang="en-US" sz="1000" b="1" dirty="0">
-              <a:latin typeface="Arial"/>
-              <a:ea typeface="Calibri"/>
-              <a:cs typeface="Times New Roman"/>
-            </a:endParaRPr>
-          </a:p>
-          <a:p>
-            <a:pPr>
-              <a:lnSpc>
-                <a:spcPct val="115000"/>
-              </a:lnSpc>
-              <a:spcAft>
-                <a:spcPts val="1000"/>
-              </a:spcAft>
-            </a:pPr>
-            <a:r>
-              <a:rPr lang="en-US" sz="1000" dirty="0">
-                <a:latin typeface="Arial"/>
-                <a:ea typeface="Calibri"/>
-                <a:cs typeface="Times New Roman"/>
-              </a:rPr>
-              <a:t>The server needs to handle the client’s request. You have been asked to find which ball game was chosen by the user. To do this, you will create a middleware.</a:t>
-            </a:r>
-          </a:p>
-          <a:p>
-            <a:pPr>
-              <a:lnSpc>
-                <a:spcPct val="115000"/>
-              </a:lnSpc>
-              <a:spcAft>
-                <a:spcPts val="1000"/>
-              </a:spcAft>
-            </a:pPr>
+              <a:t>Enable working with MVC</a:t>
+            </a:r>
             <a:endParaRPr lang="en-US" sz="1000" dirty="0">
-              <a:effectLst/>
+              <a:solidFill>
+                <a:prstClr val="black"/>
+              </a:solidFill>
               <a:latin typeface="Arial"/>
               <a:ea typeface="Times New Roman"/>
               <a:cs typeface="Times New Roman"/>
             </a:endParaRPr>
+          </a:p>
+          <a:p>
+            <a:pPr marL="342900" lvl="0" indent="-342900">
+              <a:lnSpc>
+                <a:spcPct val="115000"/>
+              </a:lnSpc>
+              <a:spcAft>
+                <a:spcPts val="995"/>
+              </a:spcAft>
+              <a:buFont typeface="+mj-lt"/>
+              <a:buAutoNum type="arabicPeriod"/>
+            </a:pPr>
+            <a:r>
+              <a:rPr lang="en-US" sz="1000" dirty="0">
+                <a:solidFill>
+                  <a:prstClr val="black"/>
+                </a:solidFill>
+                <a:latin typeface="Arial"/>
+                <a:ea typeface="Arial Unicode MS"/>
+                <a:cs typeface="Arial"/>
+              </a:rPr>
+              <a:t>Add a controller</a:t>
+            </a:r>
+            <a:endParaRPr lang="en-US" sz="1000" dirty="0">
+              <a:solidFill>
+                <a:prstClr val="black"/>
+              </a:solidFill>
+              <a:latin typeface="Arial"/>
+              <a:ea typeface="Times New Roman"/>
+              <a:cs typeface="Times New Roman"/>
+            </a:endParaRPr>
+          </a:p>
+          <a:p>
+            <a:pPr marL="342900" lvl="0" indent="-342900">
+              <a:lnSpc>
+                <a:spcPct val="115000"/>
+              </a:lnSpc>
+              <a:spcAft>
+                <a:spcPts val="995"/>
+              </a:spcAft>
+              <a:buFont typeface="+mj-lt"/>
+              <a:buAutoNum type="arabicPeriod"/>
+            </a:pPr>
+            <a:r>
+              <a:rPr lang="en-US" sz="1000" dirty="0">
+                <a:solidFill>
+                  <a:prstClr val="black"/>
+                </a:solidFill>
+                <a:latin typeface="Arial"/>
+                <a:ea typeface="Arial Unicode MS"/>
+                <a:cs typeface="Arial"/>
+              </a:rPr>
+              <a:t>Run the application</a:t>
+            </a:r>
+            <a:endParaRPr lang="en-US" sz="1000" dirty="0">
+              <a:solidFill>
+                <a:prstClr val="black"/>
+              </a:solidFill>
+              <a:latin typeface="Arial"/>
+              <a:ea typeface="Times New Roman"/>
+              <a:cs typeface="Times New Roman"/>
+            </a:endParaRPr>
+          </a:p>
+          <a:p>
+            <a:pPr marL="342900" lvl="0" indent="-342900">
+              <a:lnSpc>
+                <a:spcPct val="115000"/>
+              </a:lnSpc>
+              <a:spcAft>
+                <a:spcPts val="995"/>
+              </a:spcAft>
+              <a:buFont typeface="+mj-lt"/>
+              <a:buAutoNum type="arabicPeriod"/>
+            </a:pPr>
+            <a:r>
+              <a:rPr lang="en-US" sz="1000" dirty="0">
+                <a:solidFill>
+                  <a:prstClr val="black"/>
+                </a:solidFill>
+                <a:latin typeface="Arial"/>
+                <a:ea typeface="Arial Unicode MS"/>
+                <a:cs typeface="Arial"/>
+              </a:rPr>
+              <a:t>Use dependency injection in a controller</a:t>
+            </a:r>
+            <a:endParaRPr lang="en-US" sz="1000" dirty="0">
+              <a:solidFill>
+                <a:prstClr val="black"/>
+              </a:solidFill>
+              <a:latin typeface="Arial"/>
+              <a:ea typeface="Times New Roman"/>
+              <a:cs typeface="Times New Roman"/>
+            </a:endParaRPr>
+          </a:p>
+          <a:p>
+            <a:pPr marL="342900" lvl="0" indent="-342900">
+              <a:lnSpc>
+                <a:spcPct val="115000"/>
+              </a:lnSpc>
+              <a:spcAft>
+                <a:spcPts val="995"/>
+              </a:spcAft>
+              <a:buFont typeface="+mj-lt"/>
+              <a:buAutoNum type="arabicPeriod"/>
+            </a:pPr>
+            <a:r>
+              <a:rPr lang="en-US" sz="1000" dirty="0">
+                <a:solidFill>
+                  <a:prstClr val="black"/>
+                </a:solidFill>
+                <a:latin typeface="Arial"/>
+                <a:ea typeface="Arial Unicode MS"/>
+                <a:cs typeface="Arial"/>
+              </a:rPr>
+              <a:t>Run the application</a:t>
+            </a:r>
+            <a:endParaRPr lang="en-US" dirty="0"/>
           </a:p>
         </p:txBody>
       </p:sp>
@@ -8985,7 +9480,38 @@
       </p:sp>
       <p:sp>
         <p:nvSpPr>
-          <p:cNvPr id="5" name="Rectangle 4"/>
+          <p:cNvPr id="5" name="TextBox 4"/>
+          <p:cNvSpPr txBox="1"/>
+          <p:nvPr/>
+        </p:nvSpPr>
+        <p:spPr>
+          <a:xfrm>
+            <a:off x="0" y="8890000"/>
+            <a:ext cx="1871025" cy="246221"/>
+          </a:xfrm>
+          <a:prstGeom prst="rect">
+            <a:avLst/>
+          </a:prstGeom>
+          <a:noFill/>
+        </p:spPr>
+        <p:txBody>
+          <a:bodyPr vert="horz" wrap="none" rtlCol="0">
+            <a:spAutoFit/>
+          </a:bodyPr>
+          <a:lstStyle/>
+          <a:p>
+            <a:r>
+              <a:rPr lang="en-US" sz="1000">
+                <a:latin typeface="Arial"/>
+              </a:rPr>
+              <a:t>(More notes on the next slide)</a:t>
+            </a:r>
+          </a:p>
+        </p:txBody>
+      </p:sp>
+      <p:sp>
+        <p:nvSpPr>
+          <p:cNvPr id="6" name="Rectangle 5"/>
           <p:cNvSpPr/>
           <p:nvPr/>
         </p:nvSpPr>
@@ -9057,7 +9583,7 @@
       </p:sp>
       <p:sp>
         <p:nvSpPr>
-          <p:cNvPr id="6" name="Rectangle 5"/>
+          <p:cNvPr id="7" name="Rectangle 6"/>
           <p:cNvSpPr/>
           <p:nvPr/>
         </p:nvSpPr>
@@ -9127,41 +9653,10 @@
           </a:p>
         </p:txBody>
       </p:sp>
-      <p:sp>
-        <p:nvSpPr>
-          <p:cNvPr id="7" name="TextBox 6"/>
-          <p:cNvSpPr txBox="1"/>
-          <p:nvPr/>
-        </p:nvSpPr>
-        <p:spPr>
-          <a:xfrm>
-            <a:off x="0" y="8890000"/>
-            <a:ext cx="1871025" cy="246221"/>
-          </a:xfrm>
-          <a:prstGeom prst="rect">
-            <a:avLst/>
-          </a:prstGeom>
-          <a:noFill/>
-        </p:spPr>
-        <p:txBody>
-          <a:bodyPr vert="horz" wrap="none" rtlCol="0">
-            <a:spAutoFit/>
-          </a:bodyPr>
-          <a:lstStyle/>
-          <a:p>
-            <a:r>
-              <a:rPr lang="en-US" sz="1000">
-                <a:latin typeface="Arial"/>
-              </a:rPr>
-              <a:t>(More notes on the next slide)</a:t>
-            </a:r>
-          </a:p>
-        </p:txBody>
-      </p:sp>
     </p:spTree>
     <p:extLst>
       <p:ext uri="{BB962C8B-B14F-4D97-AF65-F5344CB8AC3E}">
-        <p14:creationId xmlns:p14="http://schemas.microsoft.com/office/powerpoint/2010/main" val="734247852"/>
+        <p14:creationId xmlns:p14="http://schemas.microsoft.com/office/powerpoint/2010/main" val="269876998"/>
       </p:ext>
     </p:extLst>
   </p:cSld>
@@ -9217,7 +9712,7 @@
         </p:nvSpPr>
         <p:spPr>
           <a:xfrm>
-            <a:off x="310896" y="2093976"/>
+            <a:off x="310896" y="2093975"/>
             <a:ext cx="6153912" cy="6604000"/>
           </a:xfrm>
         </p:spPr>
@@ -9227,7 +9722,7 @@
           </a:bodyPr>
           <a:lstStyle/>
           <a:p>
-            <a:pPr lvl="0">
+            <a:pPr>
               <a:lnSpc>
                 <a:spcPct val="115000"/>
               </a:lnSpc>
@@ -9237,87 +9732,15 @@
             </a:pPr>
             <a:r>
               <a:rPr lang="en-US" sz="1000" dirty="0">
-                <a:solidFill>
-                  <a:prstClr val="black"/>
-                </a:solidFill>
                 <a:latin typeface="Arial"/>
                 <a:ea typeface="Calibri"/>
                 <a:cs typeface="Times New Roman"/>
               </a:rPr>
-              <a:t>The main tasks for this exercise are the follows: </a:t>
-            </a:r>
-          </a:p>
-          <a:p>
-            <a:pPr marL="342900" lvl="0" indent="-342900">
-              <a:lnSpc>
-                <a:spcPct val="115000"/>
-              </a:lnSpc>
-              <a:spcAft>
-                <a:spcPts val="995"/>
-              </a:spcAft>
-              <a:buFont typeface="+mj-lt"/>
-              <a:buAutoNum type="arabicPeriod"/>
-            </a:pPr>
-            <a:r>
-              <a:rPr lang="en-US" sz="1000" dirty="0">
-                <a:solidFill>
-                  <a:prstClr val="black"/>
-                </a:solidFill>
-                <a:latin typeface="Arial"/>
-                <a:ea typeface="Times New Roman"/>
-                <a:cs typeface="Times New Roman"/>
-              </a:rPr>
-              <a:t>Create a middleware</a:t>
-            </a:r>
-          </a:p>
-          <a:p>
-            <a:pPr marL="342900" lvl="0" indent="-342900">
-              <a:lnSpc>
-                <a:spcPct val="115000"/>
-              </a:lnSpc>
-              <a:spcAft>
-                <a:spcPts val="995"/>
-              </a:spcAft>
-              <a:buFont typeface="+mj-lt"/>
-              <a:buAutoNum type="arabicPeriod"/>
-            </a:pPr>
-            <a:r>
-              <a:rPr lang="en-US" sz="1000" dirty="0">
-                <a:solidFill>
-                  <a:prstClr val="black"/>
-                </a:solidFill>
-                <a:latin typeface="Arial"/>
-                <a:ea typeface="Times New Roman"/>
-                <a:cs typeface="Times New Roman"/>
-              </a:rPr>
-              <a:t>Run the application</a:t>
-            </a:r>
-          </a:p>
-          <a:p>
-            <a:pPr marL="342900" lvl="0" indent="-342900">
-              <a:lnSpc>
-                <a:spcPct val="115000"/>
-              </a:lnSpc>
-              <a:spcAft>
-                <a:spcPts val="995"/>
-              </a:spcAft>
-              <a:buFont typeface="+mj-lt"/>
-              <a:buAutoNum type="arabicPeriod"/>
-            </a:pPr>
-            <a:r>
-              <a:rPr lang="en-US" sz="1000" dirty="0">
-                <a:solidFill>
-                  <a:prstClr val="black"/>
-                </a:solidFill>
-                <a:latin typeface="Arial"/>
-                <a:ea typeface="Times New Roman"/>
-                <a:cs typeface="Times New Roman"/>
-              </a:rPr>
-              <a:t>Change the order of the middleware</a:t>
-            </a:r>
-          </a:p>
-          <a:p>
-            <a:pPr lvl="0">
+              <a:t>In this lab the students will learn how to send data from an HTML form to a middleware, save the data in a service, and output the data by using a controller and Dependency Injection.</a:t>
+            </a:r>
+          </a:p>
+          <a:p>
+            <a:pPr>
               <a:lnSpc>
                 <a:spcPct val="115000"/>
               </a:lnSpc>
@@ -9326,27 +9749,33 @@
               </a:spcAft>
             </a:pPr>
             <a:r>
-              <a:rPr lang="en-US" sz="1000" b="1" dirty="0">
-                <a:solidFill>
-                  <a:prstClr val="black"/>
-                </a:solidFill>
+              <a:rPr lang="en-US" sz="1000" dirty="0">
                 <a:latin typeface="Arial"/>
-                <a:ea typeface="Arial Unicode MS"/>
-                <a:cs typeface="Arial"/>
-              </a:rPr>
-              <a:t>Exercise 3: Using Dependency Injection</a:t>
-            </a:r>
-            <a:endParaRPr lang="en-US" sz="1000" b="1" dirty="0">
-              <a:solidFill>
-                <a:prstClr val="black"/>
-              </a:solidFill>
-              <a:latin typeface="Arial"/>
-              <a:ea typeface="Calibri"/>
-              <a:cs typeface="Times New Roman"/>
-            </a:endParaRPr>
-          </a:p>
-          <a:p>
-            <a:pPr lvl="0">
+                <a:ea typeface="Calibri"/>
+                <a:cs typeface="Times New Roman"/>
+              </a:rPr>
+              <a:t>You will find the high-level steps on the following page: </a:t>
+            </a:r>
+            <a:r>
+              <a:rPr lang="en-US" sz="1000" dirty="0">
+                <a:latin typeface="Arial"/>
+                <a:ea typeface="Calibri"/>
+                <a:cs typeface="Times New Roman"/>
+                <a:hlinkClick r:id="rId3"/>
+              </a:rPr>
+              <a:t>https://github.com/MicrosoftLearning/20486D-DevelopingASPNETMVCWebApplications/blob/master/Instructions/20486D_MOD03_LAB_MANUAL.md.</a:t>
+            </a:r>
+            <a:r>
+              <a:rPr lang="en-US" sz="1000" dirty="0">
+                <a:latin typeface="Arial"/>
+                <a:ea typeface="Calibri"/>
+                <a:cs typeface="Times New Roman"/>
+              </a:rPr>
+              <a:t> </a:t>
+            </a:r>
+          </a:p>
+          <a:p>
+            <a:pPr>
               <a:lnSpc>
                 <a:spcPct val="115000"/>
               </a:lnSpc>
@@ -9356,358 +9785,29 @@
             </a:pPr>
             <a:r>
               <a:rPr lang="en-US" sz="1000" dirty="0">
-                <a:solidFill>
-                  <a:prstClr val="black"/>
-                </a:solidFill>
                 <a:latin typeface="Arial"/>
                 <a:ea typeface="Calibri"/>
                 <a:cs typeface="Times New Roman"/>
               </a:rPr>
-              <a:t>You will need to aggregate the votes and store them for future use. You will use services to manage and preserve the data.</a:t>
-            </a:r>
-          </a:p>
-          <a:p>
-            <a:pPr lvl="0">
-              <a:lnSpc>
-                <a:spcPct val="115000"/>
-              </a:lnSpc>
-              <a:spcAft>
-                <a:spcPts val="1000"/>
-              </a:spcAft>
-            </a:pPr>
+              <a:t>You will find the detailed steps on the following page: </a:t>
+            </a:r>
             <a:r>
               <a:rPr lang="en-US" sz="1000" dirty="0">
-                <a:solidFill>
-                  <a:prstClr val="black"/>
-                </a:solidFill>
                 <a:latin typeface="Arial"/>
                 <a:ea typeface="Calibri"/>
                 <a:cs typeface="Times New Roman"/>
-              </a:rPr>
-              <a:t>The main tasks for this exercise are as follows: </a:t>
-            </a:r>
-          </a:p>
-          <a:p>
-            <a:pPr marL="342900" lvl="0" indent="-342900">
-              <a:lnSpc>
-                <a:spcPct val="115000"/>
-              </a:lnSpc>
-              <a:spcAft>
-                <a:spcPts val="995"/>
-              </a:spcAft>
-              <a:buFont typeface="+mj-lt"/>
-              <a:buAutoNum type="arabicPeriod"/>
-            </a:pPr>
+                <a:hlinkClick r:id="rId4"/>
+              </a:rPr>
+              <a:t>https://github.com/MicrosoftLearning/20486D-DevelopingASPNETMVCWebApplications/blob/master/Instructions/20486D_MOD03_LAK.md.</a:t>
+            </a:r>
             <a:r>
               <a:rPr lang="en-US" sz="1000" dirty="0">
-                <a:solidFill>
-                  <a:prstClr val="black"/>
-                </a:solidFill>
-                <a:latin typeface="Arial"/>
-                <a:ea typeface="Times New Roman"/>
-                <a:cs typeface="Times New Roman"/>
-              </a:rPr>
-              <a:t>Define an interface for a service</a:t>
-            </a:r>
-          </a:p>
-          <a:p>
-            <a:pPr marL="342900" lvl="0" indent="-342900">
-              <a:lnSpc>
-                <a:spcPct val="115000"/>
-              </a:lnSpc>
-              <a:spcAft>
-                <a:spcPts val="995"/>
-              </a:spcAft>
-              <a:buFont typeface="+mj-lt"/>
-              <a:buAutoNum type="arabicPeriod"/>
-            </a:pPr>
-            <a:r>
-              <a:rPr lang="en-US" sz="1000" dirty="0">
-                <a:solidFill>
-                  <a:prstClr val="black"/>
-                </a:solidFill>
-                <a:latin typeface="Arial"/>
-                <a:ea typeface="Times New Roman"/>
-                <a:cs typeface="Times New Roman"/>
-              </a:rPr>
-              <a:t>Define an implementation for the service</a:t>
-            </a:r>
-          </a:p>
-          <a:p>
-            <a:pPr marL="342900" lvl="0" indent="-342900">
-              <a:lnSpc>
-                <a:spcPct val="115000"/>
-              </a:lnSpc>
-              <a:spcAft>
-                <a:spcPts val="995"/>
-              </a:spcAft>
-              <a:buFont typeface="+mj-lt"/>
-              <a:buAutoNum type="arabicPeriod"/>
-            </a:pPr>
-            <a:r>
-              <a:rPr lang="en-US" sz="1000" dirty="0">
-                <a:solidFill>
-                  <a:prstClr val="black"/>
-                </a:solidFill>
-                <a:latin typeface="Arial"/>
-                <a:ea typeface="Times New Roman"/>
-                <a:cs typeface="Times New Roman"/>
-              </a:rPr>
-              <a:t>Use dependency injection</a:t>
-            </a:r>
-          </a:p>
-          <a:p>
-            <a:pPr marL="342900" lvl="0" indent="-342900">
-              <a:lnSpc>
-                <a:spcPct val="115000"/>
-              </a:lnSpc>
-              <a:spcAft>
-                <a:spcPts val="995"/>
-              </a:spcAft>
-              <a:buFont typeface="+mj-lt"/>
-              <a:buAutoNum type="arabicPeriod"/>
-            </a:pPr>
-            <a:r>
-              <a:rPr lang="en-US" sz="1000" dirty="0">
-                <a:solidFill>
-                  <a:prstClr val="black"/>
-                </a:solidFill>
-                <a:latin typeface="Arial"/>
-                <a:ea typeface="Times New Roman"/>
-                <a:cs typeface="Times New Roman"/>
-              </a:rPr>
-              <a:t>Run the application</a:t>
-            </a:r>
-          </a:p>
-          <a:p>
-            <a:pPr lvl="0">
-              <a:lnSpc>
-                <a:spcPct val="115000"/>
-              </a:lnSpc>
-              <a:spcAft>
-                <a:spcPts val="995"/>
-              </a:spcAft>
-            </a:pPr>
-            <a:r>
-              <a:rPr lang="en-US" sz="1000" b="1" dirty="0">
-                <a:solidFill>
-                  <a:prstClr val="black"/>
-                </a:solidFill>
                 <a:latin typeface="Arial"/>
                 <a:ea typeface="Calibri"/>
                 <a:cs typeface="Times New Roman"/>
               </a:rPr>
-              <a:t>Exercise 4: </a:t>
-            </a:r>
-            <a:r>
-              <a:rPr lang="en-US" sz="1000" b="1" dirty="0">
-                <a:solidFill>
-                  <a:srgbClr val="000000"/>
-                </a:solidFill>
-                <a:latin typeface="Arial"/>
-                <a:ea typeface="Arial Unicode MS"/>
-                <a:cs typeface="Arial"/>
-              </a:rPr>
-              <a:t>Injecting a Service to a Controller</a:t>
-            </a:r>
-            <a:endParaRPr lang="en-US" sz="1000" b="1" dirty="0">
-              <a:solidFill>
-                <a:prstClr val="black"/>
-              </a:solidFill>
-              <a:latin typeface="Arial"/>
-              <a:ea typeface="Calibri"/>
-              <a:cs typeface="Times New Roman"/>
-            </a:endParaRPr>
-          </a:p>
-          <a:p>
-            <a:pPr lvl="0">
-              <a:lnSpc>
-                <a:spcPct val="115000"/>
-              </a:lnSpc>
-              <a:spcAft>
-                <a:spcPts val="1000"/>
-              </a:spcAft>
-            </a:pPr>
-            <a:r>
-              <a:rPr lang="en-US" sz="1000" dirty="0">
-                <a:solidFill>
-                  <a:prstClr val="black"/>
-                </a:solidFill>
-                <a:latin typeface="Arial"/>
-                <a:ea typeface="Calibri"/>
-                <a:cs typeface="Times New Roman"/>
-              </a:rPr>
-              <a:t>In this exercise, you will create an ASP.NET Core MVC controller to display the poll results. </a:t>
-            </a:r>
-          </a:p>
-          <a:p>
-            <a:pPr lvl="0">
-              <a:lnSpc>
-                <a:spcPct val="115000"/>
-              </a:lnSpc>
-              <a:spcAft>
-                <a:spcPts val="1000"/>
-              </a:spcAft>
-            </a:pPr>
-            <a:r>
-              <a:rPr lang="en-US" sz="1000" dirty="0">
-                <a:solidFill>
-                  <a:prstClr val="black"/>
-                </a:solidFill>
-                <a:latin typeface="Arial"/>
-                <a:ea typeface="Calibri"/>
-                <a:cs typeface="Times New Roman"/>
-              </a:rPr>
-              <a:t>The main tasks for this exercise are the following: </a:t>
-            </a:r>
-          </a:p>
-          <a:p>
-            <a:pPr marL="342900" lvl="0" indent="-342900">
-              <a:lnSpc>
-                <a:spcPct val="115000"/>
-              </a:lnSpc>
-              <a:spcAft>
-                <a:spcPts val="995"/>
-              </a:spcAft>
-              <a:buFont typeface="+mj-lt"/>
-              <a:buAutoNum type="arabicPeriod"/>
-            </a:pPr>
-            <a:r>
-              <a:rPr lang="en-US" sz="1000" dirty="0">
-                <a:solidFill>
-                  <a:prstClr val="black"/>
-                </a:solidFill>
-                <a:latin typeface="Arial"/>
-                <a:ea typeface="Arial Unicode MS"/>
-                <a:cs typeface="Arial"/>
-              </a:rPr>
-              <a:t>Enable working with MVC</a:t>
-            </a:r>
-            <a:endParaRPr lang="en-US" sz="1000" dirty="0">
-              <a:solidFill>
-                <a:prstClr val="black"/>
-              </a:solidFill>
-              <a:latin typeface="Arial"/>
-              <a:ea typeface="Times New Roman"/>
-              <a:cs typeface="Times New Roman"/>
-            </a:endParaRPr>
-          </a:p>
-          <a:p>
-            <a:pPr marL="342900" lvl="0" indent="-342900">
-              <a:lnSpc>
-                <a:spcPct val="115000"/>
-              </a:lnSpc>
-              <a:spcAft>
-                <a:spcPts val="995"/>
-              </a:spcAft>
-              <a:buFont typeface="+mj-lt"/>
-              <a:buAutoNum type="arabicPeriod"/>
-            </a:pPr>
-            <a:r>
-              <a:rPr lang="en-US" sz="1000" dirty="0">
-                <a:solidFill>
-                  <a:prstClr val="black"/>
-                </a:solidFill>
-                <a:latin typeface="Arial"/>
-                <a:ea typeface="Arial Unicode MS"/>
-                <a:cs typeface="Arial"/>
-              </a:rPr>
-              <a:t>Add a controller</a:t>
-            </a:r>
-            <a:endParaRPr lang="en-US" sz="1000" dirty="0">
-              <a:solidFill>
-                <a:prstClr val="black"/>
-              </a:solidFill>
-              <a:latin typeface="Arial"/>
-              <a:ea typeface="Times New Roman"/>
-              <a:cs typeface="Times New Roman"/>
-            </a:endParaRPr>
-          </a:p>
-          <a:p>
-            <a:pPr marL="342900" lvl="0" indent="-342900">
-              <a:lnSpc>
-                <a:spcPct val="115000"/>
-              </a:lnSpc>
-              <a:spcAft>
-                <a:spcPts val="995"/>
-              </a:spcAft>
-              <a:buFont typeface="+mj-lt"/>
-              <a:buAutoNum type="arabicPeriod"/>
-            </a:pPr>
-            <a:r>
-              <a:rPr lang="en-US" sz="1000" dirty="0">
-                <a:solidFill>
-                  <a:prstClr val="black"/>
-                </a:solidFill>
-                <a:latin typeface="Arial"/>
-                <a:ea typeface="Arial Unicode MS"/>
-                <a:cs typeface="Arial"/>
-              </a:rPr>
-              <a:t>Run the application</a:t>
-            </a:r>
-            <a:endParaRPr lang="en-US" sz="1000" dirty="0">
-              <a:solidFill>
-                <a:prstClr val="black"/>
-              </a:solidFill>
-              <a:latin typeface="Arial"/>
-              <a:ea typeface="Times New Roman"/>
-              <a:cs typeface="Times New Roman"/>
-            </a:endParaRPr>
-          </a:p>
-          <a:p>
-            <a:pPr marL="342900" lvl="0" indent="-342900">
-              <a:lnSpc>
-                <a:spcPct val="115000"/>
-              </a:lnSpc>
-              <a:spcAft>
-                <a:spcPts val="995"/>
-              </a:spcAft>
-              <a:buFont typeface="+mj-lt"/>
-              <a:buAutoNum type="arabicPeriod"/>
-            </a:pPr>
-            <a:r>
-              <a:rPr lang="en-US" sz="1000" dirty="0">
-                <a:solidFill>
-                  <a:prstClr val="black"/>
-                </a:solidFill>
-                <a:latin typeface="Arial"/>
-                <a:ea typeface="Arial Unicode MS"/>
-                <a:cs typeface="Arial"/>
-              </a:rPr>
-              <a:t>Use dependency injection in a controller</a:t>
-            </a:r>
-            <a:endParaRPr lang="en-US" sz="1000" dirty="0">
-              <a:solidFill>
-                <a:prstClr val="black"/>
-              </a:solidFill>
-              <a:latin typeface="Arial"/>
-              <a:ea typeface="Times New Roman"/>
-              <a:cs typeface="Times New Roman"/>
-            </a:endParaRPr>
-          </a:p>
-          <a:p>
-            <a:pPr marL="342900" lvl="0" indent="-342900">
-              <a:lnSpc>
-                <a:spcPct val="115000"/>
-              </a:lnSpc>
-              <a:spcAft>
-                <a:spcPts val="995"/>
-              </a:spcAft>
-              <a:buFont typeface="+mj-lt"/>
-              <a:buAutoNum type="arabicPeriod"/>
-            </a:pPr>
-            <a:r>
-              <a:rPr lang="en-US" sz="1000" dirty="0">
-                <a:solidFill>
-                  <a:prstClr val="black"/>
-                </a:solidFill>
-                <a:latin typeface="Arial"/>
-                <a:ea typeface="Arial Unicode MS"/>
-                <a:cs typeface="Arial"/>
-              </a:rPr>
-              <a:t>Run the application</a:t>
-            </a:r>
-            <a:endParaRPr lang="en-US" dirty="0"/>
+              <a:t> </a:t>
+            </a:r>
           </a:p>
         </p:txBody>
       </p:sp>
@@ -9736,38 +9836,7 @@
       </p:sp>
       <p:sp>
         <p:nvSpPr>
-          <p:cNvPr id="5" name="TextBox 4"/>
-          <p:cNvSpPr txBox="1"/>
-          <p:nvPr/>
-        </p:nvSpPr>
-        <p:spPr>
-          <a:xfrm>
-            <a:off x="0" y="8890000"/>
-            <a:ext cx="1871025" cy="246221"/>
-          </a:xfrm>
-          <a:prstGeom prst="rect">
-            <a:avLst/>
-          </a:prstGeom>
-          <a:noFill/>
-        </p:spPr>
-        <p:txBody>
-          <a:bodyPr vert="horz" wrap="none" rtlCol="0">
-            <a:spAutoFit/>
-          </a:bodyPr>
-          <a:lstStyle/>
-          <a:p>
-            <a:r>
-              <a:rPr lang="en-US" sz="1000">
-                <a:latin typeface="Arial"/>
-              </a:rPr>
-              <a:t>(More notes on the next slide)</a:t>
-            </a:r>
-          </a:p>
-        </p:txBody>
-      </p:sp>
-      <p:sp>
-        <p:nvSpPr>
-          <p:cNvPr id="6" name="Rectangle 5"/>
+          <p:cNvPr id="5" name="Rectangle 4"/>
           <p:cNvSpPr/>
           <p:nvPr/>
         </p:nvSpPr>
@@ -9839,7 +9908,7 @@
       </p:sp>
       <p:sp>
         <p:nvSpPr>
-          <p:cNvPr id="7" name="Rectangle 6"/>
+          <p:cNvPr id="6" name="Rectangle 5"/>
           <p:cNvSpPr/>
           <p:nvPr/>
         </p:nvSpPr>
@@ -9912,7 +9981,7 @@
     </p:spTree>
     <p:extLst>
       <p:ext uri="{BB962C8B-B14F-4D97-AF65-F5344CB8AC3E}">
-        <p14:creationId xmlns:p14="http://schemas.microsoft.com/office/powerpoint/2010/main" val="269876998"/>
+        <p14:creationId xmlns:p14="http://schemas.microsoft.com/office/powerpoint/2010/main" val="2531971510"/>
       </p:ext>
     </p:extLst>
   </p:cSld>
@@ -9968,7 +10037,7 @@
         </p:nvSpPr>
         <p:spPr>
           <a:xfrm>
-            <a:off x="310896" y="2093975"/>
+            <a:off x="310896" y="2093976"/>
             <a:ext cx="6153912" cy="6604000"/>
           </a:xfrm>
         </p:spPr>
@@ -9987,13 +10056,18 @@
               </a:spcAft>
             </a:pPr>
             <a:r>
-              <a:rPr lang="en-US" sz="1000" dirty="0">
+              <a:rPr lang="en-US" sz="1000" b="1">
                 <a:latin typeface="Arial"/>
                 <a:ea typeface="Calibri"/>
                 <a:cs typeface="Times New Roman"/>
               </a:rPr>
-              <a:t>In this lab the students will learn how to send data from an HTML form to a middleware, save the data in a service, and output the data by using a controller and Dependency Injection.</a:t>
-            </a:r>
+              <a:t>Question</a:t>
+            </a:r>
+            <a:endParaRPr lang="en-US" sz="1000">
+              <a:latin typeface="Arial"/>
+              <a:ea typeface="Calibri"/>
+              <a:cs typeface="Times New Roman"/>
+            </a:endParaRPr>
           </a:p>
           <a:p>
             <a:pPr>
@@ -10005,29 +10079,76 @@
               </a:spcAft>
             </a:pPr>
             <a:r>
-              <a:rPr lang="en-US" sz="1000" dirty="0">
+              <a:rPr lang="en-US" sz="1000">
                 <a:latin typeface="Arial"/>
                 <a:ea typeface="Calibri"/>
                 <a:cs typeface="Times New Roman"/>
               </a:rPr>
-              <a:t>You will find the high-level steps on the following page: </a:t>
-            </a:r>
-            <a:r>
-              <a:rPr lang="en-US" sz="1000" dirty="0">
+              <a:t>What is the difference between </a:t>
+            </a:r>
+            <a:r>
+              <a:rPr lang="en-US" sz="1000" b="1">
                 <a:latin typeface="Arial"/>
                 <a:ea typeface="Calibri"/>
                 <a:cs typeface="Times New Roman"/>
-                <a:hlinkClick r:id="rId3"/>
-              </a:rPr>
-              <a:t>https://github.com/MicrosoftLearning/20486D-DevelopingASPNETMVCWebApplications/blob/master/Instructions/20486D_MOD03_LAB_MANUAL.md.</a:t>
-            </a:r>
-            <a:r>
-              <a:rPr lang="en-US" sz="1000" dirty="0">
+              </a:rPr>
+              <a:t>app.Use</a:t>
+            </a:r>
+            <a:r>
+              <a:rPr lang="en-US" sz="1000">
                 <a:latin typeface="Arial"/>
                 <a:ea typeface="Calibri"/>
                 <a:cs typeface="Times New Roman"/>
               </a:rPr>
-              <a:t> </a:t>
+              <a:t> and </a:t>
+            </a:r>
+            <a:r>
+              <a:rPr lang="en-US" sz="1000" b="1">
+                <a:latin typeface="Arial"/>
+                <a:ea typeface="Calibri"/>
+                <a:cs typeface="Times New Roman"/>
+              </a:rPr>
+              <a:t>app.Run</a:t>
+            </a:r>
+            <a:r>
+              <a:rPr lang="en-US" sz="1000">
+                <a:latin typeface="Arial"/>
+                <a:ea typeface="Calibri"/>
+                <a:cs typeface="Times New Roman"/>
+              </a:rPr>
+              <a:t> in the </a:t>
+            </a:r>
+            <a:r>
+              <a:rPr lang="en-US" sz="1000" b="1">
+                <a:latin typeface="Arial"/>
+                <a:ea typeface="Calibri"/>
+                <a:cs typeface="Times New Roman"/>
+              </a:rPr>
+              <a:t>Configure</a:t>
+            </a:r>
+            <a:r>
+              <a:rPr lang="en-US" sz="1000">
+                <a:latin typeface="Arial"/>
+                <a:ea typeface="Calibri"/>
+                <a:cs typeface="Times New Roman"/>
+              </a:rPr>
+              <a:t> method in the </a:t>
+            </a:r>
+            <a:r>
+              <a:rPr lang="en-US" sz="1000" b="1">
+                <a:latin typeface="Arial"/>
+                <a:ea typeface="Calibri"/>
+                <a:cs typeface="Times New Roman"/>
+              </a:rPr>
+              <a:t>Startup</a:t>
+            </a:r>
+            <a:r>
+              <a:rPr lang="en-US" sz="1000">
+                <a:latin typeface="Arial"/>
+                <a:ea typeface="Calibri"/>
+                <a:cs typeface="Times New Roman"/>
+              </a:rPr>
+              <a:t> class?</a:t>
             </a:r>
           </a:p>
           <a:p>
@@ -10040,30 +10161,517 @@
               </a:spcAft>
             </a:pPr>
             <a:r>
-              <a:rPr lang="en-US" sz="1000" dirty="0">
+              <a:rPr lang="en-US" sz="1000" b="1">
                 <a:latin typeface="Arial"/>
                 <a:ea typeface="Calibri"/>
                 <a:cs typeface="Times New Roman"/>
               </a:rPr>
-              <a:t>You will find the detailed steps on the following page: </a:t>
-            </a:r>
-            <a:r>
-              <a:rPr lang="en-US" sz="1000" dirty="0">
+              <a:t>Answer</a:t>
+            </a:r>
+            <a:endParaRPr lang="en-US" sz="1000">
+              <a:latin typeface="Arial"/>
+              <a:ea typeface="Calibri"/>
+              <a:cs typeface="Times New Roman"/>
+            </a:endParaRPr>
+          </a:p>
+          <a:p>
+            <a:pPr>
+              <a:lnSpc>
+                <a:spcPct val="115000"/>
+              </a:lnSpc>
+              <a:spcAft>
+                <a:spcPts val="1000"/>
+              </a:spcAft>
+            </a:pPr>
+            <a:r>
+              <a:rPr lang="en-US" sz="1000">
                 <a:latin typeface="Arial"/>
                 <a:ea typeface="Calibri"/>
                 <a:cs typeface="Times New Roman"/>
-                <a:hlinkClick r:id="rId4"/>
-              </a:rPr>
-              <a:t>https://github.com/MicrosoftLearning/20486D-DevelopingASPNETMVCWebApplications/blob/master/Instructions/20486D_MOD03_LAK.md.</a:t>
-            </a:r>
-            <a:r>
-              <a:rPr lang="en-US" sz="1000" dirty="0">
+              </a:rPr>
+              <a:t>When you use </a:t>
+            </a:r>
+            <a:r>
+              <a:rPr lang="en-US" sz="1000" b="1">
                 <a:latin typeface="Arial"/>
                 <a:ea typeface="Calibri"/>
                 <a:cs typeface="Times New Roman"/>
               </a:rPr>
+              <a:t>app.Use</a:t>
+            </a:r>
+            <a:r>
+              <a:rPr lang="en-US" sz="1000">
+                <a:latin typeface="Arial"/>
+                <a:ea typeface="Calibri"/>
+                <a:cs typeface="Times New Roman"/>
+              </a:rPr>
+              <a:t>, it is possible to run the next middleware in the pipeline, by calling the </a:t>
+            </a:r>
+            <a:r>
+              <a:rPr lang="en-US" sz="1000" b="1">
+                <a:latin typeface="Arial"/>
+                <a:ea typeface="Calibri"/>
+                <a:cs typeface="Times New Roman"/>
+              </a:rPr>
+              <a:t>Invoke</a:t>
+            </a:r>
+            <a:r>
+              <a:rPr lang="en-US" sz="1000">
+                <a:latin typeface="Arial"/>
+                <a:ea typeface="Calibri"/>
+                <a:cs typeface="Times New Roman"/>
+              </a:rPr>
+              <a:t> method on the </a:t>
+            </a:r>
+            <a:r>
+              <a:rPr lang="en-US" sz="1000" b="1">
+                <a:latin typeface="Arial"/>
+                <a:ea typeface="Calibri"/>
+                <a:cs typeface="Times New Roman"/>
+              </a:rPr>
+              <a:t>next</a:t>
+            </a:r>
+            <a:r>
+              <a:rPr lang="en-US" sz="1000">
+                <a:latin typeface="Arial"/>
+                <a:ea typeface="Calibri"/>
+                <a:cs typeface="Times New Roman"/>
+              </a:rPr>
+              <a:t> parameter.</a:t>
+            </a:r>
+          </a:p>
+          <a:p>
+            <a:pPr>
+              <a:lnSpc>
+                <a:spcPct val="115000"/>
+              </a:lnSpc>
+              <a:spcAft>
+                <a:spcPts val="1000"/>
+              </a:spcAft>
+            </a:pPr>
+            <a:r>
+              <a:rPr lang="en-US" sz="1000">
+                <a:latin typeface="Arial"/>
+                <a:ea typeface="Arial Unicode MS"/>
+                <a:cs typeface="Arial"/>
+              </a:rPr>
+              <a:t>When you use </a:t>
+            </a:r>
+            <a:r>
+              <a:rPr lang="en-US" sz="1000" b="1">
+                <a:latin typeface="Arial"/>
+                <a:ea typeface="Calibri"/>
+                <a:cs typeface="Times New Roman"/>
+              </a:rPr>
+              <a:t>app.Run</a:t>
+            </a:r>
+            <a:r>
+              <a:rPr lang="en-US" sz="1000">
+                <a:latin typeface="Arial"/>
+                <a:ea typeface="Arial Unicode MS"/>
+                <a:cs typeface="Arial"/>
+              </a:rPr>
+              <a:t>, it is impossible to run any middleware after its usage, and it does not have the </a:t>
+            </a:r>
+            <a:r>
+              <a:rPr lang="en-US" sz="1000" b="1">
+                <a:latin typeface="Arial"/>
+                <a:ea typeface="Calibri"/>
+                <a:cs typeface="Times New Roman"/>
+              </a:rPr>
+              <a:t>next</a:t>
+            </a:r>
+            <a:r>
+              <a:rPr lang="en-US" sz="1000">
+                <a:latin typeface="Arial"/>
+                <a:ea typeface="Arial Unicode MS"/>
+                <a:cs typeface="Arial"/>
+              </a:rPr>
+              <a:t> parameter.</a:t>
+            </a:r>
+            <a:endParaRPr lang="en-US" sz="1000">
+              <a:latin typeface="Arial"/>
+              <a:ea typeface="Calibri"/>
+              <a:cs typeface="Times New Roman"/>
+            </a:endParaRPr>
+          </a:p>
+          <a:p>
+            <a:pPr>
+              <a:lnSpc>
+                <a:spcPct val="115000"/>
+              </a:lnSpc>
+              <a:spcAft>
+                <a:spcPts val="1000"/>
+              </a:spcAft>
+            </a:pPr>
+            <a:r>
+              <a:rPr lang="en-US" sz="1000" b="1">
+                <a:latin typeface="Arial"/>
+                <a:ea typeface="Calibri"/>
+                <a:cs typeface="Times New Roman"/>
+              </a:rPr>
+              <a:t>Question</a:t>
+            </a:r>
+            <a:endParaRPr lang="en-US" sz="1000">
+              <a:latin typeface="Arial"/>
+              <a:ea typeface="Calibri"/>
+              <a:cs typeface="Times New Roman"/>
+            </a:endParaRPr>
+          </a:p>
+          <a:p>
+            <a:pPr>
+              <a:lnSpc>
+                <a:spcPct val="115000"/>
+              </a:lnSpc>
+              <a:spcAft>
+                <a:spcPts val="1000"/>
+              </a:spcAft>
+            </a:pPr>
+            <a:r>
+              <a:rPr lang="en-US" sz="1000">
+                <a:latin typeface="Arial"/>
+                <a:ea typeface="Arial Unicode MS"/>
+                <a:cs typeface="Arial"/>
+              </a:rPr>
+              <a:t>What will change when you update the service configuration in the </a:t>
+            </a:r>
+            <a:r>
+              <a:rPr lang="en-US" sz="1000" b="1">
+                <a:latin typeface="Arial"/>
+                <a:ea typeface="Calibri"/>
+                <a:cs typeface="Times New Roman"/>
+              </a:rPr>
+              <a:t>ConfigureServices</a:t>
+            </a:r>
+            <a:r>
+              <a:rPr lang="en-US" sz="1000">
+                <a:latin typeface="Arial"/>
+                <a:ea typeface="Arial Unicode MS"/>
+                <a:cs typeface="Arial"/>
+              </a:rPr>
+              <a:t> method from </a:t>
+            </a:r>
+            <a:r>
+              <a:rPr lang="en-US" sz="1000" b="1">
+                <a:latin typeface="Arial"/>
+                <a:ea typeface="Calibri"/>
+                <a:cs typeface="Times New Roman"/>
+              </a:rPr>
+              <a:t>AddSingleton</a:t>
+            </a:r>
+            <a:r>
+              <a:rPr lang="en-US" sz="1000">
+                <a:latin typeface="Arial"/>
+                <a:ea typeface="Arial Unicode MS"/>
+                <a:cs typeface="Arial"/>
+              </a:rPr>
+              <a:t> to </a:t>
+            </a:r>
+            <a:r>
+              <a:rPr lang="en-US" sz="1000" b="1">
+                <a:latin typeface="Arial"/>
+                <a:ea typeface="Calibri"/>
+                <a:cs typeface="Times New Roman"/>
+              </a:rPr>
+              <a:t>AddScoped</a:t>
+            </a:r>
+            <a:r>
+              <a:rPr lang="en-US" sz="1000">
+                <a:latin typeface="Arial"/>
+                <a:ea typeface="Arial Unicode MS"/>
+                <a:cs typeface="Arial"/>
+              </a:rPr>
+              <a:t>, or to </a:t>
+            </a:r>
+            <a:r>
+              <a:rPr lang="en-US" sz="1000" b="1">
+                <a:latin typeface="Arial"/>
+                <a:ea typeface="Calibri"/>
+                <a:cs typeface="Times New Roman"/>
+              </a:rPr>
+              <a:t>AddTransient</a:t>
+            </a:r>
+            <a:r>
+              <a:rPr lang="en-US" sz="1000">
+                <a:latin typeface="Arial"/>
+                <a:ea typeface="Arial Unicode MS"/>
+                <a:cs typeface="Arial"/>
+              </a:rPr>
+              <a:t>?</a:t>
+            </a:r>
+            <a:r>
+              <a:rPr lang="en-US" sz="1000">
+                <a:latin typeface="Arial"/>
+                <a:ea typeface="Calibri"/>
+                <a:cs typeface="Times New Roman"/>
+              </a:rPr>
               <a:t> </a:t>
             </a:r>
+          </a:p>
+          <a:p>
+            <a:pPr>
+              <a:lnSpc>
+                <a:spcPct val="115000"/>
+              </a:lnSpc>
+              <a:spcAft>
+                <a:spcPts val="1000"/>
+              </a:spcAft>
+            </a:pPr>
+            <a:r>
+              <a:rPr lang="en-US" sz="1000" b="1">
+                <a:latin typeface="Arial"/>
+                <a:ea typeface="Calibri"/>
+                <a:cs typeface="Times New Roman"/>
+              </a:rPr>
+              <a:t>Answer</a:t>
+            </a:r>
+            <a:endParaRPr lang="en-US" sz="1000">
+              <a:latin typeface="Arial"/>
+              <a:ea typeface="Calibri"/>
+              <a:cs typeface="Times New Roman"/>
+            </a:endParaRPr>
+          </a:p>
+          <a:p>
+            <a:pPr>
+              <a:lnSpc>
+                <a:spcPct val="115000"/>
+              </a:lnSpc>
+              <a:spcAft>
+                <a:spcPts val="1000"/>
+              </a:spcAft>
+            </a:pPr>
+            <a:r>
+              <a:rPr lang="en-US" sz="1000">
+                <a:latin typeface="Arial"/>
+                <a:ea typeface="Calibri"/>
+                <a:cs typeface="Times New Roman"/>
+              </a:rPr>
+              <a:t>If a service is configured to run with </a:t>
+            </a:r>
+            <a:r>
+              <a:rPr lang="en-US" sz="1000" b="1">
+                <a:latin typeface="Arial"/>
+                <a:ea typeface="Calibri"/>
+                <a:cs typeface="Times New Roman"/>
+              </a:rPr>
+              <a:t>AddSingleton</a:t>
+            </a:r>
+            <a:r>
+              <a:rPr lang="en-US" sz="1000">
+                <a:latin typeface="Arial"/>
+                <a:ea typeface="Calibri"/>
+                <a:cs typeface="Times New Roman"/>
+              </a:rPr>
+              <a:t>, a single instance will be created during the application’s entire lifetime. If </a:t>
+            </a:r>
+            <a:r>
+              <a:rPr lang="en-US" sz="1000" b="1">
+                <a:latin typeface="Arial"/>
+                <a:ea typeface="Calibri"/>
+                <a:cs typeface="Times New Roman"/>
+              </a:rPr>
+              <a:t>AddScoped</a:t>
+            </a:r>
+            <a:r>
+              <a:rPr lang="en-US" sz="1000">
+                <a:latin typeface="Arial"/>
+                <a:ea typeface="Calibri"/>
+                <a:cs typeface="Times New Roman"/>
+              </a:rPr>
+              <a:t> is used, one copy of the service will be created for each individual request. </a:t>
+            </a:r>
+          </a:p>
+          <a:p>
+            <a:pPr>
+              <a:lnSpc>
+                <a:spcPct val="115000"/>
+              </a:lnSpc>
+              <a:spcAft>
+                <a:spcPts val="1000"/>
+              </a:spcAft>
+            </a:pPr>
+            <a:r>
+              <a:rPr lang="en-US" sz="1000">
+                <a:latin typeface="Arial"/>
+                <a:ea typeface="Calibri"/>
+                <a:cs typeface="Times New Roman"/>
+              </a:rPr>
+              <a:t>If </a:t>
+            </a:r>
+            <a:r>
+              <a:rPr lang="en-US" sz="1000" b="1">
+                <a:latin typeface="Arial"/>
+                <a:ea typeface="Calibri"/>
+                <a:cs typeface="Times New Roman"/>
+              </a:rPr>
+              <a:t>AddTransient</a:t>
+            </a:r>
+            <a:r>
+              <a:rPr lang="en-US" sz="1000">
+                <a:latin typeface="Arial"/>
+                <a:ea typeface="Calibri"/>
+                <a:cs typeface="Times New Roman"/>
+              </a:rPr>
+              <a:t> is used, a separate instance will be created whenever a service is injected.</a:t>
+            </a:r>
+          </a:p>
+          <a:p>
+            <a:pPr>
+              <a:lnSpc>
+                <a:spcPct val="115000"/>
+              </a:lnSpc>
+              <a:spcAft>
+                <a:spcPts val="1000"/>
+              </a:spcAft>
+            </a:pPr>
+            <a:r>
+              <a:rPr lang="en-US" sz="1000" b="1">
+                <a:latin typeface="Arial"/>
+                <a:ea typeface="Calibri"/>
+                <a:cs typeface="Times New Roman"/>
+              </a:rPr>
+              <a:t>Question</a:t>
+            </a:r>
+            <a:endParaRPr lang="en-US" sz="1000">
+              <a:latin typeface="Arial"/>
+              <a:ea typeface="Calibri"/>
+              <a:cs typeface="Times New Roman"/>
+            </a:endParaRPr>
+          </a:p>
+          <a:p>
+            <a:pPr>
+              <a:lnSpc>
+                <a:spcPct val="115000"/>
+              </a:lnSpc>
+              <a:spcAft>
+                <a:spcPts val="1000"/>
+              </a:spcAft>
+            </a:pPr>
+            <a:r>
+              <a:rPr lang="en-US" sz="1000">
+                <a:latin typeface="Arial"/>
+                <a:ea typeface="Arial Unicode MS"/>
+                <a:cs typeface="Arial"/>
+              </a:rPr>
+              <a:t>What happens to the </a:t>
+            </a:r>
+            <a:r>
+              <a:rPr lang="en-US" sz="1000" b="1">
+                <a:latin typeface="Arial"/>
+                <a:ea typeface="Calibri"/>
+                <a:cs typeface="Times New Roman"/>
+              </a:rPr>
+              <a:t>UseStaticFiles</a:t>
+            </a:r>
+            <a:r>
+              <a:rPr lang="en-US" sz="1000">
+                <a:latin typeface="Arial"/>
+                <a:ea typeface="Arial Unicode MS"/>
+                <a:cs typeface="Arial"/>
+              </a:rPr>
+              <a:t> middleware when the browser is directed to a path where no static file is found?</a:t>
+            </a:r>
+            <a:endParaRPr lang="en-US" sz="1000">
+              <a:latin typeface="Arial"/>
+              <a:ea typeface="Calibri"/>
+              <a:cs typeface="Times New Roman"/>
+            </a:endParaRPr>
+          </a:p>
+          <a:p>
+            <a:pPr>
+              <a:lnSpc>
+                <a:spcPct val="115000"/>
+              </a:lnSpc>
+              <a:spcAft>
+                <a:spcPts val="1000"/>
+              </a:spcAft>
+            </a:pPr>
+            <a:r>
+              <a:rPr lang="en-US" sz="1000" b="1">
+                <a:latin typeface="Arial"/>
+                <a:ea typeface="Calibri"/>
+                <a:cs typeface="Times New Roman"/>
+              </a:rPr>
+              <a:t>Answer</a:t>
+            </a:r>
+            <a:endParaRPr lang="en-US" sz="1000">
+              <a:latin typeface="Arial"/>
+              <a:ea typeface="Calibri"/>
+              <a:cs typeface="Times New Roman"/>
+            </a:endParaRPr>
+          </a:p>
+          <a:p>
+            <a:pPr>
+              <a:lnSpc>
+                <a:spcPct val="115000"/>
+              </a:lnSpc>
+              <a:spcAft>
+                <a:spcPts val="1000"/>
+              </a:spcAft>
+            </a:pPr>
+            <a:r>
+              <a:rPr lang="en-US" sz="1000">
+                <a:latin typeface="Arial"/>
+                <a:ea typeface="Calibri"/>
+                <a:cs typeface="Times New Roman"/>
+              </a:rPr>
+              <a:t>The </a:t>
+            </a:r>
+            <a:r>
+              <a:rPr lang="en-US" sz="1000" b="1">
+                <a:latin typeface="Arial"/>
+                <a:ea typeface="Calibri"/>
+                <a:cs typeface="Times New Roman"/>
+              </a:rPr>
+              <a:t>UseStaticFiles</a:t>
+            </a:r>
+            <a:r>
+              <a:rPr lang="en-US" sz="1000">
+                <a:latin typeface="Arial"/>
+                <a:ea typeface="Calibri"/>
+                <a:cs typeface="Times New Roman"/>
+              </a:rPr>
+              <a:t> middleware checks for the existence of the static file in the requested path.</a:t>
+            </a:r>
+          </a:p>
+          <a:p>
+            <a:pPr>
+              <a:lnSpc>
+                <a:spcPct val="115000"/>
+              </a:lnSpc>
+              <a:spcAft>
+                <a:spcPts val="1000"/>
+              </a:spcAft>
+            </a:pPr>
+            <a:r>
+              <a:rPr lang="en-US" sz="1000">
+                <a:latin typeface="Arial"/>
+                <a:ea typeface="Arial Unicode MS"/>
+                <a:cs typeface="Arial"/>
+              </a:rPr>
+              <a:t>If it finds no match, it invokes the </a:t>
+            </a:r>
+            <a:r>
+              <a:rPr lang="en-US" sz="1000" b="1">
+                <a:latin typeface="Arial"/>
+                <a:ea typeface="Calibri"/>
+                <a:cs typeface="Times New Roman"/>
+              </a:rPr>
+              <a:t>next</a:t>
+            </a:r>
+            <a:r>
+              <a:rPr lang="en-US" sz="1000">
+                <a:latin typeface="Arial"/>
+                <a:ea typeface="Arial Unicode MS"/>
+                <a:cs typeface="Arial"/>
+              </a:rPr>
+              <a:t> parameter and continues to the next middleware in the pipeline.</a:t>
+            </a:r>
+            <a:endParaRPr lang="en-US" sz="1000">
+              <a:latin typeface="Arial"/>
+              <a:ea typeface="Calibri"/>
+              <a:cs typeface="Times New Roman"/>
+            </a:endParaRPr>
           </a:p>
         </p:txBody>
       </p:sp>
@@ -10237,7 +10845,7 @@
     </p:spTree>
     <p:extLst>
       <p:ext uri="{BB962C8B-B14F-4D97-AF65-F5344CB8AC3E}">
-        <p14:creationId xmlns:p14="http://schemas.microsoft.com/office/powerpoint/2010/main" val="2531971510"/>
+        <p14:creationId xmlns:p14="http://schemas.microsoft.com/office/powerpoint/2010/main" val="2025969946"/>
       </p:ext>
     </p:extLst>
   </p:cSld>
@@ -10312,14 +10920,14 @@
               </a:spcAft>
             </a:pPr>
             <a:r>
-              <a:rPr lang="en-US" sz="1000" b="1">
+              <a:rPr lang="en-US" sz="1000" b="1" dirty="0">
                 <a:latin typeface="Arial"/>
                 <a:ea typeface="Calibri"/>
                 <a:cs typeface="Times New Roman"/>
               </a:rPr>
-              <a:t>Question</a:t>
-            </a:r>
-            <a:endParaRPr lang="en-US" sz="1000">
+              <a:t>Review Question</a:t>
+            </a:r>
+            <a:endParaRPr lang="en-US" sz="1000" dirty="0">
               <a:latin typeface="Arial"/>
               <a:ea typeface="Calibri"/>
               <a:cs typeface="Times New Roman"/>
@@ -10335,96 +10943,14 @@
               </a:spcAft>
             </a:pPr>
             <a:r>
-              <a:rPr lang="en-US" sz="1000">
+              <a:rPr lang="en-US" sz="1000" b="1" dirty="0">
                 <a:latin typeface="Arial"/>
                 <a:ea typeface="Calibri"/>
                 <a:cs typeface="Times New Roman"/>
               </a:rPr>
-              <a:t>What is the difference between </a:t>
-            </a:r>
-            <a:r>
-              <a:rPr lang="en-US" sz="1000" b="1">
-                <a:latin typeface="Arial"/>
-                <a:ea typeface="Calibri"/>
-                <a:cs typeface="Times New Roman"/>
-              </a:rPr>
-              <a:t>app.Use</a:t>
-            </a:r>
-            <a:r>
-              <a:rPr lang="en-US" sz="1000">
-                <a:latin typeface="Arial"/>
-                <a:ea typeface="Calibri"/>
-                <a:cs typeface="Times New Roman"/>
-              </a:rPr>
-              <a:t> and </a:t>
-            </a:r>
-            <a:r>
-              <a:rPr lang="en-US" sz="1000" b="1">
-                <a:latin typeface="Arial"/>
-                <a:ea typeface="Calibri"/>
-                <a:cs typeface="Times New Roman"/>
-              </a:rPr>
-              <a:t>app.Run</a:t>
-            </a:r>
-            <a:r>
-              <a:rPr lang="en-US" sz="1000">
-                <a:latin typeface="Arial"/>
-                <a:ea typeface="Calibri"/>
-                <a:cs typeface="Times New Roman"/>
-              </a:rPr>
-              <a:t> in the </a:t>
-            </a:r>
-            <a:r>
-              <a:rPr lang="en-US" sz="1000" b="1">
-                <a:latin typeface="Arial"/>
-                <a:ea typeface="Calibri"/>
-                <a:cs typeface="Times New Roman"/>
-              </a:rPr>
-              <a:t>Configure</a:t>
-            </a:r>
-            <a:r>
-              <a:rPr lang="en-US" sz="1000">
-                <a:latin typeface="Arial"/>
-                <a:ea typeface="Calibri"/>
-                <a:cs typeface="Times New Roman"/>
-              </a:rPr>
-              <a:t> method in the </a:t>
-            </a:r>
-            <a:r>
-              <a:rPr lang="en-US" sz="1000" b="1">
-                <a:latin typeface="Arial"/>
-                <a:ea typeface="Calibri"/>
-                <a:cs typeface="Times New Roman"/>
-              </a:rPr>
-              <a:t>Startup</a:t>
-            </a:r>
-            <a:r>
-              <a:rPr lang="en-US" sz="1000">
-                <a:latin typeface="Arial"/>
-                <a:ea typeface="Calibri"/>
-                <a:cs typeface="Times New Roman"/>
-              </a:rPr>
-              <a:t> class?</a:t>
-            </a:r>
-          </a:p>
-          <a:p>
-            <a:pPr>
-              <a:lnSpc>
-                <a:spcPct val="115000"/>
-              </a:lnSpc>
-              <a:spcAft>
-                <a:spcPts val="1000"/>
-              </a:spcAft>
-            </a:pPr>
-            <a:r>
-              <a:rPr lang="en-US" sz="1000" b="1">
-                <a:latin typeface="Arial"/>
-                <a:ea typeface="Calibri"/>
-                <a:cs typeface="Times New Roman"/>
-              </a:rPr>
-              <a:t>Answer</a:t>
-            </a:r>
-            <a:endParaRPr lang="en-US" sz="1000">
+              <a:t>Question</a:t>
+            </a:r>
+            <a:endParaRPr lang="en-US" sz="1000" dirty="0">
               <a:latin typeface="Arial"/>
               <a:ea typeface="Calibri"/>
               <a:cs typeface="Times New Roman"/>
@@ -10440,112 +10966,32 @@
               </a:spcAft>
             </a:pPr>
             <a:r>
-              <a:rPr lang="en-US" sz="1000">
+              <a:rPr lang="en-US" sz="1000" dirty="0">
                 <a:latin typeface="Arial"/>
                 <a:ea typeface="Calibri"/>
                 <a:cs typeface="Times New Roman"/>
               </a:rPr>
-              <a:t>When you use </a:t>
-            </a:r>
-            <a:r>
-              <a:rPr lang="en-US" sz="1000" b="1">
+              <a:t>What are the advantages of using Dependency Injection over instantiating references?</a:t>
+            </a:r>
+          </a:p>
+          <a:p>
+            <a:pPr>
+              <a:lnSpc>
+                <a:spcPct val="115000"/>
+              </a:lnSpc>
+              <a:spcAft>
+                <a:spcPts val="1000"/>
+              </a:spcAft>
+            </a:pPr>
+            <a:r>
+              <a:rPr lang="en-US" sz="1000" b="1" dirty="0">
                 <a:latin typeface="Arial"/>
                 <a:ea typeface="Calibri"/>
                 <a:cs typeface="Times New Roman"/>
               </a:rPr>
-              <a:t>app.Use</a:t>
-            </a:r>
-            <a:r>
-              <a:rPr lang="en-US" sz="1000">
-                <a:latin typeface="Arial"/>
-                <a:ea typeface="Calibri"/>
-                <a:cs typeface="Times New Roman"/>
-              </a:rPr>
-              <a:t>, it is possible to run the next middleware in the pipeline, by calling the </a:t>
-            </a:r>
-            <a:r>
-              <a:rPr lang="en-US" sz="1000" b="1">
-                <a:latin typeface="Arial"/>
-                <a:ea typeface="Calibri"/>
-                <a:cs typeface="Times New Roman"/>
-              </a:rPr>
-              <a:t>Invoke</a:t>
-            </a:r>
-            <a:r>
-              <a:rPr lang="en-US" sz="1000">
-                <a:latin typeface="Arial"/>
-                <a:ea typeface="Calibri"/>
-                <a:cs typeface="Times New Roman"/>
-              </a:rPr>
-              <a:t> method on the </a:t>
-            </a:r>
-            <a:r>
-              <a:rPr lang="en-US" sz="1000" b="1">
-                <a:latin typeface="Arial"/>
-                <a:ea typeface="Calibri"/>
-                <a:cs typeface="Times New Roman"/>
-              </a:rPr>
-              <a:t>next</a:t>
-            </a:r>
-            <a:r>
-              <a:rPr lang="en-US" sz="1000">
-                <a:latin typeface="Arial"/>
-                <a:ea typeface="Calibri"/>
-                <a:cs typeface="Times New Roman"/>
-              </a:rPr>
-              <a:t> parameter.</a:t>
-            </a:r>
-          </a:p>
-          <a:p>
-            <a:pPr>
-              <a:lnSpc>
-                <a:spcPct val="115000"/>
-              </a:lnSpc>
-              <a:spcAft>
-                <a:spcPts val="1000"/>
-              </a:spcAft>
-            </a:pPr>
-            <a:r>
-              <a:rPr lang="en-US" sz="1000">
-                <a:latin typeface="Arial"/>
-                <a:ea typeface="Arial Unicode MS"/>
-                <a:cs typeface="Arial"/>
-              </a:rPr>
-              <a:t>When you use </a:t>
-            </a:r>
-            <a:r>
-              <a:rPr lang="en-US" sz="1000" b="1">
-                <a:latin typeface="Arial"/>
-                <a:ea typeface="Calibri"/>
-                <a:cs typeface="Times New Roman"/>
-              </a:rPr>
-              <a:t>app.Run</a:t>
-            </a:r>
-            <a:r>
-              <a:rPr lang="en-US" sz="1000">
-                <a:latin typeface="Arial"/>
-                <a:ea typeface="Arial Unicode MS"/>
-                <a:cs typeface="Arial"/>
-              </a:rPr>
-              <a:t>, it is impossible to run any middleware after its usage, and it does not have the </a:t>
-            </a:r>
-            <a:r>
-              <a:rPr lang="en-US" sz="1000" b="1">
-                <a:latin typeface="Arial"/>
-                <a:ea typeface="Calibri"/>
-                <a:cs typeface="Times New Roman"/>
-              </a:rPr>
-              <a:t>next</a:t>
-            </a:r>
-            <a:r>
-              <a:rPr lang="en-US" sz="1000">
-                <a:latin typeface="Arial"/>
-                <a:ea typeface="Arial Unicode MS"/>
-                <a:cs typeface="Arial"/>
-              </a:rPr>
-              <a:t> parameter.</a:t>
-            </a:r>
-            <a:endParaRPr lang="en-US" sz="1000">
+              <a:t>Answer</a:t>
+            </a:r>
+            <a:endParaRPr lang="en-US" sz="1000" dirty="0">
               <a:latin typeface="Arial"/>
               <a:ea typeface="Calibri"/>
               <a:cs typeface="Times New Roman"/>
@@ -10561,14 +11007,216 @@
               </a:spcAft>
             </a:pPr>
             <a:r>
-              <a:rPr lang="en-US" sz="1000" b="1">
+              <a:rPr lang="en-US" sz="1000" dirty="0">
                 <a:latin typeface="Arial"/>
                 <a:ea typeface="Calibri"/>
                 <a:cs typeface="Times New Roman"/>
               </a:rPr>
-              <a:t>Question</a:t>
-            </a:r>
-            <a:endParaRPr lang="en-US" sz="1000">
+              <a:t>By using Dependency Injection, you can separate service logic from their dependencies, this can help with the following:</a:t>
+            </a:r>
+          </a:p>
+          <a:p>
+            <a:pPr marL="342900" marR="0" lvl="0" indent="-342900">
+              <a:lnSpc>
+                <a:spcPct val="115000"/>
+              </a:lnSpc>
+              <a:spcBef>
+                <a:spcPts val="0"/>
+              </a:spcBef>
+              <a:spcAft>
+                <a:spcPts val="995"/>
+              </a:spcAft>
+              <a:buFont typeface="Symbol"/>
+              <a:buChar char=""/>
+            </a:pPr>
+            <a:r>
+              <a:rPr lang="en-US" sz="1000" dirty="0">
+                <a:solidFill>
+                  <a:srgbClr val="000000"/>
+                </a:solidFill>
+                <a:effectLst/>
+                <a:latin typeface="Arial"/>
+                <a:ea typeface="Times New Roman"/>
+                <a:cs typeface="Times New Roman"/>
+              </a:rPr>
+              <a:t>Adding new dependencies does not affect currently existing code.</a:t>
+            </a:r>
+            <a:endParaRPr lang="en-US" sz="1000" dirty="0">
+              <a:effectLst/>
+              <a:latin typeface="Arial"/>
+              <a:ea typeface="Times New Roman"/>
+              <a:cs typeface="Times New Roman"/>
+            </a:endParaRPr>
+          </a:p>
+          <a:p>
+            <a:pPr marL="342900" marR="0" lvl="0" indent="-342900">
+              <a:lnSpc>
+                <a:spcPct val="115000"/>
+              </a:lnSpc>
+              <a:spcBef>
+                <a:spcPts val="0"/>
+              </a:spcBef>
+              <a:spcAft>
+                <a:spcPts val="995"/>
+              </a:spcAft>
+              <a:buFont typeface="Symbol"/>
+              <a:buChar char=""/>
+            </a:pPr>
+            <a:r>
+              <a:rPr lang="en-US" sz="1000" dirty="0">
+                <a:solidFill>
+                  <a:srgbClr val="000000"/>
+                </a:solidFill>
+                <a:effectLst/>
+                <a:latin typeface="Arial"/>
+                <a:ea typeface="Times New Roman"/>
+                <a:cs typeface="Times New Roman"/>
+              </a:rPr>
+              <a:t>Changing internal logic has no effect on external code.</a:t>
+            </a:r>
+            <a:endParaRPr lang="en-US" sz="1000" dirty="0">
+              <a:effectLst/>
+              <a:latin typeface="Arial"/>
+              <a:ea typeface="Times New Roman"/>
+              <a:cs typeface="Times New Roman"/>
+            </a:endParaRPr>
+          </a:p>
+          <a:p>
+            <a:pPr marL="342900" marR="0" lvl="0" indent="-342900">
+              <a:lnSpc>
+                <a:spcPct val="115000"/>
+              </a:lnSpc>
+              <a:spcBef>
+                <a:spcPts val="0"/>
+              </a:spcBef>
+              <a:spcAft>
+                <a:spcPts val="995"/>
+              </a:spcAft>
+              <a:buFont typeface="Symbol"/>
+              <a:buChar char=""/>
+            </a:pPr>
+            <a:r>
+              <a:rPr lang="en-US" sz="1000" dirty="0">
+                <a:solidFill>
+                  <a:srgbClr val="000000"/>
+                </a:solidFill>
+                <a:effectLst/>
+                <a:latin typeface="Arial"/>
+                <a:ea typeface="Times New Roman"/>
+                <a:cs typeface="Times New Roman"/>
+              </a:rPr>
+              <a:t>By committing to interfaces, the code becomes simpler to mock up during tests, as you can test each service and each component independently.</a:t>
+            </a:r>
+            <a:endParaRPr lang="en-US" sz="1000" dirty="0">
+              <a:effectLst/>
+              <a:latin typeface="Arial"/>
+              <a:ea typeface="Times New Roman"/>
+              <a:cs typeface="Times New Roman"/>
+            </a:endParaRPr>
+          </a:p>
+          <a:p>
+            <a:pPr marL="342900" marR="0" lvl="0" indent="-342900">
+              <a:lnSpc>
+                <a:spcPct val="115000"/>
+              </a:lnSpc>
+              <a:spcBef>
+                <a:spcPts val="0"/>
+              </a:spcBef>
+              <a:spcAft>
+                <a:spcPts val="995"/>
+              </a:spcAft>
+              <a:buFont typeface="Symbol"/>
+              <a:buChar char=""/>
+            </a:pPr>
+            <a:r>
+              <a:rPr lang="en-US" sz="1000" dirty="0">
+                <a:solidFill>
+                  <a:srgbClr val="000000"/>
+                </a:solidFill>
+                <a:effectLst/>
+                <a:latin typeface="Arial"/>
+                <a:ea typeface="Times New Roman"/>
+                <a:cs typeface="Times New Roman"/>
+              </a:rPr>
+              <a:t>You do not need to manually manage service lifetime whenever they are injected.</a:t>
+            </a:r>
+            <a:endParaRPr lang="en-US" sz="1000" dirty="0">
+              <a:effectLst/>
+              <a:latin typeface="Arial"/>
+              <a:ea typeface="Times New Roman"/>
+              <a:cs typeface="Times New Roman"/>
+            </a:endParaRPr>
+          </a:p>
+          <a:p>
+            <a:pPr>
+              <a:lnSpc>
+                <a:spcPct val="115000"/>
+              </a:lnSpc>
+              <a:spcAft>
+                <a:spcPts val="1000"/>
+              </a:spcAft>
+            </a:pPr>
+            <a:r>
+              <a:rPr lang="en-US" sz="1000" b="1" dirty="0">
+                <a:latin typeface="Arial"/>
+                <a:ea typeface="Calibri"/>
+                <a:cs typeface="Times New Roman"/>
+              </a:rPr>
+              <a:t>Best Practice</a:t>
+            </a:r>
+          </a:p>
+          <a:p>
+            <a:pPr>
+              <a:lnSpc>
+                <a:spcPct val="115000"/>
+              </a:lnSpc>
+              <a:spcAft>
+                <a:spcPts val="1000"/>
+              </a:spcAft>
+            </a:pPr>
+            <a:r>
+              <a:rPr lang="en-US" sz="1000" dirty="0">
+                <a:latin typeface="Arial"/>
+                <a:ea typeface="Calibri"/>
+                <a:cs typeface="Times New Roman"/>
+              </a:rPr>
+              <a:t>Remember that the order of middleware in the </a:t>
+            </a:r>
+            <a:r>
+              <a:rPr lang="en-US" sz="1000" b="1" dirty="0">
+                <a:latin typeface="Arial"/>
+                <a:ea typeface="Calibri"/>
+                <a:cs typeface="Times New Roman"/>
+              </a:rPr>
+              <a:t>Configure</a:t>
+            </a:r>
+            <a:r>
+              <a:rPr lang="en-US" sz="1000" dirty="0">
+                <a:latin typeface="Arial"/>
+                <a:ea typeface="Calibri"/>
+                <a:cs typeface="Times New Roman"/>
+              </a:rPr>
+              <a:t> method is crucial to the application’s behavior. While building the middleware pipeline it is important that you think of any potential clashing issues that may occur inside the middleware and design it accordingly.</a:t>
+            </a:r>
+          </a:p>
+          <a:p>
+            <a:pPr>
+              <a:lnSpc>
+                <a:spcPct val="115000"/>
+              </a:lnSpc>
+              <a:spcAft>
+                <a:spcPts val="1000"/>
+              </a:spcAft>
+            </a:pPr>
+            <a:r>
+              <a:rPr lang="en-US" sz="1000" b="1" dirty="0">
+                <a:latin typeface="Arial"/>
+                <a:ea typeface="Calibri"/>
+                <a:cs typeface="Times New Roman"/>
+              </a:rPr>
+              <a:t>Common Issues and Troubleshooting Tips</a:t>
+            </a:r>
+            <a:endParaRPr lang="en-US" sz="1000" dirty="0">
               <a:latin typeface="Arial"/>
               <a:ea typeface="Calibri"/>
               <a:cs typeface="Times New Roman"/>
@@ -10584,350 +11232,127 @@
               </a:spcAft>
             </a:pPr>
             <a:r>
-              <a:rPr lang="en-US" sz="1000">
-                <a:latin typeface="Arial"/>
-                <a:ea typeface="Arial Unicode MS"/>
-                <a:cs typeface="Arial"/>
-              </a:rPr>
-              <a:t>What will change when you update the service configuration in the </a:t>
-            </a:r>
-            <a:r>
-              <a:rPr lang="en-US" sz="1000" b="1">
+              <a:rPr lang="en-US" sz="1000" b="1" dirty="0">
                 <a:latin typeface="Arial"/>
                 <a:ea typeface="Calibri"/>
                 <a:cs typeface="Times New Roman"/>
               </a:rPr>
-              <a:t>ConfigureServices</a:t>
-            </a:r>
-            <a:r>
-              <a:rPr lang="en-US" sz="1000">
-                <a:latin typeface="Arial"/>
-                <a:ea typeface="Arial Unicode MS"/>
-                <a:cs typeface="Arial"/>
-              </a:rPr>
-              <a:t> method from </a:t>
-            </a:r>
-            <a:r>
-              <a:rPr lang="en-US" sz="1000" b="1">
+              <a:t>Common Issues</a:t>
+            </a:r>
+          </a:p>
+          <a:p>
+            <a:pPr marL="171450" indent="-171450">
+              <a:lnSpc>
+                <a:spcPct val="115000"/>
+              </a:lnSpc>
+              <a:spcAft>
+                <a:spcPts val="1000"/>
+              </a:spcAft>
+              <a:buSzPct val="150000"/>
+              <a:buFont typeface="Arial" panose="020B0604020202020204" pitchFamily="34" charset="0"/>
+              <a:buChar char="•"/>
+            </a:pPr>
+            <a:r>
+              <a:rPr lang="en-US" sz="1000" dirty="0">
                 <a:latin typeface="Arial"/>
                 <a:ea typeface="Calibri"/>
                 <a:cs typeface="Times New Roman"/>
               </a:rPr>
-              <a:t>AddSingleton</a:t>
-            </a:r>
-            <a:r>
-              <a:rPr lang="en-US" sz="1000">
-                <a:latin typeface="Arial"/>
-                <a:ea typeface="Arial Unicode MS"/>
-                <a:cs typeface="Arial"/>
-              </a:rPr>
-              <a:t> to </a:t>
-            </a:r>
-            <a:r>
-              <a:rPr lang="en-US" sz="1000" b="1">
+              <a:t>While running an application with </a:t>
+            </a:r>
+            <a:r>
+              <a:rPr lang="en-US" sz="1000" b="1" dirty="0" err="1">
                 <a:latin typeface="Arial"/>
                 <a:ea typeface="Calibri"/>
                 <a:cs typeface="Times New Roman"/>
               </a:rPr>
-              <a:t>AddScoped</a:t>
-            </a:r>
-            <a:r>
-              <a:rPr lang="en-US" sz="1000">
-                <a:latin typeface="Arial"/>
-                <a:ea typeface="Arial Unicode MS"/>
-                <a:cs typeface="Arial"/>
-              </a:rPr>
-              <a:t>, or to </a:t>
-            </a:r>
-            <a:r>
-              <a:rPr lang="en-US" sz="1000" b="1">
+              <a:t>UseMvc</a:t>
+            </a:r>
+            <a:r>
+              <a:rPr lang="en-US" sz="1000" dirty="0">
                 <a:latin typeface="Arial"/>
                 <a:ea typeface="Calibri"/>
                 <a:cs typeface="Times New Roman"/>
               </a:rPr>
-              <a:t>AddTransient</a:t>
-            </a:r>
-            <a:r>
-              <a:rPr lang="en-US" sz="1000">
-                <a:latin typeface="Arial"/>
-                <a:ea typeface="Arial Unicode MS"/>
-                <a:cs typeface="Arial"/>
-              </a:rPr>
-              <a:t>?</a:t>
-            </a:r>
-            <a:r>
-              <a:rPr lang="en-US" sz="1000">
+              <a:t> or </a:t>
+            </a:r>
+            <a:r>
+              <a:rPr lang="en-US" sz="1000" b="1" dirty="0" err="1">
                 <a:latin typeface="Arial"/>
                 <a:ea typeface="Calibri"/>
                 <a:cs typeface="Times New Roman"/>
               </a:rPr>
-              <a:t> </a:t>
-            </a:r>
-          </a:p>
-          <a:p>
-            <a:pPr>
+              <a:t>UseMvcWithDefaultRoute</a:t>
+            </a:r>
+            <a:r>
+              <a:rPr lang="en-US" sz="1000" dirty="0">
+                <a:latin typeface="Arial"/>
+                <a:ea typeface="Calibri"/>
+                <a:cs typeface="Times New Roman"/>
+              </a:rPr>
+              <a:t> in the </a:t>
+            </a:r>
+            <a:r>
+              <a:rPr lang="en-US" sz="1000" b="1" dirty="0">
+                <a:latin typeface="Arial"/>
+                <a:ea typeface="Calibri"/>
+                <a:cs typeface="Times New Roman"/>
+              </a:rPr>
+              <a:t>Configure</a:t>
+            </a:r>
+            <a:r>
+              <a:rPr lang="en-US" sz="1000" dirty="0">
+                <a:latin typeface="Arial"/>
+                <a:ea typeface="Calibri"/>
+                <a:cs typeface="Times New Roman"/>
+              </a:rPr>
+              <a:t> method you get an error: </a:t>
+            </a:r>
+            <a:r>
+              <a:rPr lang="en-US" sz="1000" b="1" dirty="0" err="1">
+                <a:latin typeface="Arial"/>
+                <a:ea typeface="Calibri"/>
+                <a:cs typeface="Times New Roman"/>
+              </a:rPr>
+              <a:t>System.InvalidOperationException</a:t>
+            </a:r>
+            <a:r>
+              <a:rPr lang="en-US" sz="1000" b="1" dirty="0">
+                <a:latin typeface="Arial"/>
+                <a:ea typeface="Calibri"/>
+                <a:cs typeface="Times New Roman"/>
+              </a:rPr>
+              <a:t>: 'Unable to find the required services...</a:t>
+            </a:r>
+            <a:r>
+              <a:rPr lang="en-US" sz="1000" dirty="0">
+                <a:latin typeface="Arial"/>
+                <a:ea typeface="Calibri"/>
+                <a:cs typeface="Times New Roman"/>
+              </a:rPr>
+              <a:t>‘</a:t>
+            </a:r>
+          </a:p>
+          <a:p>
+            <a:pPr marL="171450" indent="-171450">
               <a:lnSpc>
                 <a:spcPct val="115000"/>
               </a:lnSpc>
               <a:spcAft>
                 <a:spcPts val="1000"/>
               </a:spcAft>
-            </a:pPr>
-            <a:r>
-              <a:rPr lang="en-US" sz="1000" b="1">
+              <a:buSzPct val="150000"/>
+              <a:buFont typeface="Arial" panose="020B0604020202020204" pitchFamily="34" charset="0"/>
+              <a:buChar char="•"/>
+            </a:pPr>
+            <a:r>
+              <a:rPr lang="en-US" sz="1000" dirty="0">
                 <a:latin typeface="Arial"/>
                 <a:ea typeface="Calibri"/>
                 <a:cs typeface="Times New Roman"/>
               </a:rPr>
-              <a:t>Answer</a:t>
-            </a:r>
-            <a:endParaRPr lang="en-US" sz="1000">
-              <a:latin typeface="Arial"/>
-              <a:ea typeface="Calibri"/>
-              <a:cs typeface="Times New Roman"/>
-            </a:endParaRPr>
-          </a:p>
-          <a:p>
-            <a:pPr>
-              <a:lnSpc>
-                <a:spcPct val="115000"/>
-              </a:lnSpc>
-              <a:spcAft>
-                <a:spcPts val="1000"/>
-              </a:spcAft>
-            </a:pPr>
-            <a:r>
-              <a:rPr lang="en-US" sz="1000">
-                <a:latin typeface="Arial"/>
-                <a:ea typeface="Calibri"/>
-                <a:cs typeface="Times New Roman"/>
-              </a:rPr>
-              <a:t>If a service is configured to run with </a:t>
-            </a:r>
-            <a:r>
-              <a:rPr lang="en-US" sz="1000" b="1">
-                <a:latin typeface="Arial"/>
-                <a:ea typeface="Calibri"/>
-                <a:cs typeface="Times New Roman"/>
-              </a:rPr>
-              <a:t>AddSingleton</a:t>
-            </a:r>
-            <a:r>
-              <a:rPr lang="en-US" sz="1000">
-                <a:latin typeface="Arial"/>
-                <a:ea typeface="Calibri"/>
-                <a:cs typeface="Times New Roman"/>
-              </a:rPr>
-              <a:t>, a single instance will be created during the application’s entire lifetime. If </a:t>
-            </a:r>
-            <a:r>
-              <a:rPr lang="en-US" sz="1000" b="1">
-                <a:latin typeface="Arial"/>
-                <a:ea typeface="Calibri"/>
-                <a:cs typeface="Times New Roman"/>
-              </a:rPr>
-              <a:t>AddScoped</a:t>
-            </a:r>
-            <a:r>
-              <a:rPr lang="en-US" sz="1000">
-                <a:latin typeface="Arial"/>
-                <a:ea typeface="Calibri"/>
-                <a:cs typeface="Times New Roman"/>
-              </a:rPr>
-              <a:t> is used, one copy of the service will be created for each individual request. </a:t>
-            </a:r>
-          </a:p>
-          <a:p>
-            <a:pPr>
-              <a:lnSpc>
-                <a:spcPct val="115000"/>
-              </a:lnSpc>
-              <a:spcAft>
-                <a:spcPts val="1000"/>
-              </a:spcAft>
-            </a:pPr>
-            <a:r>
-              <a:rPr lang="en-US" sz="1000">
-                <a:latin typeface="Arial"/>
-                <a:ea typeface="Calibri"/>
-                <a:cs typeface="Times New Roman"/>
-              </a:rPr>
-              <a:t>If </a:t>
-            </a:r>
-            <a:r>
-              <a:rPr lang="en-US" sz="1000" b="1">
-                <a:latin typeface="Arial"/>
-                <a:ea typeface="Calibri"/>
-                <a:cs typeface="Times New Roman"/>
-              </a:rPr>
-              <a:t>AddTransient</a:t>
-            </a:r>
-            <a:r>
-              <a:rPr lang="en-US" sz="1000">
-                <a:latin typeface="Arial"/>
-                <a:ea typeface="Calibri"/>
-                <a:cs typeface="Times New Roman"/>
-              </a:rPr>
-              <a:t> is used, a separate instance will be created whenever a service is injected.</a:t>
-            </a:r>
-          </a:p>
-          <a:p>
-            <a:pPr>
-              <a:lnSpc>
-                <a:spcPct val="115000"/>
-              </a:lnSpc>
-              <a:spcAft>
-                <a:spcPts val="1000"/>
-              </a:spcAft>
-            </a:pPr>
-            <a:r>
-              <a:rPr lang="en-US" sz="1000" b="1">
-                <a:latin typeface="Arial"/>
-                <a:ea typeface="Calibri"/>
-                <a:cs typeface="Times New Roman"/>
-              </a:rPr>
-              <a:t>Question</a:t>
-            </a:r>
-            <a:endParaRPr lang="en-US" sz="1000">
-              <a:latin typeface="Arial"/>
-              <a:ea typeface="Calibri"/>
-              <a:cs typeface="Times New Roman"/>
-            </a:endParaRPr>
-          </a:p>
-          <a:p>
-            <a:pPr>
-              <a:lnSpc>
-                <a:spcPct val="115000"/>
-              </a:lnSpc>
-              <a:spcAft>
-                <a:spcPts val="1000"/>
-              </a:spcAft>
-            </a:pPr>
-            <a:r>
-              <a:rPr lang="en-US" sz="1000">
-                <a:latin typeface="Arial"/>
-                <a:ea typeface="Arial Unicode MS"/>
-                <a:cs typeface="Arial"/>
-              </a:rPr>
-              <a:t>What happens to the </a:t>
-            </a:r>
-            <a:r>
-              <a:rPr lang="en-US" sz="1000" b="1">
-                <a:latin typeface="Arial"/>
-                <a:ea typeface="Calibri"/>
-                <a:cs typeface="Times New Roman"/>
-              </a:rPr>
-              <a:t>UseStaticFiles</a:t>
-            </a:r>
-            <a:r>
-              <a:rPr lang="en-US" sz="1000">
-                <a:latin typeface="Arial"/>
-                <a:ea typeface="Arial Unicode MS"/>
-                <a:cs typeface="Arial"/>
-              </a:rPr>
-              <a:t> middleware when the browser is directed to a path where no static file is found?</a:t>
-            </a:r>
-            <a:endParaRPr lang="en-US" sz="1000">
-              <a:latin typeface="Arial"/>
-              <a:ea typeface="Calibri"/>
-              <a:cs typeface="Times New Roman"/>
-            </a:endParaRPr>
-          </a:p>
-          <a:p>
-            <a:pPr>
-              <a:lnSpc>
-                <a:spcPct val="115000"/>
-              </a:lnSpc>
-              <a:spcAft>
-                <a:spcPts val="1000"/>
-              </a:spcAft>
-            </a:pPr>
-            <a:r>
-              <a:rPr lang="en-US" sz="1000" b="1">
-                <a:latin typeface="Arial"/>
-                <a:ea typeface="Calibri"/>
-                <a:cs typeface="Times New Roman"/>
-              </a:rPr>
-              <a:t>Answer</a:t>
-            </a:r>
-            <a:endParaRPr lang="en-US" sz="1000">
-              <a:latin typeface="Arial"/>
-              <a:ea typeface="Calibri"/>
-              <a:cs typeface="Times New Roman"/>
-            </a:endParaRPr>
-          </a:p>
-          <a:p>
-            <a:pPr>
-              <a:lnSpc>
-                <a:spcPct val="115000"/>
-              </a:lnSpc>
-              <a:spcAft>
-                <a:spcPts val="1000"/>
-              </a:spcAft>
-            </a:pPr>
-            <a:r>
-              <a:rPr lang="en-US" sz="1000">
-                <a:latin typeface="Arial"/>
-                <a:ea typeface="Calibri"/>
-                <a:cs typeface="Times New Roman"/>
-              </a:rPr>
-              <a:t>The </a:t>
-            </a:r>
-            <a:r>
-              <a:rPr lang="en-US" sz="1000" b="1">
-                <a:latin typeface="Arial"/>
-                <a:ea typeface="Calibri"/>
-                <a:cs typeface="Times New Roman"/>
-              </a:rPr>
-              <a:t>UseStaticFiles</a:t>
-            </a:r>
-            <a:r>
-              <a:rPr lang="en-US" sz="1000">
-                <a:latin typeface="Arial"/>
-                <a:ea typeface="Calibri"/>
-                <a:cs typeface="Times New Roman"/>
-              </a:rPr>
-              <a:t> middleware checks for the existence of the static file in the requested path.</a:t>
-            </a:r>
-          </a:p>
-          <a:p>
-            <a:pPr>
-              <a:lnSpc>
-                <a:spcPct val="115000"/>
-              </a:lnSpc>
-              <a:spcAft>
-                <a:spcPts val="1000"/>
-              </a:spcAft>
-            </a:pPr>
-            <a:r>
-              <a:rPr lang="en-US" sz="1000">
-                <a:latin typeface="Arial"/>
-                <a:ea typeface="Arial Unicode MS"/>
-                <a:cs typeface="Arial"/>
-              </a:rPr>
-              <a:t>If it finds no match, it invokes the </a:t>
-            </a:r>
-            <a:r>
-              <a:rPr lang="en-US" sz="1000" b="1">
-                <a:latin typeface="Arial"/>
-                <a:ea typeface="Calibri"/>
-                <a:cs typeface="Times New Roman"/>
-              </a:rPr>
-              <a:t>next</a:t>
-            </a:r>
-            <a:r>
-              <a:rPr lang="en-US" sz="1000">
-                <a:latin typeface="Arial"/>
-                <a:ea typeface="Arial Unicode MS"/>
-                <a:cs typeface="Arial"/>
-              </a:rPr>
-              <a:t> parameter and continues to the next middleware in the pipeline.</a:t>
-            </a:r>
-            <a:endParaRPr lang="en-US" sz="1000">
-              <a:latin typeface="Arial"/>
-              <a:ea typeface="Calibri"/>
-              <a:cs typeface="Times New Roman"/>
-            </a:endParaRPr>
+              <a:t>You navigate to an action in an MVC controller but get an HTTP 500 error page.</a:t>
+            </a:r>
           </a:p>
         </p:txBody>
       </p:sp>
@@ -11101,7 +11526,7 @@
     </p:spTree>
     <p:extLst>
       <p:ext uri="{BB962C8B-B14F-4D97-AF65-F5344CB8AC3E}">
-        <p14:creationId xmlns:p14="http://schemas.microsoft.com/office/powerpoint/2010/main" val="2025969946"/>
+        <p14:creationId xmlns:p14="http://schemas.microsoft.com/office/powerpoint/2010/main" val="2565657324"/>
       </p:ext>
     </p:extLst>
   </p:cSld>
@@ -11155,16 +11580,9 @@
             <p:ph type="body" idx="1"/>
           </p:nvPr>
         </p:nvSpPr>
-        <p:spPr>
-          <a:xfrm>
-            <a:off x="310896" y="2093976"/>
-            <a:ext cx="6153912" cy="6604000"/>
-          </a:xfrm>
-        </p:spPr>
+        <p:spPr/>
         <p:txBody>
-          <a:bodyPr>
-            <a:noAutofit/>
-          </a:bodyPr>
+          <a:bodyPr/>
           <a:lstStyle/>
           <a:p>
             <a:pPr>
@@ -11181,319 +11599,7 @@
                 <a:ea typeface="Calibri"/>
                 <a:cs typeface="Times New Roman"/>
               </a:rPr>
-              <a:t>Review Question</a:t>
-            </a:r>
-            <a:endParaRPr lang="en-US" sz="1000" dirty="0">
-              <a:latin typeface="Arial"/>
-              <a:ea typeface="Calibri"/>
-              <a:cs typeface="Times New Roman"/>
-            </a:endParaRPr>
-          </a:p>
-          <a:p>
-            <a:pPr>
-              <a:lnSpc>
-                <a:spcPct val="115000"/>
-              </a:lnSpc>
-              <a:spcAft>
-                <a:spcPts val="1000"/>
-              </a:spcAft>
-            </a:pPr>
-            <a:r>
-              <a:rPr lang="en-US" sz="1000" b="1" dirty="0">
-                <a:latin typeface="Arial"/>
-                <a:ea typeface="Calibri"/>
-                <a:cs typeface="Times New Roman"/>
-              </a:rPr>
-              <a:t>Question</a:t>
-            </a:r>
-            <a:endParaRPr lang="en-US" sz="1000" dirty="0">
-              <a:latin typeface="Arial"/>
-              <a:ea typeface="Calibri"/>
-              <a:cs typeface="Times New Roman"/>
-            </a:endParaRPr>
-          </a:p>
-          <a:p>
-            <a:pPr>
-              <a:lnSpc>
-                <a:spcPct val="115000"/>
-              </a:lnSpc>
-              <a:spcAft>
-                <a:spcPts val="1000"/>
-              </a:spcAft>
-            </a:pPr>
-            <a:r>
-              <a:rPr lang="en-US" sz="1000" dirty="0">
-                <a:latin typeface="Arial"/>
-                <a:ea typeface="Calibri"/>
-                <a:cs typeface="Times New Roman"/>
-              </a:rPr>
-              <a:t>What are the advantages of using Dependency Injection over instantiating references?</a:t>
-            </a:r>
-          </a:p>
-          <a:p>
-            <a:pPr>
-              <a:lnSpc>
-                <a:spcPct val="115000"/>
-              </a:lnSpc>
-              <a:spcAft>
-                <a:spcPts val="1000"/>
-              </a:spcAft>
-            </a:pPr>
-            <a:r>
-              <a:rPr lang="en-US" sz="1000" b="1" dirty="0">
-                <a:latin typeface="Arial"/>
-                <a:ea typeface="Calibri"/>
-                <a:cs typeface="Times New Roman"/>
-              </a:rPr>
-              <a:t>Answer</a:t>
-            </a:r>
-            <a:endParaRPr lang="en-US" sz="1000" dirty="0">
-              <a:latin typeface="Arial"/>
-              <a:ea typeface="Calibri"/>
-              <a:cs typeface="Times New Roman"/>
-            </a:endParaRPr>
-          </a:p>
-          <a:p>
-            <a:pPr>
-              <a:lnSpc>
-                <a:spcPct val="115000"/>
-              </a:lnSpc>
-              <a:spcAft>
-                <a:spcPts val="1000"/>
-              </a:spcAft>
-            </a:pPr>
-            <a:r>
-              <a:rPr lang="en-US" sz="1000" dirty="0">
-                <a:latin typeface="Arial"/>
-                <a:ea typeface="Calibri"/>
-                <a:cs typeface="Times New Roman"/>
-              </a:rPr>
-              <a:t>By using Dependency Injection, you can separate service logic from their dependencies, this can help with the following:</a:t>
-            </a:r>
-          </a:p>
-          <a:p>
-            <a:pPr marL="342900" marR="0" lvl="0" indent="-342900">
-              <a:lnSpc>
-                <a:spcPct val="115000"/>
-              </a:lnSpc>
-              <a:spcBef>
-                <a:spcPts val="0"/>
-              </a:spcBef>
-              <a:spcAft>
-                <a:spcPts val="995"/>
-              </a:spcAft>
-              <a:buFont typeface="Symbol"/>
-              <a:buChar char=""/>
-            </a:pPr>
-            <a:r>
-              <a:rPr lang="en-US" sz="1000" dirty="0">
-                <a:solidFill>
-                  <a:srgbClr val="000000"/>
-                </a:solidFill>
-                <a:effectLst/>
-                <a:latin typeface="Arial"/>
-                <a:ea typeface="Times New Roman"/>
-                <a:cs typeface="Times New Roman"/>
-              </a:rPr>
-              <a:t>Adding new dependencies does not affect currently existing code.</a:t>
-            </a:r>
-            <a:endParaRPr lang="en-US" sz="1000" dirty="0">
-              <a:effectLst/>
-              <a:latin typeface="Arial"/>
-              <a:ea typeface="Times New Roman"/>
-              <a:cs typeface="Times New Roman"/>
-            </a:endParaRPr>
-          </a:p>
-          <a:p>
-            <a:pPr marL="342900" marR="0" lvl="0" indent="-342900">
-              <a:lnSpc>
-                <a:spcPct val="115000"/>
-              </a:lnSpc>
-              <a:spcBef>
-                <a:spcPts val="0"/>
-              </a:spcBef>
-              <a:spcAft>
-                <a:spcPts val="995"/>
-              </a:spcAft>
-              <a:buFont typeface="Symbol"/>
-              <a:buChar char=""/>
-            </a:pPr>
-            <a:r>
-              <a:rPr lang="en-US" sz="1000" dirty="0">
-                <a:solidFill>
-                  <a:srgbClr val="000000"/>
-                </a:solidFill>
-                <a:effectLst/>
-                <a:latin typeface="Arial"/>
-                <a:ea typeface="Times New Roman"/>
-                <a:cs typeface="Times New Roman"/>
-              </a:rPr>
-              <a:t>Changing internal logic has no effect on external code.</a:t>
-            </a:r>
-            <a:endParaRPr lang="en-US" sz="1000" dirty="0">
-              <a:effectLst/>
-              <a:latin typeface="Arial"/>
-              <a:ea typeface="Times New Roman"/>
-              <a:cs typeface="Times New Roman"/>
-            </a:endParaRPr>
-          </a:p>
-          <a:p>
-            <a:pPr marL="342900" marR="0" lvl="0" indent="-342900">
-              <a:lnSpc>
-                <a:spcPct val="115000"/>
-              </a:lnSpc>
-              <a:spcBef>
-                <a:spcPts val="0"/>
-              </a:spcBef>
-              <a:spcAft>
-                <a:spcPts val="995"/>
-              </a:spcAft>
-              <a:buFont typeface="Symbol"/>
-              <a:buChar char=""/>
-            </a:pPr>
-            <a:r>
-              <a:rPr lang="en-US" sz="1000" dirty="0">
-                <a:solidFill>
-                  <a:srgbClr val="000000"/>
-                </a:solidFill>
-                <a:effectLst/>
-                <a:latin typeface="Arial"/>
-                <a:ea typeface="Times New Roman"/>
-                <a:cs typeface="Times New Roman"/>
-              </a:rPr>
-              <a:t>By committing to interfaces, the code becomes simpler to mock up during tests, as you can test each service and each component independently.</a:t>
-            </a:r>
-            <a:endParaRPr lang="en-US" sz="1000" dirty="0">
-              <a:effectLst/>
-              <a:latin typeface="Arial"/>
-              <a:ea typeface="Times New Roman"/>
-              <a:cs typeface="Times New Roman"/>
-            </a:endParaRPr>
-          </a:p>
-          <a:p>
-            <a:pPr marL="342900" marR="0" lvl="0" indent="-342900">
-              <a:lnSpc>
-                <a:spcPct val="115000"/>
-              </a:lnSpc>
-              <a:spcBef>
-                <a:spcPts val="0"/>
-              </a:spcBef>
-              <a:spcAft>
-                <a:spcPts val="995"/>
-              </a:spcAft>
-              <a:buFont typeface="Symbol"/>
-              <a:buChar char=""/>
-            </a:pPr>
-            <a:r>
-              <a:rPr lang="en-US" sz="1000" dirty="0">
-                <a:solidFill>
-                  <a:srgbClr val="000000"/>
-                </a:solidFill>
-                <a:effectLst/>
-                <a:latin typeface="Arial"/>
-                <a:ea typeface="Times New Roman"/>
-                <a:cs typeface="Times New Roman"/>
-              </a:rPr>
-              <a:t>You do not need to manually manage service lifetime whenever they are injected.</a:t>
-            </a:r>
-            <a:endParaRPr lang="en-US" sz="1000" dirty="0">
-              <a:effectLst/>
-              <a:latin typeface="Arial"/>
-              <a:ea typeface="Times New Roman"/>
-              <a:cs typeface="Times New Roman"/>
-            </a:endParaRPr>
-          </a:p>
-          <a:p>
-            <a:pPr>
-              <a:lnSpc>
-                <a:spcPct val="115000"/>
-              </a:lnSpc>
-              <a:spcAft>
-                <a:spcPts val="1000"/>
-              </a:spcAft>
-            </a:pPr>
-            <a:r>
-              <a:rPr lang="en-US" sz="1000" b="1" dirty="0">
-                <a:latin typeface="Arial"/>
-                <a:ea typeface="Calibri"/>
-                <a:cs typeface="Times New Roman"/>
-              </a:rPr>
-              <a:t>Best Practice</a:t>
-            </a:r>
-          </a:p>
-          <a:p>
-            <a:pPr>
-              <a:lnSpc>
-                <a:spcPct val="115000"/>
-              </a:lnSpc>
-              <a:spcAft>
-                <a:spcPts val="1000"/>
-              </a:spcAft>
-            </a:pPr>
-            <a:r>
-              <a:rPr lang="en-US" sz="1000" dirty="0">
-                <a:latin typeface="Arial"/>
-                <a:ea typeface="Calibri"/>
-                <a:cs typeface="Times New Roman"/>
-              </a:rPr>
-              <a:t>Remember that the order of middleware in the </a:t>
-            </a:r>
-            <a:r>
-              <a:rPr lang="en-US" sz="1000" b="1" dirty="0">
-                <a:latin typeface="Arial"/>
-                <a:ea typeface="Calibri"/>
-                <a:cs typeface="Times New Roman"/>
-              </a:rPr>
-              <a:t>Configure</a:t>
-            </a:r>
-            <a:r>
-              <a:rPr lang="en-US" sz="1000" dirty="0">
-                <a:latin typeface="Arial"/>
-                <a:ea typeface="Calibri"/>
-                <a:cs typeface="Times New Roman"/>
-              </a:rPr>
-              <a:t> method is crucial to the application’s behavior. While building the middleware pipeline it is important that you think of any potential clashing issues that may occur inside the middleware and design it accordingly.</a:t>
-            </a:r>
-          </a:p>
-          <a:p>
-            <a:pPr>
-              <a:lnSpc>
-                <a:spcPct val="115000"/>
-              </a:lnSpc>
-              <a:spcAft>
-                <a:spcPts val="1000"/>
-              </a:spcAft>
-            </a:pPr>
-            <a:r>
-              <a:rPr lang="en-US" sz="1000" b="1" dirty="0">
-                <a:latin typeface="Arial"/>
-                <a:ea typeface="Calibri"/>
-                <a:cs typeface="Times New Roman"/>
-              </a:rPr>
-              <a:t>Common Issues and Troubleshooting Tips</a:t>
-            </a:r>
-            <a:endParaRPr lang="en-US" sz="1000" dirty="0">
-              <a:latin typeface="Arial"/>
-              <a:ea typeface="Calibri"/>
-              <a:cs typeface="Times New Roman"/>
-            </a:endParaRPr>
-          </a:p>
-          <a:p>
-            <a:pPr>
-              <a:lnSpc>
-                <a:spcPct val="115000"/>
-              </a:lnSpc>
-              <a:spcAft>
-                <a:spcPts val="1000"/>
-              </a:spcAft>
-            </a:pPr>
-            <a:r>
-              <a:rPr lang="en-US" sz="1000" b="1" dirty="0">
-                <a:latin typeface="Arial"/>
-                <a:ea typeface="Calibri"/>
-                <a:cs typeface="Times New Roman"/>
-              </a:rPr>
-              <a:t>Common Issues</a:t>
+              <a:t>Troubleshooting Tips</a:t>
             </a:r>
           </a:p>
           <a:p>
@@ -11514,15 +11620,15 @@
                 <a:ea typeface="Calibri"/>
                 <a:cs typeface="Times New Roman"/>
               </a:rPr>
-              <a:t>While running an application with </a:t>
-            </a:r>
-            <a:r>
-              <a:rPr lang="en-US" sz="1000" b="1" dirty="0" err="1">
+              <a:t>Verify that there is a call to </a:t>
+            </a:r>
+            <a:r>
+              <a:rPr lang="en-US" sz="1000" dirty="0" err="1">
                 <a:latin typeface="Arial"/>
                 <a:ea typeface="Calibri"/>
                 <a:cs typeface="Times New Roman"/>
               </a:rPr>
-              <a:t>UseMvc</a:t>
+              <a:t>AddMvc</a:t>
             </a:r>
             <a:r>
               <a:rPr lang="en-US" sz="1000" dirty="0">
@@ -11530,15 +11636,15 @@
                 <a:ea typeface="Calibri"/>
                 <a:cs typeface="Times New Roman"/>
               </a:rPr>
-              <a:t> or </a:t>
-            </a:r>
-            <a:r>
-              <a:rPr lang="en-US" sz="1000" b="1" dirty="0" err="1">
+              <a:t> in the </a:t>
+            </a:r>
+            <a:r>
+              <a:rPr lang="en-US" sz="1000" dirty="0" err="1">
                 <a:latin typeface="Arial"/>
                 <a:ea typeface="Calibri"/>
                 <a:cs typeface="Times New Roman"/>
               </a:rPr>
-              <a:t>UseMvcWithDefaultRoute</a:t>
+              <a:t>ConfigureServices</a:t>
             </a:r>
             <a:r>
               <a:rPr lang="en-US" sz="1000" dirty="0">
@@ -11546,47 +11652,7 @@
                 <a:ea typeface="Calibri"/>
                 <a:cs typeface="Times New Roman"/>
               </a:rPr>
-              <a:t> in the </a:t>
-            </a:r>
-            <a:r>
-              <a:rPr lang="en-US" sz="1000" b="1" dirty="0">
-                <a:latin typeface="Arial"/>
-                <a:ea typeface="Calibri"/>
-                <a:cs typeface="Times New Roman"/>
-              </a:rPr>
-              <a:t>Configure</a:t>
-            </a:r>
-            <a:r>
-              <a:rPr lang="en-US" sz="1000" dirty="0">
-                <a:latin typeface="Arial"/>
-                <a:ea typeface="Calibri"/>
-                <a:cs typeface="Times New Roman"/>
-              </a:rPr>
-              <a:t> method you get an error: </a:t>
-            </a:r>
-            <a:r>
-              <a:rPr lang="en-US" sz="1000" b="1" dirty="0" err="1">
-                <a:latin typeface="Arial"/>
-                <a:ea typeface="Calibri"/>
-                <a:cs typeface="Times New Roman"/>
-              </a:rPr>
-              <a:t>System.InvalidOperationException</a:t>
-            </a:r>
-            <a:r>
-              <a:rPr lang="en-US" sz="1000" b="1" dirty="0">
-                <a:latin typeface="Arial"/>
-                <a:ea typeface="Calibri"/>
-                <a:cs typeface="Times New Roman"/>
-              </a:rPr>
-              <a:t>: 'Unable to find the required services...</a:t>
-            </a:r>
-            <a:r>
-              <a:rPr lang="en-US" sz="1000" dirty="0">
-                <a:latin typeface="Arial"/>
-                <a:ea typeface="Calibri"/>
-                <a:cs typeface="Times New Roman"/>
-              </a:rPr>
-              <a:t>‘</a:t>
+              <a:t> method.</a:t>
             </a:r>
           </a:p>
           <a:p>
@@ -11607,8 +11673,56 @@
                 <a:ea typeface="Calibri"/>
                 <a:cs typeface="Times New Roman"/>
               </a:rPr>
-              <a:t>You navigate to an action in an MVC controller but get an HTTP 500 error page.</a:t>
-            </a:r>
+              <a:t>Ensure that all services are correctly registered in the </a:t>
+            </a:r>
+            <a:r>
+              <a:rPr lang="en-US" sz="1000" dirty="0" err="1">
+                <a:latin typeface="Arial"/>
+                <a:ea typeface="Calibri"/>
+                <a:cs typeface="Times New Roman"/>
+              </a:rPr>
+              <a:t>ConfigureServices</a:t>
+            </a:r>
+            <a:r>
+              <a:rPr lang="en-US" sz="1000" dirty="0">
+                <a:latin typeface="Arial"/>
+                <a:ea typeface="Calibri"/>
+                <a:cs typeface="Times New Roman"/>
+              </a:rPr>
+              <a:t> method.</a:t>
+            </a:r>
+          </a:p>
+          <a:p>
+            <a:pPr>
+              <a:lnSpc>
+                <a:spcPct val="115000"/>
+              </a:lnSpc>
+              <a:spcAft>
+                <a:spcPts val="1000"/>
+              </a:spcAft>
+              <a:buSzPct val="150000"/>
+            </a:pPr>
+            <a:r>
+              <a:rPr lang="en-IN" sz="1000" b="1" dirty="0">
+                <a:latin typeface="Arial"/>
+                <a:ea typeface="Calibri"/>
+                <a:cs typeface="Times New Roman"/>
+              </a:rPr>
+              <a:t>Note: </a:t>
+            </a:r>
+            <a:r>
+              <a:rPr lang="en-IN" sz="1000" dirty="0">
+                <a:latin typeface="Arial"/>
+                <a:ea typeface="Calibri"/>
+                <a:cs typeface="Times New Roman"/>
+              </a:rPr>
+              <a:t>Ensure that you cover the common issues and the corresponding troubleshooting tips listed in this section. Encourage students to share tips from their own work environments.</a:t>
+            </a:r>
+            <a:endParaRPr lang="en-US" sz="1000" dirty="0">
+              <a:latin typeface="Arial"/>
+              <a:ea typeface="Calibri"/>
+              <a:cs typeface="Times New Roman"/>
+            </a:endParaRPr>
           </a:p>
         </p:txBody>
       </p:sp>
@@ -11630,376 +11744,6 @@
             <a:fld id="{4388BF0C-9CCE-41F6-BB56-4E36DAF7C3BA}" type="slidenum">
               <a:rPr lang="en-US" smtClean="0"/>
               <a:t>26</a:t>
-            </a:fld>
-            <a:endParaRPr lang="en-US"/>
-          </a:p>
-        </p:txBody>
-      </p:sp>
-      <p:sp>
-        <p:nvSpPr>
-          <p:cNvPr id="5" name="Rectangle 4"/>
-          <p:cNvSpPr/>
-          <p:nvPr/>
-        </p:nvSpPr>
-        <p:spPr>
-          <a:xfrm>
-            <a:off x="0" y="0"/>
-            <a:ext cx="3038475" cy="222250"/>
-          </a:xfrm>
-          <a:prstGeom prst="rect">
-            <a:avLst/>
-          </a:prstGeom>
-          <a:noFill/>
-          <a:ln w="25400" cap="flat" cmpd="sng" algn="ctr">
-            <a:noFill/>
-            <a:prstDash val="solid"/>
-          </a:ln>
-          <a:effectLst/>
-          <a:extLst>
-            <a:ext uri="{909E8E84-426E-40DD-AFC4-6F175D3DCCD1}">
-              <a14:hiddenFill xmlns:a14="http://schemas.microsoft.com/office/drawing/2010/main">
-                <a:solidFill>
-                  <a:schemeClr val="accent1"/>
-                </a:solidFill>
-              </a14:hiddenFill>
-            </a:ext>
-            <a:ext uri="{91240B29-F687-4F45-9708-019B960494DF}">
-              <a14:hiddenLine xmlns:a14="http://schemas.microsoft.com/office/drawing/2010/main" w="25400" cap="flat" cmpd="sng" algn="ctr">
-                <a:solidFill>
-                  <a:schemeClr val="accent1">
-                    <a:shade val="50000"/>
-                  </a:schemeClr>
-                </a:solidFill>
-                <a:prstDash val="solid"/>
-              </a14:hiddenLine>
-            </a:ext>
-          </a:extLst>
-        </p:spPr>
-        <p:style>
-          <a:lnRef idx="2">
-            <a:schemeClr val="accent1">
-              <a:shade val="50000"/>
-            </a:schemeClr>
-          </a:lnRef>
-          <a:fillRef idx="1">
-            <a:schemeClr val="accent1"/>
-          </a:fillRef>
-          <a:effectRef idx="0">
-            <a:schemeClr val="accent1"/>
-          </a:effectRef>
-          <a:fontRef idx="minor">
-            <a:schemeClr val="lt1"/>
-          </a:fontRef>
-        </p:style>
-        <p:txBody>
-          <a:bodyPr rtlCol="0" anchor="ctr"/>
-          <a:lstStyle/>
-          <a:p>
-            <a:r>
-              <a:rPr lang="en-US" sz="1200" b="1">
-                <a:solidFill>
-                  <a:srgbClr val="000000"/>
-                </a:solidFill>
-                <a:latin typeface="Arial"/>
-              </a:rPr>
-              <a:t>20486D</a:t>
-            </a:r>
-          </a:p>
-        </p:txBody>
-      </p:sp>
-      <p:sp>
-        <p:nvSpPr>
-          <p:cNvPr id="6" name="Rectangle 5"/>
-          <p:cNvSpPr/>
-          <p:nvPr/>
-        </p:nvSpPr>
-        <p:spPr>
-          <a:xfrm>
-            <a:off x="0" y="238125"/>
-            <a:ext cx="3038475" cy="347663"/>
-          </a:xfrm>
-          <a:prstGeom prst="rect">
-            <a:avLst/>
-          </a:prstGeom>
-          <a:noFill/>
-          <a:ln w="25400" cap="flat" cmpd="sng" algn="ctr">
-            <a:noFill/>
-            <a:prstDash val="solid"/>
-          </a:ln>
-          <a:effectLst/>
-          <a:extLst>
-            <a:ext uri="{909E8E84-426E-40DD-AFC4-6F175D3DCCD1}">
-              <a14:hiddenFill xmlns:a14="http://schemas.microsoft.com/office/drawing/2010/main">
-                <a:solidFill>
-                  <a:schemeClr val="accent1"/>
-                </a:solidFill>
-              </a14:hiddenFill>
-            </a:ext>
-            <a:ext uri="{91240B29-F687-4F45-9708-019B960494DF}">
-              <a14:hiddenLine xmlns:a14="http://schemas.microsoft.com/office/drawing/2010/main" w="25400" cap="flat" cmpd="sng" algn="ctr">
-                <a:solidFill>
-                  <a:schemeClr val="accent1">
-                    <a:shade val="50000"/>
-                  </a:schemeClr>
-                </a:solidFill>
-                <a:prstDash val="solid"/>
-              </a14:hiddenLine>
-            </a:ext>
-          </a:extLst>
-        </p:spPr>
-        <p:style>
-          <a:lnRef idx="2">
-            <a:schemeClr val="accent1">
-              <a:shade val="50000"/>
-            </a:schemeClr>
-          </a:lnRef>
-          <a:fillRef idx="1">
-            <a:schemeClr val="accent1"/>
-          </a:fillRef>
-          <a:effectRef idx="0">
-            <a:schemeClr val="accent1"/>
-          </a:effectRef>
-          <a:fontRef idx="minor">
-            <a:schemeClr val="lt1"/>
-          </a:fontRef>
-        </p:style>
-        <p:txBody>
-          <a:bodyPr rtlCol="0" anchor="ctr"/>
-          <a:lstStyle/>
-          <a:p>
-            <a:r>
-              <a:rPr lang="en-US" sz="1200" b="1">
-                <a:solidFill>
-                  <a:srgbClr val="336699"/>
-                </a:solidFill>
-                <a:latin typeface="Arial"/>
-              </a:rPr>
-              <a:t>03: Configure Middleware and Services in ASP.NET Core</a:t>
-            </a:r>
-          </a:p>
-        </p:txBody>
-      </p:sp>
-    </p:spTree>
-    <p:extLst>
-      <p:ext uri="{BB962C8B-B14F-4D97-AF65-F5344CB8AC3E}">
-        <p14:creationId xmlns:p14="http://schemas.microsoft.com/office/powerpoint/2010/main" val="2565657324"/>
-      </p:ext>
-    </p:extLst>
-  </p:cSld>
-  <p:clrMapOvr>
-    <a:masterClrMapping/>
-  </p:clrMapOvr>
-</p:notes>
-</file>
-
-<file path=ppt/notesSlides/notesSlide27.xml><?xml version="1.0" encoding="utf-8"?>
-<p:notes xmlns:a="http://schemas.openxmlformats.org/drawingml/2006/main" xmlns:r="http://schemas.openxmlformats.org/officeDocument/2006/relationships" xmlns:p="http://schemas.openxmlformats.org/presentationml/2006/main">
-  <p:cSld>
-    <p:spTree>
-      <p:nvGrpSpPr>
-        <p:cNvPr id="1" name=""/>
-        <p:cNvGrpSpPr/>
-        <p:nvPr/>
-      </p:nvGrpSpPr>
-      <p:grpSpPr>
-        <a:xfrm>
-          <a:off x="0" y="0"/>
-          <a:ext cx="0" cy="0"/>
-          <a:chOff x="0" y="0"/>
-          <a:chExt cx="0" cy="0"/>
-        </a:xfrm>
-      </p:grpSpPr>
-      <p:sp>
-        <p:nvSpPr>
-          <p:cNvPr id="2" name="Slide Image Placeholder 1"/>
-          <p:cNvSpPr>
-            <a:spLocks noGrp="1" noRot="1" noChangeAspect="1"/>
-          </p:cNvSpPr>
-          <p:nvPr>
-            <p:ph type="sldImg"/>
-          </p:nvPr>
-        </p:nvSpPr>
-        <p:spPr>
-          <a:xfrm>
-            <a:off x="3914775" y="73025"/>
-            <a:ext cx="3289300" cy="1851025"/>
-          </a:xfrm>
-        </p:spPr>
-      </p:sp>
-      <p:sp>
-        <p:nvSpPr>
-          <p:cNvPr id="3" name="Notes Placeholder 2"/>
-          <p:cNvSpPr>
-            <a:spLocks noGrp="1"/>
-          </p:cNvSpPr>
-          <p:nvPr>
-            <p:ph type="body" idx="1"/>
-          </p:nvPr>
-        </p:nvSpPr>
-        <p:spPr/>
-        <p:txBody>
-          <a:bodyPr/>
-          <a:lstStyle/>
-          <a:p>
-            <a:pPr>
-              <a:lnSpc>
-                <a:spcPct val="115000"/>
-              </a:lnSpc>
-              <a:spcAft>
-                <a:spcPts val="1000"/>
-              </a:spcAft>
-            </a:pPr>
-            <a:r>
-              <a:rPr lang="en-US" sz="1000" b="1" dirty="0">
-                <a:latin typeface="Arial"/>
-                <a:ea typeface="Calibri"/>
-                <a:cs typeface="Times New Roman"/>
-              </a:rPr>
-              <a:t>Troubleshooting Tips</a:t>
-            </a:r>
-          </a:p>
-          <a:p>
-            <a:pPr marL="171450" indent="-171450">
-              <a:lnSpc>
-                <a:spcPct val="115000"/>
-              </a:lnSpc>
-              <a:spcAft>
-                <a:spcPts val="1000"/>
-              </a:spcAft>
-              <a:buSzPct val="150000"/>
-              <a:buFont typeface="Arial" panose="020B0604020202020204" pitchFamily="34" charset="0"/>
-              <a:buChar char="•"/>
-            </a:pPr>
-            <a:r>
-              <a:rPr lang="en-US" sz="1000" dirty="0">
-                <a:latin typeface="Arial"/>
-                <a:ea typeface="Calibri"/>
-                <a:cs typeface="Times New Roman"/>
-              </a:rPr>
-              <a:t>Verify that there is a call to </a:t>
-            </a:r>
-            <a:r>
-              <a:rPr lang="en-US" sz="1000" dirty="0" err="1">
-                <a:latin typeface="Arial"/>
-                <a:ea typeface="Calibri"/>
-                <a:cs typeface="Times New Roman"/>
-              </a:rPr>
-              <a:t>AddMvc</a:t>
-            </a:r>
-            <a:r>
-              <a:rPr lang="en-US" sz="1000" dirty="0">
-                <a:latin typeface="Arial"/>
-                <a:ea typeface="Calibri"/>
-                <a:cs typeface="Times New Roman"/>
-              </a:rPr>
-              <a:t> in the </a:t>
-            </a:r>
-            <a:r>
-              <a:rPr lang="en-US" sz="1000" dirty="0" err="1">
-                <a:latin typeface="Arial"/>
-                <a:ea typeface="Calibri"/>
-                <a:cs typeface="Times New Roman"/>
-              </a:rPr>
-              <a:t>ConfigureServices</a:t>
-            </a:r>
-            <a:r>
-              <a:rPr lang="en-US" sz="1000" dirty="0">
-                <a:latin typeface="Arial"/>
-                <a:ea typeface="Calibri"/>
-                <a:cs typeface="Times New Roman"/>
-              </a:rPr>
-              <a:t> method.</a:t>
-            </a:r>
-          </a:p>
-          <a:p>
-            <a:pPr marL="171450" indent="-171450">
-              <a:lnSpc>
-                <a:spcPct val="115000"/>
-              </a:lnSpc>
-              <a:spcAft>
-                <a:spcPts val="1000"/>
-              </a:spcAft>
-              <a:buSzPct val="150000"/>
-              <a:buFont typeface="Arial" panose="020B0604020202020204" pitchFamily="34" charset="0"/>
-              <a:buChar char="•"/>
-            </a:pPr>
-            <a:r>
-              <a:rPr lang="en-US" sz="1000" dirty="0">
-                <a:latin typeface="Arial"/>
-                <a:ea typeface="Calibri"/>
-                <a:cs typeface="Times New Roman"/>
-              </a:rPr>
-              <a:t>Ensure that all services are correctly registered in the </a:t>
-            </a:r>
-            <a:r>
-              <a:rPr lang="en-US" sz="1000" dirty="0" err="1">
-                <a:latin typeface="Arial"/>
-                <a:ea typeface="Calibri"/>
-                <a:cs typeface="Times New Roman"/>
-              </a:rPr>
-              <a:t>ConfigureServices</a:t>
-            </a:r>
-            <a:r>
-              <a:rPr lang="en-US" sz="1000" dirty="0">
-                <a:latin typeface="Arial"/>
-                <a:ea typeface="Calibri"/>
-                <a:cs typeface="Times New Roman"/>
-              </a:rPr>
-              <a:t> method.</a:t>
-            </a:r>
-          </a:p>
-          <a:p>
-            <a:pPr>
-              <a:lnSpc>
-                <a:spcPct val="115000"/>
-              </a:lnSpc>
-              <a:spcAft>
-                <a:spcPts val="1000"/>
-              </a:spcAft>
-              <a:buSzPct val="150000"/>
-            </a:pPr>
-            <a:r>
-              <a:rPr lang="en-IN" sz="1000" b="1" dirty="0">
-                <a:latin typeface="Arial"/>
-                <a:ea typeface="Calibri"/>
-                <a:cs typeface="Times New Roman"/>
-              </a:rPr>
-              <a:t>Note: </a:t>
-            </a:r>
-            <a:r>
-              <a:rPr lang="en-IN" sz="1000" dirty="0">
-                <a:latin typeface="Arial"/>
-                <a:ea typeface="Calibri"/>
-                <a:cs typeface="Times New Roman"/>
-              </a:rPr>
-              <a:t>Ensure that you cover the common issues and the corresponding troubleshooting tips listed in this section. Encourage students to share tips from their own work environments.</a:t>
-            </a:r>
-            <a:endParaRPr lang="en-US" sz="1000" dirty="0">
-              <a:latin typeface="Arial"/>
-              <a:ea typeface="Calibri"/>
-              <a:cs typeface="Times New Roman"/>
-            </a:endParaRPr>
-          </a:p>
-        </p:txBody>
-      </p:sp>
-      <p:sp>
-        <p:nvSpPr>
-          <p:cNvPr id="4" name="Slide Number Placeholder 3"/>
-          <p:cNvSpPr>
-            <a:spLocks noGrp="1"/>
-          </p:cNvSpPr>
-          <p:nvPr>
-            <p:ph type="sldNum" sz="quarter" idx="10"/>
-          </p:nvPr>
-        </p:nvSpPr>
-        <p:spPr/>
-        <p:txBody>
-          <a:bodyPr/>
-          <a:lstStyle/>
-          <a:p>
-            <a:fld id="{4388BF0C-9CCE-41F6-BB56-4E36DAF7C3BA}" type="slidenum">
-              <a:rPr lang="en-US" smtClean="0"/>
-              <a:t>27</a:t>
             </a:fld>
             <a:endParaRPr lang="en-US"/>
           </a:p>
@@ -26759,7 +26503,7 @@
           <a:p>
             <a:fld id="{FC69B7DB-8367-4EA5-BD31-DC3A1C807884}" type="datetimeFigureOut">
               <a:rPr lang="en-US" smtClean="0"/>
-              <a:t>11/14/2021</a:t>
+              <a:t>1/18/2022</a:t>
             </a:fld>
             <a:endParaRPr lang="en-US" dirty="0"/>
           </a:p>
@@ -27136,7 +26880,7 @@
           <a:p>
             <a:fld id="{FC69B7DB-8367-4EA5-BD31-DC3A1C807884}" type="datetimeFigureOut">
               <a:rPr lang="en-US" smtClean="0"/>
-              <a:t>11/14/2021</a:t>
+              <a:t>1/18/2022</a:t>
             </a:fld>
             <a:endParaRPr lang="en-US" dirty="0"/>
           </a:p>
@@ -27572,7 +27316,7 @@
           <a:p>
             <a:fld id="{FC69B7DB-8367-4EA5-BD31-DC3A1C807884}" type="datetimeFigureOut">
               <a:rPr lang="en-US" smtClean="0"/>
-              <a:t>11/14/2021</a:t>
+              <a:t>1/18/2022</a:t>
             </a:fld>
             <a:endParaRPr lang="en-US" dirty="0"/>
           </a:p>
@@ -28142,7 +27886,7 @@
           <a:p>
             <a:fld id="{FC69B7DB-8367-4EA5-BD31-DC3A1C807884}" type="datetimeFigureOut">
               <a:rPr lang="en-US" smtClean="0"/>
-              <a:t>11/14/2021</a:t>
+              <a:t>1/18/2022</a:t>
             </a:fld>
             <a:endParaRPr lang="en-US" dirty="0"/>
           </a:p>
@@ -28408,7 +28152,7 @@
           <a:p>
             <a:fld id="{FC69B7DB-8367-4EA5-BD31-DC3A1C807884}" type="datetimeFigureOut">
               <a:rPr lang="en-US" smtClean="0"/>
-              <a:t>11/14/2021</a:t>
+              <a:t>1/18/2022</a:t>
             </a:fld>
             <a:endParaRPr lang="en-US" dirty="0"/>
           </a:p>
@@ -28873,7 +28617,7 @@
           <a:p>
             <a:fld id="{FC69B7DB-8367-4EA5-BD31-DC3A1C807884}" type="datetimeFigureOut">
               <a:rPr lang="en-US" smtClean="0"/>
-              <a:t>11/14/2021</a:t>
+              <a:t>1/18/2022</a:t>
             </a:fld>
             <a:endParaRPr lang="en-US" dirty="0"/>
           </a:p>
@@ -29321,7 +29065,7 @@
           <a:p>
             <a:fld id="{FC69B7DB-8367-4EA5-BD31-DC3A1C807884}" type="datetimeFigureOut">
               <a:rPr lang="en-US" smtClean="0"/>
-              <a:t>11/14/2021</a:t>
+              <a:t>1/18/2022</a:t>
             </a:fld>
             <a:endParaRPr lang="en-US" dirty="0"/>
           </a:p>
@@ -29765,7 +29509,7 @@
           <a:p>
             <a:fld id="{FC69B7DB-8367-4EA5-BD31-DC3A1C807884}" type="datetimeFigureOut">
               <a:rPr lang="en-US" smtClean="0"/>
-              <a:t>11/14/2021</a:t>
+              <a:t>1/18/2022</a:t>
             </a:fld>
             <a:endParaRPr lang="en-US" dirty="0"/>
           </a:p>
@@ -29959,7 +29703,7 @@
           <a:p>
             <a:fld id="{FC69B7DB-8367-4EA5-BD31-DC3A1C807884}" type="datetimeFigureOut">
               <a:rPr lang="en-US" smtClean="0"/>
-              <a:t>11/14/2021</a:t>
+              <a:t>1/18/2022</a:t>
             </a:fld>
             <a:endParaRPr lang="en-US" dirty="0"/>
           </a:p>
@@ -50056,351 +49800,6 @@
 
 <file path=ppt/slides/slide12.xml><?xml version="1.0" encoding="utf-8"?>
 <p:sld xmlns:a="http://schemas.openxmlformats.org/drawingml/2006/main" xmlns:r="http://schemas.openxmlformats.org/officeDocument/2006/relationships" xmlns:p="http://schemas.openxmlformats.org/presentationml/2006/main">
-  <p:cSld name="773762c9-30f3-471b-81c3-dd9cbbf18568">
-    <p:spTree>
-      <p:nvGrpSpPr>
-        <p:cNvPr id="1" name=""/>
-        <p:cNvGrpSpPr/>
-        <p:nvPr/>
-      </p:nvGrpSpPr>
-      <p:grpSpPr>
-        <a:xfrm>
-          <a:off x="0" y="0"/>
-          <a:ext cx="0" cy="0"/>
-          <a:chOff x="0" y="0"/>
-          <a:chExt cx="0" cy="0"/>
-        </a:xfrm>
-      </p:grpSpPr>
-      <p:sp>
-        <p:nvSpPr>
-          <p:cNvPr id="2" name="Title 1"/>
-          <p:cNvSpPr>
-            <a:spLocks noGrp="1"/>
-          </p:cNvSpPr>
-          <p:nvPr>
-            <p:ph type="title"/>
-          </p:nvPr>
-        </p:nvSpPr>
-        <p:spPr/>
-        <p:txBody>
-          <a:bodyPr/>
-          <a:lstStyle/>
-          <a:p>
-            <a:r>
-              <a:rPr lang="en-US" sz="2400" dirty="0" err="1"/>
-              <a:t>builder.Services</a:t>
-            </a:r>
-            <a:r>
-              <a:rPr lang="en-US" sz="2400" dirty="0"/>
-              <a:t> Property</a:t>
-            </a:r>
-          </a:p>
-        </p:txBody>
-      </p:sp>
-      <p:sp>
-        <p:nvSpPr>
-          <p:cNvPr id="4" name="Content Placeholder 2"/>
-          <p:cNvSpPr>
-            <a:spLocks noGrp="1"/>
-          </p:cNvSpPr>
-          <p:nvPr/>
-        </p:nvSpPr>
-        <p:spPr bwMode="auto">
-          <a:xfrm>
-            <a:off x="1296000" y="2015999"/>
-            <a:ext cx="9600000" cy="4152571"/>
-          </a:xfrm>
-          <a:prstGeom prst="rect">
-            <a:avLst/>
-          </a:prstGeom>
-          <a:noFill/>
-          <a:ln w="9525">
-            <a:noFill/>
-            <a:miter lim="800000"/>
-            <a:headEnd/>
-            <a:tailEnd/>
-          </a:ln>
-        </p:spPr>
-        <p:txBody>
-          <a:bodyPr vert="horz" wrap="square" lIns="0" tIns="0" rIns="0" bIns="0" numCol="1" anchor="t" anchorCtr="0" compatLnSpc="1">
-            <a:prstTxWarp prst="textNoShape">
-              <a:avLst/>
-            </a:prstTxWarp>
-          </a:bodyPr>
-          <a:lstStyle>
-            <a:lvl1pPr marL="174625" indent="-174625" algn="l" rtl="0" eaLnBrk="1" fontAlgn="base" hangingPunct="1">
-              <a:lnSpc>
-                <a:spcPct val="100000"/>
-              </a:lnSpc>
-              <a:spcBef>
-                <a:spcPts val="600"/>
-              </a:spcBef>
-              <a:spcAft>
-                <a:spcPct val="0"/>
-              </a:spcAft>
-              <a:buClr>
-                <a:srgbClr val="0070C0"/>
-              </a:buClr>
-              <a:buSzPct val="90000"/>
-              <a:buFont typeface="Arial" pitchFamily="34" charset="0"/>
-              <a:buChar char="•"/>
-              <a:defRPr sz="2800">
-                <a:solidFill>
-                  <a:schemeClr val="tx1"/>
-                </a:solidFill>
-                <a:latin typeface="Segoe UI" pitchFamily="34" charset="0"/>
-                <a:ea typeface="Segoe UI" pitchFamily="34" charset="0"/>
-                <a:cs typeface="Segoe UI" pitchFamily="34" charset="0"/>
-              </a:defRPr>
-            </a:lvl1pPr>
-            <a:lvl2pPr marL="458788" indent="-169863" algn="l" rtl="0" eaLnBrk="1" fontAlgn="base" hangingPunct="1">
-              <a:lnSpc>
-                <a:spcPct val="100000"/>
-              </a:lnSpc>
-              <a:spcBef>
-                <a:spcPts val="600"/>
-              </a:spcBef>
-              <a:spcAft>
-                <a:spcPct val="0"/>
-              </a:spcAft>
-              <a:buClr>
-                <a:srgbClr val="0070C0"/>
-              </a:buClr>
-              <a:buSzPct val="80000"/>
-              <a:buFont typeface="Arial" pitchFamily="34" charset="0"/>
-              <a:buChar char="•"/>
-              <a:defRPr sz="2400">
-                <a:solidFill>
-                  <a:schemeClr val="tx1"/>
-                </a:solidFill>
-                <a:latin typeface="Segoe UI" pitchFamily="34" charset="0"/>
-                <a:ea typeface="Segoe UI" pitchFamily="34" charset="0"/>
-                <a:cs typeface="Segoe UI" pitchFamily="34" charset="0"/>
-              </a:defRPr>
-            </a:lvl2pPr>
-            <a:lvl3pPr marL="854075" indent="-173038" algn="l" rtl="0" eaLnBrk="1" fontAlgn="base" hangingPunct="1">
-              <a:lnSpc>
-                <a:spcPct val="100000"/>
-              </a:lnSpc>
-              <a:spcBef>
-                <a:spcPts val="600"/>
-              </a:spcBef>
-              <a:spcAft>
-                <a:spcPct val="0"/>
-              </a:spcAft>
-              <a:buClr>
-                <a:srgbClr val="0070C0"/>
-              </a:buClr>
-              <a:buSzPct val="80000"/>
-              <a:buFont typeface="Arial" pitchFamily="34" charset="0"/>
-              <a:buChar char="•"/>
-              <a:defRPr sz="2000">
-                <a:solidFill>
-                  <a:schemeClr val="tx1"/>
-                </a:solidFill>
-                <a:latin typeface="Segoe UI" pitchFamily="34" charset="0"/>
-                <a:ea typeface="Segoe UI" pitchFamily="34" charset="0"/>
-                <a:cs typeface="Segoe UI" pitchFamily="34" charset="0"/>
-              </a:defRPr>
-            </a:lvl3pPr>
-            <a:lvl4pPr marL="1254125" indent="-165100" algn="l" rtl="0" eaLnBrk="1" fontAlgn="base" hangingPunct="1">
-              <a:lnSpc>
-                <a:spcPct val="100000"/>
-              </a:lnSpc>
-              <a:spcBef>
-                <a:spcPts val="600"/>
-              </a:spcBef>
-              <a:spcAft>
-                <a:spcPct val="0"/>
-              </a:spcAft>
-              <a:buClr>
-                <a:srgbClr val="0070C0"/>
-              </a:buClr>
-              <a:buSzPct val="90000"/>
-              <a:buFont typeface="Arial" pitchFamily="34" charset="0"/>
-              <a:buChar char="•"/>
-              <a:defRPr sz="1800">
-                <a:solidFill>
-                  <a:schemeClr val="tx1"/>
-                </a:solidFill>
-                <a:latin typeface="Segoe UI" pitchFamily="34" charset="0"/>
-                <a:ea typeface="Segoe UI" pitchFamily="34" charset="0"/>
-                <a:cs typeface="Segoe UI" pitchFamily="34" charset="0"/>
-              </a:defRPr>
-            </a:lvl4pPr>
-            <a:lvl5pPr marL="1544638" indent="-168275" algn="l" rtl="0" eaLnBrk="1" fontAlgn="base" hangingPunct="1">
-              <a:lnSpc>
-                <a:spcPct val="100000"/>
-              </a:lnSpc>
-              <a:spcBef>
-                <a:spcPts val="600"/>
-              </a:spcBef>
-              <a:spcAft>
-                <a:spcPct val="0"/>
-              </a:spcAft>
-              <a:buClr>
-                <a:srgbClr val="0070C0"/>
-              </a:buClr>
-              <a:buSzPct val="90000"/>
-              <a:buFont typeface="Arial" pitchFamily="34" charset="0"/>
-              <a:buChar char="•"/>
-              <a:defRPr sz="1800">
-                <a:solidFill>
-                  <a:schemeClr val="tx1"/>
-                </a:solidFill>
-                <a:latin typeface="Segoe UI" pitchFamily="34" charset="0"/>
-                <a:ea typeface="Segoe UI" pitchFamily="34" charset="0"/>
-                <a:cs typeface="Segoe UI" pitchFamily="34" charset="0"/>
-              </a:defRPr>
-            </a:lvl5pPr>
-            <a:lvl6pPr marL="2001838" indent="-168275" algn="l" rtl="0" eaLnBrk="1" fontAlgn="base" hangingPunct="1">
-              <a:lnSpc>
-                <a:spcPct val="90000"/>
-              </a:lnSpc>
-              <a:spcBef>
-                <a:spcPct val="70000"/>
-              </a:spcBef>
-              <a:spcAft>
-                <a:spcPct val="0"/>
-              </a:spcAft>
-              <a:buClr>
-                <a:srgbClr val="2D4A6D"/>
-              </a:buClr>
-              <a:buSzPct val="90000"/>
-              <a:buChar char="•"/>
-              <a:defRPr sz="1600">
-                <a:solidFill>
-                  <a:schemeClr val="tx1"/>
-                </a:solidFill>
-                <a:latin typeface="+mn-lt"/>
-              </a:defRPr>
-            </a:lvl6pPr>
-            <a:lvl7pPr marL="2459038" indent="-168275" algn="l" rtl="0" eaLnBrk="1" fontAlgn="base" hangingPunct="1">
-              <a:lnSpc>
-                <a:spcPct val="90000"/>
-              </a:lnSpc>
-              <a:spcBef>
-                <a:spcPct val="70000"/>
-              </a:spcBef>
-              <a:spcAft>
-                <a:spcPct val="0"/>
-              </a:spcAft>
-              <a:buClr>
-                <a:srgbClr val="2D4A6D"/>
-              </a:buClr>
-              <a:buSzPct val="90000"/>
-              <a:buChar char="•"/>
-              <a:defRPr sz="1600">
-                <a:solidFill>
-                  <a:schemeClr val="tx1"/>
-                </a:solidFill>
-                <a:latin typeface="+mn-lt"/>
-              </a:defRPr>
-            </a:lvl7pPr>
-            <a:lvl8pPr marL="2916238" indent="-168275" algn="l" rtl="0" eaLnBrk="1" fontAlgn="base" hangingPunct="1">
-              <a:lnSpc>
-                <a:spcPct val="90000"/>
-              </a:lnSpc>
-              <a:spcBef>
-                <a:spcPct val="70000"/>
-              </a:spcBef>
-              <a:spcAft>
-                <a:spcPct val="0"/>
-              </a:spcAft>
-              <a:buClr>
-                <a:srgbClr val="2D4A6D"/>
-              </a:buClr>
-              <a:buSzPct val="90000"/>
-              <a:buChar char="•"/>
-              <a:defRPr sz="1600">
-                <a:solidFill>
-                  <a:schemeClr val="tx1"/>
-                </a:solidFill>
-                <a:latin typeface="+mn-lt"/>
-              </a:defRPr>
-            </a:lvl8pPr>
-            <a:lvl9pPr marL="3373438" indent="-168275" algn="l" rtl="0" eaLnBrk="1" fontAlgn="base" hangingPunct="1">
-              <a:lnSpc>
-                <a:spcPct val="90000"/>
-              </a:lnSpc>
-              <a:spcBef>
-                <a:spcPct val="70000"/>
-              </a:spcBef>
-              <a:spcAft>
-                <a:spcPct val="0"/>
-              </a:spcAft>
-              <a:buClr>
-                <a:srgbClr val="2D4A6D"/>
-              </a:buClr>
-              <a:buSzPct val="90000"/>
-              <a:buChar char="•"/>
-              <a:defRPr sz="1600">
-                <a:solidFill>
-                  <a:schemeClr val="tx1"/>
-                </a:solidFill>
-                <a:latin typeface="+mn-lt"/>
-              </a:defRPr>
-            </a:lvl9pPr>
-          </a:lstStyle>
-          <a:p>
-            <a:pPr marL="284163" lvl="1" indent="0">
-              <a:buNone/>
-            </a:pPr>
-            <a:r>
-              <a:rPr lang="en-US" sz="2000" dirty="0" err="1">
-                <a:latin typeface="Consolas" panose="020B0609020204030204" pitchFamily="49" charset="0"/>
-                <a:cs typeface="Lucida Sans Unicode" panose="020B0602030504020204" pitchFamily="34" charset="0"/>
-              </a:rPr>
-              <a:t>builder.Services.AddSingleton</a:t>
-            </a:r>
-            <a:r>
-              <a:rPr lang="en-US" sz="2000" dirty="0">
-                <a:latin typeface="Consolas" panose="020B0609020204030204" pitchFamily="49" charset="0"/>
-                <a:cs typeface="Lucida Sans Unicode" panose="020B0602030504020204" pitchFamily="34" charset="0"/>
-              </a:rPr>
-              <a:t>&lt;</a:t>
-            </a:r>
-            <a:r>
-              <a:rPr lang="en-US" sz="2000" dirty="0" err="1">
-                <a:latin typeface="Consolas" panose="020B0609020204030204" pitchFamily="49" charset="0"/>
-                <a:cs typeface="Lucida Sans Unicode" panose="020B0602030504020204" pitchFamily="34" charset="0"/>
-              </a:rPr>
-              <a:t>IService</a:t>
-            </a:r>
-            <a:r>
-              <a:rPr lang="en-US" sz="2000" dirty="0">
-                <a:latin typeface="Consolas" panose="020B0609020204030204" pitchFamily="49" charset="0"/>
-                <a:cs typeface="Lucida Sans Unicode" panose="020B0602030504020204" pitchFamily="34" charset="0"/>
-              </a:rPr>
-              <a:t>, Service&gt;();</a:t>
-            </a:r>
-          </a:p>
-          <a:p>
-            <a:pPr marL="284163" lvl="1" indent="0">
-              <a:buNone/>
-            </a:pPr>
-            <a:endParaRPr lang="en-US" sz="1800" dirty="0">
-              <a:latin typeface="Lucida Sans Unicode" panose="020B0602030504020204" pitchFamily="34" charset="0"/>
-              <a:cs typeface="Lucida Sans Unicode" panose="020B0602030504020204" pitchFamily="34" charset="0"/>
-            </a:endParaRPr>
-          </a:p>
-        </p:txBody>
-      </p:sp>
-    </p:spTree>
-    <p:extLst>
-      <p:ext uri="{BB962C8B-B14F-4D97-AF65-F5344CB8AC3E}">
-        <p14:creationId xmlns:p14="http://schemas.microsoft.com/office/powerpoint/2010/main" val="3695249894"/>
-      </p:ext>
-    </p:extLst>
-  </p:cSld>
-  <p:clrMapOvr>
-    <a:masterClrMapping/>
-  </p:clrMapOvr>
-</p:sld>
-</file>
-
-<file path=ppt/slides/slide13.xml><?xml version="1.0" encoding="utf-8"?>
-<p:sld xmlns:a="http://schemas.openxmlformats.org/drawingml/2006/main" xmlns:r="http://schemas.openxmlformats.org/officeDocument/2006/relationships" xmlns:p="http://schemas.openxmlformats.org/presentationml/2006/main">
   <p:cSld name="4f95a309-8ec3-47f4-a1ef-54ae20afa831">
     <p:spTree>
       <p:nvGrpSpPr>
@@ -50788,7 +50187,7 @@
 </p:sld>
 </file>
 
-<file path=ppt/slides/slide14.xml><?xml version="1.0" encoding="utf-8"?>
+<file path=ppt/slides/slide13.xml><?xml version="1.0" encoding="utf-8"?>
 <p:sld xmlns:a="http://schemas.openxmlformats.org/drawingml/2006/main" xmlns:r="http://schemas.openxmlformats.org/officeDocument/2006/relationships" xmlns:p="http://schemas.openxmlformats.org/presentationml/2006/main">
   <p:cSld name="ae5b2de0-08a1-41e9-a877-ba77a6b1142a">
     <p:spTree>
@@ -50883,7 +50282,7 @@
 </p:sld>
 </file>
 
-<file path=ppt/slides/slide15.xml><?xml version="1.0" encoding="utf-8"?>
+<file path=ppt/slides/slide14.xml><?xml version="1.0" encoding="utf-8"?>
 <p:sld xmlns:a="http://schemas.openxmlformats.org/drawingml/2006/main" xmlns:r="http://schemas.openxmlformats.org/officeDocument/2006/relationships" xmlns:p="http://schemas.openxmlformats.org/presentationml/2006/main">
   <p:cSld name="5e02d9ad-2853-4563-af29-be7e287e667f">
     <p:spTree>
@@ -51300,7 +50699,7 @@
 </p:sld>
 </file>
 
-<file path=ppt/slides/slide16.xml><?xml version="1.0" encoding="utf-8"?>
+<file path=ppt/slides/slide15.xml><?xml version="1.0" encoding="utf-8"?>
 <p:sld xmlns:a="http://schemas.openxmlformats.org/drawingml/2006/main" xmlns:r="http://schemas.openxmlformats.org/officeDocument/2006/relationships" xmlns:p="http://schemas.openxmlformats.org/presentationml/2006/main">
   <p:cSld name="190e5513-0f43-4973-8405-c63835158748">
     <p:spTree>
@@ -51753,7 +51152,7 @@
 </p:sld>
 </file>
 
-<file path=ppt/slides/slide17.xml><?xml version="1.0" encoding="utf-8"?>
+<file path=ppt/slides/slide16.xml><?xml version="1.0" encoding="utf-8"?>
 <p:sld xmlns:a="http://schemas.openxmlformats.org/drawingml/2006/main" xmlns:r="http://schemas.openxmlformats.org/officeDocument/2006/relationships" xmlns:p="http://schemas.openxmlformats.org/presentationml/2006/main">
   <p:cSld name="a279d1bf-7093-4635-859f-e9bdbebc7048">
     <p:spTree>
@@ -52193,7 +51592,7 @@
 </p:sld>
 </file>
 
-<file path=ppt/slides/slide18.xml><?xml version="1.0" encoding="utf-8"?>
+<file path=ppt/slides/slide17.xml><?xml version="1.0" encoding="utf-8"?>
 <p:sld xmlns:a="http://schemas.openxmlformats.org/drawingml/2006/main" xmlns:r="http://schemas.openxmlformats.org/officeDocument/2006/relationships" xmlns:p="http://schemas.openxmlformats.org/presentationml/2006/main">
   <p:cSld name="5c6f2159-9c0e-4dca-90fb-7a2082b254e9">
     <p:spTree>
@@ -52544,7 +51943,7 @@
 </p:sld>
 </file>
 
-<file path=ppt/slides/slide19.xml><?xml version="1.0" encoding="utf-8"?>
+<file path=ppt/slides/slide18.xml><?xml version="1.0" encoding="utf-8"?>
 <p:sld xmlns:a="http://schemas.openxmlformats.org/drawingml/2006/main" xmlns:r="http://schemas.openxmlformats.org/officeDocument/2006/relationships" xmlns:p="http://schemas.openxmlformats.org/presentationml/2006/main">
   <p:cSld name="84cd07cf-929b-461f-907c-d0d0b3194337">
     <p:spTree>
@@ -52864,76 +52263,28 @@
               <a:buNone/>
             </a:pPr>
             <a:r>
+              <a:rPr lang="en-US" sz="2000" dirty="0" err="1">
+                <a:latin typeface="Consolas" panose="020B0609020204030204" pitchFamily="49" charset="0"/>
+                <a:cs typeface="Lucida Sans Unicode" panose="020B0602030504020204" pitchFamily="34" charset="0"/>
+              </a:rPr>
+              <a:t>app.UseStaticFiles</a:t>
+            </a:r>
+            <a:r>
               <a:rPr lang="en-US" sz="2000" dirty="0">
                 <a:latin typeface="Consolas" panose="020B0609020204030204" pitchFamily="49" charset="0"/>
                 <a:cs typeface="Lucida Sans Unicode" panose="020B0602030504020204" pitchFamily="34" charset="0"/>
               </a:rPr>
-              <a:t>public void Configure(</a:t>
-            </a:r>
-            <a:r>
-              <a:rPr lang="en-US" sz="2000" dirty="0" err="1">
-                <a:latin typeface="Consolas" panose="020B0609020204030204" pitchFamily="49" charset="0"/>
-                <a:cs typeface="Lucida Sans Unicode" panose="020B0602030504020204" pitchFamily="34" charset="0"/>
-              </a:rPr>
-              <a:t>IApplicationBuilder</a:t>
-            </a:r>
-            <a:r>
-              <a:rPr lang="en-US" sz="2000" dirty="0">
-                <a:latin typeface="Consolas" panose="020B0609020204030204" pitchFamily="49" charset="0"/>
-                <a:cs typeface="Lucida Sans Unicode" panose="020B0602030504020204" pitchFamily="34" charset="0"/>
-              </a:rPr>
-              <a:t> app)</a:t>
+              <a:t>();</a:t>
             </a:r>
           </a:p>
           <a:p>
             <a:pPr marL="284163" lvl="1" indent="0">
               <a:buNone/>
             </a:pPr>
-            <a:r>
-              <a:rPr lang="en-US" sz="2000" dirty="0">
-                <a:latin typeface="Consolas" panose="020B0609020204030204" pitchFamily="49" charset="0"/>
-                <a:cs typeface="Lucida Sans Unicode" panose="020B0602030504020204" pitchFamily="34" charset="0"/>
-              </a:rPr>
-              <a:t>{</a:t>
-            </a:r>
-          </a:p>
-          <a:p>
-            <a:pPr marL="284163" lvl="1" indent="0">
-              <a:buNone/>
-            </a:pPr>
-            <a:r>
-              <a:rPr lang="en-US" sz="2000" dirty="0">
-                <a:latin typeface="Consolas" panose="020B0609020204030204" pitchFamily="49" charset="0"/>
-                <a:cs typeface="Lucida Sans Unicode" panose="020B0602030504020204" pitchFamily="34" charset="0"/>
-              </a:rPr>
-              <a:t>     </a:t>
-            </a:r>
-            <a:r>
-              <a:rPr lang="en-US" sz="2000" dirty="0" err="1">
-                <a:latin typeface="Consolas" panose="020B0609020204030204" pitchFamily="49" charset="0"/>
-                <a:cs typeface="Lucida Sans Unicode" panose="020B0602030504020204" pitchFamily="34" charset="0"/>
-              </a:rPr>
-              <a:t>app.UseStaticFiles</a:t>
-            </a:r>
-            <a:r>
-              <a:rPr lang="en-US" sz="2000" dirty="0">
-                <a:latin typeface="Consolas" panose="020B0609020204030204" pitchFamily="49" charset="0"/>
-                <a:cs typeface="Lucida Sans Unicode" panose="020B0602030504020204" pitchFamily="34" charset="0"/>
-              </a:rPr>
-              <a:t>();</a:t>
-            </a:r>
-          </a:p>
-          <a:p>
-            <a:pPr marL="284163" lvl="1" indent="0">
-              <a:buNone/>
-            </a:pPr>
-            <a:r>
-              <a:rPr lang="en-US" sz="2000" dirty="0">
-                <a:latin typeface="Consolas" panose="020B0609020204030204" pitchFamily="49" charset="0"/>
-                <a:cs typeface="Lucida Sans Unicode" panose="020B0602030504020204" pitchFamily="34" charset="0"/>
-              </a:rPr>
-              <a:t>}</a:t>
-            </a:r>
+            <a:endParaRPr lang="en-US" sz="2000" dirty="0">
+              <a:latin typeface="Consolas" panose="020B0609020204030204" pitchFamily="49" charset="0"/>
+              <a:cs typeface="Lucida Sans Unicode" panose="020B0602030504020204" pitchFamily="34" charset="0"/>
+            </a:endParaRPr>
           </a:p>
           <a:p>
             <a:endParaRPr lang="en-US" dirty="0"/>
@@ -52944,6 +52295,344 @@
     <p:extLst>
       <p:ext uri="{BB962C8B-B14F-4D97-AF65-F5344CB8AC3E}">
         <p14:creationId xmlns:p14="http://schemas.microsoft.com/office/powerpoint/2010/main" val="1374368987"/>
+      </p:ext>
+    </p:extLst>
+  </p:cSld>
+  <p:clrMapOvr>
+    <a:masterClrMapping/>
+  </p:clrMapOvr>
+</p:sld>
+</file>
+
+<file path=ppt/slides/slide19.xml><?xml version="1.0" encoding="utf-8"?>
+<p:sld xmlns:a="http://schemas.openxmlformats.org/drawingml/2006/main" xmlns:r="http://schemas.openxmlformats.org/officeDocument/2006/relationships" xmlns:p="http://schemas.openxmlformats.org/presentationml/2006/main">
+  <p:cSld name="9fea694e-294c-4c2d-9766-c17c2cc91c5c">
+    <p:spTree>
+      <p:nvGrpSpPr>
+        <p:cNvPr id="1" name=""/>
+        <p:cNvGrpSpPr/>
+        <p:nvPr/>
+      </p:nvGrpSpPr>
+      <p:grpSpPr>
+        <a:xfrm>
+          <a:off x="0" y="0"/>
+          <a:ext cx="0" cy="0"/>
+          <a:chOff x="0" y="0"/>
+          <a:chExt cx="0" cy="0"/>
+        </a:xfrm>
+      </p:grpSpPr>
+      <p:sp>
+        <p:nvSpPr>
+          <p:cNvPr id="2" name="Title 1"/>
+          <p:cNvSpPr>
+            <a:spLocks noGrp="1"/>
+          </p:cNvSpPr>
+          <p:nvPr>
+            <p:ph type="title"/>
+          </p:nvPr>
+        </p:nvSpPr>
+        <p:spPr/>
+        <p:txBody>
+          <a:bodyPr/>
+          <a:lstStyle/>
+          <a:p>
+            <a:r>
+              <a:rPr lang="en-US" sz="2400" dirty="0"/>
+              <a:t>Common types of static files</a:t>
+            </a:r>
+          </a:p>
+        </p:txBody>
+      </p:sp>
+      <p:sp>
+        <p:nvSpPr>
+          <p:cNvPr id="4" name="Content Placeholder 2"/>
+          <p:cNvSpPr>
+            <a:spLocks noGrp="1"/>
+          </p:cNvSpPr>
+          <p:nvPr/>
+        </p:nvSpPr>
+        <p:spPr bwMode="auto">
+          <a:xfrm>
+            <a:off x="1296000" y="1758461"/>
+            <a:ext cx="9600000" cy="4410109"/>
+          </a:xfrm>
+          <a:prstGeom prst="rect">
+            <a:avLst/>
+          </a:prstGeom>
+          <a:noFill/>
+          <a:ln w="9525">
+            <a:noFill/>
+            <a:miter lim="800000"/>
+            <a:headEnd/>
+            <a:tailEnd/>
+          </a:ln>
+        </p:spPr>
+        <p:txBody>
+          <a:bodyPr vert="horz" wrap="square" lIns="0" tIns="0" rIns="0" bIns="0" numCol="1" anchor="t" anchorCtr="0" compatLnSpc="1">
+            <a:prstTxWarp prst="textNoShape">
+              <a:avLst/>
+            </a:prstTxWarp>
+          </a:bodyPr>
+          <a:lstStyle>
+            <a:lvl1pPr marL="174625" indent="-174625" algn="l" rtl="0" eaLnBrk="1" fontAlgn="base" hangingPunct="1">
+              <a:lnSpc>
+                <a:spcPct val="100000"/>
+              </a:lnSpc>
+              <a:spcBef>
+                <a:spcPts val="600"/>
+              </a:spcBef>
+              <a:spcAft>
+                <a:spcPct val="0"/>
+              </a:spcAft>
+              <a:buClr>
+                <a:srgbClr val="0070C0"/>
+              </a:buClr>
+              <a:buSzPct val="90000"/>
+              <a:buFont typeface="Arial" pitchFamily="34" charset="0"/>
+              <a:buChar char="•"/>
+              <a:defRPr sz="2800">
+                <a:solidFill>
+                  <a:schemeClr val="tx1"/>
+                </a:solidFill>
+                <a:latin typeface="Segoe UI" pitchFamily="34" charset="0"/>
+                <a:ea typeface="Segoe UI" pitchFamily="34" charset="0"/>
+                <a:cs typeface="Segoe UI" pitchFamily="34" charset="0"/>
+              </a:defRPr>
+            </a:lvl1pPr>
+            <a:lvl2pPr marL="458788" indent="-169863" algn="l" rtl="0" eaLnBrk="1" fontAlgn="base" hangingPunct="1">
+              <a:lnSpc>
+                <a:spcPct val="100000"/>
+              </a:lnSpc>
+              <a:spcBef>
+                <a:spcPts val="600"/>
+              </a:spcBef>
+              <a:spcAft>
+                <a:spcPct val="0"/>
+              </a:spcAft>
+              <a:buClr>
+                <a:srgbClr val="0070C0"/>
+              </a:buClr>
+              <a:buSzPct val="80000"/>
+              <a:buFont typeface="Arial" pitchFamily="34" charset="0"/>
+              <a:buChar char="•"/>
+              <a:defRPr sz="2400">
+                <a:solidFill>
+                  <a:schemeClr val="tx1"/>
+                </a:solidFill>
+                <a:latin typeface="Segoe UI" pitchFamily="34" charset="0"/>
+                <a:ea typeface="Segoe UI" pitchFamily="34" charset="0"/>
+                <a:cs typeface="Segoe UI" pitchFamily="34" charset="0"/>
+              </a:defRPr>
+            </a:lvl2pPr>
+            <a:lvl3pPr marL="854075" indent="-173038" algn="l" rtl="0" eaLnBrk="1" fontAlgn="base" hangingPunct="1">
+              <a:lnSpc>
+                <a:spcPct val="100000"/>
+              </a:lnSpc>
+              <a:spcBef>
+                <a:spcPts val="600"/>
+              </a:spcBef>
+              <a:spcAft>
+                <a:spcPct val="0"/>
+              </a:spcAft>
+              <a:buClr>
+                <a:srgbClr val="0070C0"/>
+              </a:buClr>
+              <a:buSzPct val="80000"/>
+              <a:buFont typeface="Arial" pitchFamily="34" charset="0"/>
+              <a:buChar char="•"/>
+              <a:defRPr sz="2000">
+                <a:solidFill>
+                  <a:schemeClr val="tx1"/>
+                </a:solidFill>
+                <a:latin typeface="Segoe UI" pitchFamily="34" charset="0"/>
+                <a:ea typeface="Segoe UI" pitchFamily="34" charset="0"/>
+                <a:cs typeface="Segoe UI" pitchFamily="34" charset="0"/>
+              </a:defRPr>
+            </a:lvl3pPr>
+            <a:lvl4pPr marL="1254125" indent="-165100" algn="l" rtl="0" eaLnBrk="1" fontAlgn="base" hangingPunct="1">
+              <a:lnSpc>
+                <a:spcPct val="100000"/>
+              </a:lnSpc>
+              <a:spcBef>
+                <a:spcPts val="600"/>
+              </a:spcBef>
+              <a:spcAft>
+                <a:spcPct val="0"/>
+              </a:spcAft>
+              <a:buClr>
+                <a:srgbClr val="0070C0"/>
+              </a:buClr>
+              <a:buSzPct val="90000"/>
+              <a:buFont typeface="Arial" pitchFamily="34" charset="0"/>
+              <a:buChar char="•"/>
+              <a:defRPr sz="1800">
+                <a:solidFill>
+                  <a:schemeClr val="tx1"/>
+                </a:solidFill>
+                <a:latin typeface="Segoe UI" pitchFamily="34" charset="0"/>
+                <a:ea typeface="Segoe UI" pitchFamily="34" charset="0"/>
+                <a:cs typeface="Segoe UI" pitchFamily="34" charset="0"/>
+              </a:defRPr>
+            </a:lvl4pPr>
+            <a:lvl5pPr marL="1544638" indent="-168275" algn="l" rtl="0" eaLnBrk="1" fontAlgn="base" hangingPunct="1">
+              <a:lnSpc>
+                <a:spcPct val="100000"/>
+              </a:lnSpc>
+              <a:spcBef>
+                <a:spcPts val="600"/>
+              </a:spcBef>
+              <a:spcAft>
+                <a:spcPct val="0"/>
+              </a:spcAft>
+              <a:buClr>
+                <a:srgbClr val="0070C0"/>
+              </a:buClr>
+              <a:buSzPct val="90000"/>
+              <a:buFont typeface="Arial" pitchFamily="34" charset="0"/>
+              <a:buChar char="•"/>
+              <a:defRPr sz="1800">
+                <a:solidFill>
+                  <a:schemeClr val="tx1"/>
+                </a:solidFill>
+                <a:latin typeface="Segoe UI" pitchFamily="34" charset="0"/>
+                <a:ea typeface="Segoe UI" pitchFamily="34" charset="0"/>
+                <a:cs typeface="Segoe UI" pitchFamily="34" charset="0"/>
+              </a:defRPr>
+            </a:lvl5pPr>
+            <a:lvl6pPr marL="2001838" indent="-168275" algn="l" rtl="0" eaLnBrk="1" fontAlgn="base" hangingPunct="1">
+              <a:lnSpc>
+                <a:spcPct val="90000"/>
+              </a:lnSpc>
+              <a:spcBef>
+                <a:spcPct val="70000"/>
+              </a:spcBef>
+              <a:spcAft>
+                <a:spcPct val="0"/>
+              </a:spcAft>
+              <a:buClr>
+                <a:srgbClr val="2D4A6D"/>
+              </a:buClr>
+              <a:buSzPct val="90000"/>
+              <a:buChar char="•"/>
+              <a:defRPr sz="1600">
+                <a:solidFill>
+                  <a:schemeClr val="tx1"/>
+                </a:solidFill>
+                <a:latin typeface="+mn-lt"/>
+              </a:defRPr>
+            </a:lvl6pPr>
+            <a:lvl7pPr marL="2459038" indent="-168275" algn="l" rtl="0" eaLnBrk="1" fontAlgn="base" hangingPunct="1">
+              <a:lnSpc>
+                <a:spcPct val="90000"/>
+              </a:lnSpc>
+              <a:spcBef>
+                <a:spcPct val="70000"/>
+              </a:spcBef>
+              <a:spcAft>
+                <a:spcPct val="0"/>
+              </a:spcAft>
+              <a:buClr>
+                <a:srgbClr val="2D4A6D"/>
+              </a:buClr>
+              <a:buSzPct val="90000"/>
+              <a:buChar char="•"/>
+              <a:defRPr sz="1600">
+                <a:solidFill>
+                  <a:schemeClr val="tx1"/>
+                </a:solidFill>
+                <a:latin typeface="+mn-lt"/>
+              </a:defRPr>
+            </a:lvl7pPr>
+            <a:lvl8pPr marL="2916238" indent="-168275" algn="l" rtl="0" eaLnBrk="1" fontAlgn="base" hangingPunct="1">
+              <a:lnSpc>
+                <a:spcPct val="90000"/>
+              </a:lnSpc>
+              <a:spcBef>
+                <a:spcPct val="70000"/>
+              </a:spcBef>
+              <a:spcAft>
+                <a:spcPct val="0"/>
+              </a:spcAft>
+              <a:buClr>
+                <a:srgbClr val="2D4A6D"/>
+              </a:buClr>
+              <a:buSzPct val="90000"/>
+              <a:buChar char="•"/>
+              <a:defRPr sz="1600">
+                <a:solidFill>
+                  <a:schemeClr val="tx1"/>
+                </a:solidFill>
+                <a:latin typeface="+mn-lt"/>
+              </a:defRPr>
+            </a:lvl8pPr>
+            <a:lvl9pPr marL="3373438" indent="-168275" algn="l" rtl="0" eaLnBrk="1" fontAlgn="base" hangingPunct="1">
+              <a:lnSpc>
+                <a:spcPct val="90000"/>
+              </a:lnSpc>
+              <a:spcBef>
+                <a:spcPct val="70000"/>
+              </a:spcBef>
+              <a:spcAft>
+                <a:spcPct val="0"/>
+              </a:spcAft>
+              <a:buClr>
+                <a:srgbClr val="2D4A6D"/>
+              </a:buClr>
+              <a:buSzPct val="90000"/>
+              <a:buChar char="•"/>
+              <a:defRPr sz="1600">
+                <a:solidFill>
+                  <a:schemeClr val="tx1"/>
+                </a:solidFill>
+                <a:latin typeface="+mn-lt"/>
+              </a:defRPr>
+            </a:lvl9pPr>
+          </a:lstStyle>
+          <a:p>
+            <a:pPr marL="0" indent="0">
+              <a:buNone/>
+            </a:pPr>
+            <a:r>
+              <a:rPr lang="en-US" sz="2000" dirty="0"/>
+              <a:t>Common types of static files:</a:t>
+            </a:r>
+          </a:p>
+          <a:p>
+            <a:r>
+              <a:rPr lang="en-US" sz="2000" dirty="0"/>
+              <a:t>HTML files</a:t>
+            </a:r>
+          </a:p>
+          <a:p>
+            <a:r>
+              <a:rPr lang="en-US" sz="2000" dirty="0"/>
+              <a:t>CSS stylesheets</a:t>
+            </a:r>
+          </a:p>
+          <a:p>
+            <a:r>
+              <a:rPr lang="en-US" sz="2000" dirty="0"/>
+              <a:t>JavaScript files</a:t>
+            </a:r>
+          </a:p>
+          <a:p>
+            <a:r>
+              <a:rPr lang="en-US" sz="2000" dirty="0"/>
+              <a:t>Images and other assets</a:t>
+            </a:r>
+          </a:p>
+          <a:p>
+            <a:r>
+              <a:rPr lang="en-US" sz="2000" dirty="0"/>
+              <a:t>JSON or XML files</a:t>
+            </a:r>
+          </a:p>
+        </p:txBody>
+      </p:sp>
+    </p:spTree>
+    <p:extLst>
+      <p:ext uri="{BB962C8B-B14F-4D97-AF65-F5344CB8AC3E}">
+        <p14:creationId xmlns:p14="http://schemas.microsoft.com/office/powerpoint/2010/main" val="1301147018"/>
       </p:ext>
     </p:extLst>
   </p:cSld>
@@ -53039,344 +52728,6 @@
 
 <file path=ppt/slides/slide20.xml><?xml version="1.0" encoding="utf-8"?>
 <p:sld xmlns:a="http://schemas.openxmlformats.org/drawingml/2006/main" xmlns:r="http://schemas.openxmlformats.org/officeDocument/2006/relationships" xmlns:p="http://schemas.openxmlformats.org/presentationml/2006/main">
-  <p:cSld name="9fea694e-294c-4c2d-9766-c17c2cc91c5c">
-    <p:spTree>
-      <p:nvGrpSpPr>
-        <p:cNvPr id="1" name=""/>
-        <p:cNvGrpSpPr/>
-        <p:nvPr/>
-      </p:nvGrpSpPr>
-      <p:grpSpPr>
-        <a:xfrm>
-          <a:off x="0" y="0"/>
-          <a:ext cx="0" cy="0"/>
-          <a:chOff x="0" y="0"/>
-          <a:chExt cx="0" cy="0"/>
-        </a:xfrm>
-      </p:grpSpPr>
-      <p:sp>
-        <p:nvSpPr>
-          <p:cNvPr id="2" name="Title 1"/>
-          <p:cNvSpPr>
-            <a:spLocks noGrp="1"/>
-          </p:cNvSpPr>
-          <p:nvPr>
-            <p:ph type="title"/>
-          </p:nvPr>
-        </p:nvSpPr>
-        <p:spPr/>
-        <p:txBody>
-          <a:bodyPr/>
-          <a:lstStyle/>
-          <a:p>
-            <a:r>
-              <a:rPr lang="en-US" sz="2400" dirty="0"/>
-              <a:t>Common types of static files</a:t>
-            </a:r>
-          </a:p>
-        </p:txBody>
-      </p:sp>
-      <p:sp>
-        <p:nvSpPr>
-          <p:cNvPr id="4" name="Content Placeholder 2"/>
-          <p:cNvSpPr>
-            <a:spLocks noGrp="1"/>
-          </p:cNvSpPr>
-          <p:nvPr/>
-        </p:nvSpPr>
-        <p:spPr bwMode="auto">
-          <a:xfrm>
-            <a:off x="1296000" y="1758461"/>
-            <a:ext cx="9600000" cy="4410109"/>
-          </a:xfrm>
-          <a:prstGeom prst="rect">
-            <a:avLst/>
-          </a:prstGeom>
-          <a:noFill/>
-          <a:ln w="9525">
-            <a:noFill/>
-            <a:miter lim="800000"/>
-            <a:headEnd/>
-            <a:tailEnd/>
-          </a:ln>
-        </p:spPr>
-        <p:txBody>
-          <a:bodyPr vert="horz" wrap="square" lIns="0" tIns="0" rIns="0" bIns="0" numCol="1" anchor="t" anchorCtr="0" compatLnSpc="1">
-            <a:prstTxWarp prst="textNoShape">
-              <a:avLst/>
-            </a:prstTxWarp>
-          </a:bodyPr>
-          <a:lstStyle>
-            <a:lvl1pPr marL="174625" indent="-174625" algn="l" rtl="0" eaLnBrk="1" fontAlgn="base" hangingPunct="1">
-              <a:lnSpc>
-                <a:spcPct val="100000"/>
-              </a:lnSpc>
-              <a:spcBef>
-                <a:spcPts val="600"/>
-              </a:spcBef>
-              <a:spcAft>
-                <a:spcPct val="0"/>
-              </a:spcAft>
-              <a:buClr>
-                <a:srgbClr val="0070C0"/>
-              </a:buClr>
-              <a:buSzPct val="90000"/>
-              <a:buFont typeface="Arial" pitchFamily="34" charset="0"/>
-              <a:buChar char="•"/>
-              <a:defRPr sz="2800">
-                <a:solidFill>
-                  <a:schemeClr val="tx1"/>
-                </a:solidFill>
-                <a:latin typeface="Segoe UI" pitchFamily="34" charset="0"/>
-                <a:ea typeface="Segoe UI" pitchFamily="34" charset="0"/>
-                <a:cs typeface="Segoe UI" pitchFamily="34" charset="0"/>
-              </a:defRPr>
-            </a:lvl1pPr>
-            <a:lvl2pPr marL="458788" indent="-169863" algn="l" rtl="0" eaLnBrk="1" fontAlgn="base" hangingPunct="1">
-              <a:lnSpc>
-                <a:spcPct val="100000"/>
-              </a:lnSpc>
-              <a:spcBef>
-                <a:spcPts val="600"/>
-              </a:spcBef>
-              <a:spcAft>
-                <a:spcPct val="0"/>
-              </a:spcAft>
-              <a:buClr>
-                <a:srgbClr val="0070C0"/>
-              </a:buClr>
-              <a:buSzPct val="80000"/>
-              <a:buFont typeface="Arial" pitchFamily="34" charset="0"/>
-              <a:buChar char="•"/>
-              <a:defRPr sz="2400">
-                <a:solidFill>
-                  <a:schemeClr val="tx1"/>
-                </a:solidFill>
-                <a:latin typeface="Segoe UI" pitchFamily="34" charset="0"/>
-                <a:ea typeface="Segoe UI" pitchFamily="34" charset="0"/>
-                <a:cs typeface="Segoe UI" pitchFamily="34" charset="0"/>
-              </a:defRPr>
-            </a:lvl2pPr>
-            <a:lvl3pPr marL="854075" indent="-173038" algn="l" rtl="0" eaLnBrk="1" fontAlgn="base" hangingPunct="1">
-              <a:lnSpc>
-                <a:spcPct val="100000"/>
-              </a:lnSpc>
-              <a:spcBef>
-                <a:spcPts val="600"/>
-              </a:spcBef>
-              <a:spcAft>
-                <a:spcPct val="0"/>
-              </a:spcAft>
-              <a:buClr>
-                <a:srgbClr val="0070C0"/>
-              </a:buClr>
-              <a:buSzPct val="80000"/>
-              <a:buFont typeface="Arial" pitchFamily="34" charset="0"/>
-              <a:buChar char="•"/>
-              <a:defRPr sz="2000">
-                <a:solidFill>
-                  <a:schemeClr val="tx1"/>
-                </a:solidFill>
-                <a:latin typeface="Segoe UI" pitchFamily="34" charset="0"/>
-                <a:ea typeface="Segoe UI" pitchFamily="34" charset="0"/>
-                <a:cs typeface="Segoe UI" pitchFamily="34" charset="0"/>
-              </a:defRPr>
-            </a:lvl3pPr>
-            <a:lvl4pPr marL="1254125" indent="-165100" algn="l" rtl="0" eaLnBrk="1" fontAlgn="base" hangingPunct="1">
-              <a:lnSpc>
-                <a:spcPct val="100000"/>
-              </a:lnSpc>
-              <a:spcBef>
-                <a:spcPts val="600"/>
-              </a:spcBef>
-              <a:spcAft>
-                <a:spcPct val="0"/>
-              </a:spcAft>
-              <a:buClr>
-                <a:srgbClr val="0070C0"/>
-              </a:buClr>
-              <a:buSzPct val="90000"/>
-              <a:buFont typeface="Arial" pitchFamily="34" charset="0"/>
-              <a:buChar char="•"/>
-              <a:defRPr sz="1800">
-                <a:solidFill>
-                  <a:schemeClr val="tx1"/>
-                </a:solidFill>
-                <a:latin typeface="Segoe UI" pitchFamily="34" charset="0"/>
-                <a:ea typeface="Segoe UI" pitchFamily="34" charset="0"/>
-                <a:cs typeface="Segoe UI" pitchFamily="34" charset="0"/>
-              </a:defRPr>
-            </a:lvl4pPr>
-            <a:lvl5pPr marL="1544638" indent="-168275" algn="l" rtl="0" eaLnBrk="1" fontAlgn="base" hangingPunct="1">
-              <a:lnSpc>
-                <a:spcPct val="100000"/>
-              </a:lnSpc>
-              <a:spcBef>
-                <a:spcPts val="600"/>
-              </a:spcBef>
-              <a:spcAft>
-                <a:spcPct val="0"/>
-              </a:spcAft>
-              <a:buClr>
-                <a:srgbClr val="0070C0"/>
-              </a:buClr>
-              <a:buSzPct val="90000"/>
-              <a:buFont typeface="Arial" pitchFamily="34" charset="0"/>
-              <a:buChar char="•"/>
-              <a:defRPr sz="1800">
-                <a:solidFill>
-                  <a:schemeClr val="tx1"/>
-                </a:solidFill>
-                <a:latin typeface="Segoe UI" pitchFamily="34" charset="0"/>
-                <a:ea typeface="Segoe UI" pitchFamily="34" charset="0"/>
-                <a:cs typeface="Segoe UI" pitchFamily="34" charset="0"/>
-              </a:defRPr>
-            </a:lvl5pPr>
-            <a:lvl6pPr marL="2001838" indent="-168275" algn="l" rtl="0" eaLnBrk="1" fontAlgn="base" hangingPunct="1">
-              <a:lnSpc>
-                <a:spcPct val="90000"/>
-              </a:lnSpc>
-              <a:spcBef>
-                <a:spcPct val="70000"/>
-              </a:spcBef>
-              <a:spcAft>
-                <a:spcPct val="0"/>
-              </a:spcAft>
-              <a:buClr>
-                <a:srgbClr val="2D4A6D"/>
-              </a:buClr>
-              <a:buSzPct val="90000"/>
-              <a:buChar char="•"/>
-              <a:defRPr sz="1600">
-                <a:solidFill>
-                  <a:schemeClr val="tx1"/>
-                </a:solidFill>
-                <a:latin typeface="+mn-lt"/>
-              </a:defRPr>
-            </a:lvl6pPr>
-            <a:lvl7pPr marL="2459038" indent="-168275" algn="l" rtl="0" eaLnBrk="1" fontAlgn="base" hangingPunct="1">
-              <a:lnSpc>
-                <a:spcPct val="90000"/>
-              </a:lnSpc>
-              <a:spcBef>
-                <a:spcPct val="70000"/>
-              </a:spcBef>
-              <a:spcAft>
-                <a:spcPct val="0"/>
-              </a:spcAft>
-              <a:buClr>
-                <a:srgbClr val="2D4A6D"/>
-              </a:buClr>
-              <a:buSzPct val="90000"/>
-              <a:buChar char="•"/>
-              <a:defRPr sz="1600">
-                <a:solidFill>
-                  <a:schemeClr val="tx1"/>
-                </a:solidFill>
-                <a:latin typeface="+mn-lt"/>
-              </a:defRPr>
-            </a:lvl7pPr>
-            <a:lvl8pPr marL="2916238" indent="-168275" algn="l" rtl="0" eaLnBrk="1" fontAlgn="base" hangingPunct="1">
-              <a:lnSpc>
-                <a:spcPct val="90000"/>
-              </a:lnSpc>
-              <a:spcBef>
-                <a:spcPct val="70000"/>
-              </a:spcBef>
-              <a:spcAft>
-                <a:spcPct val="0"/>
-              </a:spcAft>
-              <a:buClr>
-                <a:srgbClr val="2D4A6D"/>
-              </a:buClr>
-              <a:buSzPct val="90000"/>
-              <a:buChar char="•"/>
-              <a:defRPr sz="1600">
-                <a:solidFill>
-                  <a:schemeClr val="tx1"/>
-                </a:solidFill>
-                <a:latin typeface="+mn-lt"/>
-              </a:defRPr>
-            </a:lvl8pPr>
-            <a:lvl9pPr marL="3373438" indent="-168275" algn="l" rtl="0" eaLnBrk="1" fontAlgn="base" hangingPunct="1">
-              <a:lnSpc>
-                <a:spcPct val="90000"/>
-              </a:lnSpc>
-              <a:spcBef>
-                <a:spcPct val="70000"/>
-              </a:spcBef>
-              <a:spcAft>
-                <a:spcPct val="0"/>
-              </a:spcAft>
-              <a:buClr>
-                <a:srgbClr val="2D4A6D"/>
-              </a:buClr>
-              <a:buSzPct val="90000"/>
-              <a:buChar char="•"/>
-              <a:defRPr sz="1600">
-                <a:solidFill>
-                  <a:schemeClr val="tx1"/>
-                </a:solidFill>
-                <a:latin typeface="+mn-lt"/>
-              </a:defRPr>
-            </a:lvl9pPr>
-          </a:lstStyle>
-          <a:p>
-            <a:pPr marL="0" indent="0">
-              <a:buNone/>
-            </a:pPr>
-            <a:r>
-              <a:rPr lang="en-US" sz="2000" dirty="0"/>
-              <a:t>Common types of static files:</a:t>
-            </a:r>
-          </a:p>
-          <a:p>
-            <a:r>
-              <a:rPr lang="en-US" sz="2000" dirty="0"/>
-              <a:t>HTML files</a:t>
-            </a:r>
-          </a:p>
-          <a:p>
-            <a:r>
-              <a:rPr lang="en-US" sz="2000" dirty="0"/>
-              <a:t>CSS stylesheets</a:t>
-            </a:r>
-          </a:p>
-          <a:p>
-            <a:r>
-              <a:rPr lang="en-US" sz="2000" dirty="0"/>
-              <a:t>JavaScript files</a:t>
-            </a:r>
-          </a:p>
-          <a:p>
-            <a:r>
-              <a:rPr lang="en-US" sz="2000" dirty="0"/>
-              <a:t>Images and other assets</a:t>
-            </a:r>
-          </a:p>
-          <a:p>
-            <a:r>
-              <a:rPr lang="en-US" sz="2000" dirty="0"/>
-              <a:t>JSON or XML files</a:t>
-            </a:r>
-          </a:p>
-        </p:txBody>
-      </p:sp>
-    </p:spTree>
-    <p:extLst>
-      <p:ext uri="{BB962C8B-B14F-4D97-AF65-F5344CB8AC3E}">
-        <p14:creationId xmlns:p14="http://schemas.microsoft.com/office/powerpoint/2010/main" val="1301147018"/>
-      </p:ext>
-    </p:extLst>
-  </p:cSld>
-  <p:clrMapOvr>
-    <a:masterClrMapping/>
-  </p:clrMapOvr>
-</p:sld>
-</file>
-
-<file path=ppt/slides/slide21.xml><?xml version="1.0" encoding="utf-8"?>
-<p:sld xmlns:a="http://schemas.openxmlformats.org/drawingml/2006/main" xmlns:r="http://schemas.openxmlformats.org/officeDocument/2006/relationships" xmlns:p="http://schemas.openxmlformats.org/presentationml/2006/main">
   <p:cSld name="7f9fd767-c7df-4fdf-a3c7-5cfa874417fd">
     <p:spTree>
       <p:nvGrpSpPr>
@@ -53720,7 +53071,7 @@
 </p:sld>
 </file>
 
-<file path=ppt/slides/slide22.xml><?xml version="1.0" encoding="utf-8"?>
+<file path=ppt/slides/slide21.xml><?xml version="1.0" encoding="utf-8"?>
 <p:sld xmlns:a="http://schemas.openxmlformats.org/drawingml/2006/main" xmlns:r="http://schemas.openxmlformats.org/officeDocument/2006/relationships" xmlns:p="http://schemas.openxmlformats.org/presentationml/2006/main">
   <p:cSld name="d841d506-0b40-4fe4-9e2b-3a42a925d3ff">
     <p:spTree>
@@ -53781,8 +53132,13 @@
               <a:t>Exercise 1: Working with Static Files
 Exercise 2: Creating Custom Middleware
 Exercise 3: Using Dependency Injection
-Exercise 4: Injecting a Service to a Controller</a:t>
-            </a:r>
+Exercise 4: Injecting a Service to a </a:t>
+            </a:r>
+            <a:r>
+              <a:rPr lang="en-US" sz="2000" dirty="0" err="1"/>
+              <a:t>PageModel</a:t>
+            </a:r>
+            <a:endParaRPr lang="en-US" sz="2000" dirty="0"/>
           </a:p>
         </p:txBody>
       </p:sp>
@@ -53830,7 +53186,7 @@
 </p:sld>
 </file>
 
-<file path=ppt/slides/slide23.xml><?xml version="1.0" encoding="utf-8"?>
+<file path=ppt/slides/slide22.xml><?xml version="1.0" encoding="utf-8"?>
 <p:sld xmlns:a="http://schemas.openxmlformats.org/drawingml/2006/main" xmlns:r="http://schemas.openxmlformats.org/officeDocument/2006/relationships" xmlns:p="http://schemas.openxmlformats.org/presentationml/2006/main" show="0">
   <p:cSld>
     <p:spTree>
@@ -53898,7 +53254,7 @@
 </p:sld>
 </file>
 
-<file path=ppt/slides/slide24.xml><?xml version="1.0" encoding="utf-8"?>
+<file path=ppt/slides/slide23.xml><?xml version="1.0" encoding="utf-8"?>
 <p:sld xmlns:a="http://schemas.openxmlformats.org/drawingml/2006/main" xmlns:r="http://schemas.openxmlformats.org/officeDocument/2006/relationships" xmlns:p="http://schemas.openxmlformats.org/presentationml/2006/main">
   <p:cSld name="Lab Scenario860707277">
     <p:spTree>
@@ -53946,7 +53302,7 @@
         <p:spPr>
           <a:xfrm>
             <a:off x="1296000" y="1707015"/>
-            <a:ext cx="8119156" cy="1323439"/>
+            <a:ext cx="8119156" cy="2015936"/>
           </a:xfrm>
           <a:prstGeom prst="rect">
             <a:avLst/>
@@ -53970,7 +53326,54 @@
                 <a:ea typeface="Calibri"/>
                 <a:cs typeface="Times New Roman"/>
               </a:rPr>
-              <a:t>The Adventure Works company wants to develop a website about ball games. For this, the company needs to perform a survey to determine the popularity of different ball games. As their employee, you are required to create a survey site.</a:t>
+              <a:t>In this lab, we're going to create the initial structure of the </a:t>
+            </a:r>
+            <a:r>
+              <a:rPr lang="en-US" sz="2000" dirty="0" err="1">
+                <a:latin typeface="Segoe UI"/>
+                <a:ea typeface="Calibri"/>
+                <a:cs typeface="Times New Roman"/>
+              </a:rPr>
+              <a:t>PhotoSharing</a:t>
+            </a:r>
+            <a:r>
+              <a:rPr lang="en-US" sz="2000" dirty="0">
+                <a:latin typeface="Segoe UI"/>
+                <a:ea typeface="Calibri"/>
+                <a:cs typeface="Times New Roman"/>
+              </a:rPr>
+              <a:t> application.  </a:t>
+            </a:r>
+          </a:p>
+          <a:p>
+            <a:pPr>
+              <a:spcBef>
+                <a:spcPts val="600"/>
+              </a:spcBef>
+            </a:pPr>
+            <a:r>
+              <a:rPr lang="en-US" sz="2000" dirty="0">
+                <a:latin typeface="Segoe UI"/>
+                <a:ea typeface="Calibri"/>
+                <a:cs typeface="Times New Roman"/>
+              </a:rPr>
+              <a:t>Since we want all our parts to be testable and </a:t>
+            </a:r>
+            <a:r>
+              <a:rPr lang="en-US" sz="2000" dirty="0" err="1">
+                <a:latin typeface="Segoe UI"/>
+                <a:ea typeface="Calibri"/>
+                <a:cs typeface="Times New Roman"/>
+              </a:rPr>
+              <a:t>losely</a:t>
+            </a:r>
+            <a:r>
+              <a:rPr lang="en-US" sz="2000" dirty="0">
+                <a:latin typeface="Segoe UI"/>
+                <a:ea typeface="Calibri"/>
+                <a:cs typeface="Times New Roman"/>
+              </a:rPr>
+              <a:t> coupled, we're going to use the CLEAN architecture, making sure that each page can be dependent on abstractions and that each concern is neatly separated.</a:t>
             </a:r>
             <a:endParaRPr lang="en-US" sz="2000" dirty="0">
               <a:latin typeface="Segoe UI"/>
@@ -53991,7 +53394,7 @@
 </p:sld>
 </file>
 
-<file path=ppt/slides/slide25.xml><?xml version="1.0" encoding="utf-8"?>
+<file path=ppt/slides/slide24.xml><?xml version="1.0" encoding="utf-8"?>
 <p:sld xmlns:a="http://schemas.openxmlformats.org/drawingml/2006/main" xmlns:r="http://schemas.openxmlformats.org/officeDocument/2006/relationships" xmlns:p="http://schemas.openxmlformats.org/presentationml/2006/main">
   <p:cSld name="42235e50-16be-4f51-aafc-bc9b7ff078dc">
     <p:spTree>
@@ -54117,7 +53520,7 @@
 </p:sld>
 </file>
 
-<file path=ppt/slides/slide26.xml><?xml version="1.0" encoding="utf-8"?>
+<file path=ppt/slides/slide25.xml><?xml version="1.0" encoding="utf-8"?>
 <p:sld xmlns:a="http://schemas.openxmlformats.org/drawingml/2006/main" xmlns:r="http://schemas.openxmlformats.org/officeDocument/2006/relationships" xmlns:p="http://schemas.openxmlformats.org/presentationml/2006/main">
   <p:cSld name="Module_Review">
     <p:spTree>
@@ -54195,7 +53598,7 @@
 </p:sld>
 </file>
 
-<file path=ppt/slides/slide27.xml><?xml version="1.0" encoding="utf-8"?>
+<file path=ppt/slides/slide26.xml><?xml version="1.0" encoding="utf-8"?>
 <p:sld xmlns:a="http://schemas.openxmlformats.org/drawingml/2006/main" xmlns:r="http://schemas.openxmlformats.org/officeDocument/2006/relationships" xmlns:p="http://schemas.openxmlformats.org/presentationml/2006/main" show="0">
   <p:cSld>
     <p:spTree>

--- a/Slides/Razor_03.pptx
+++ b/Slides/Razor_03.pptx
@@ -4035,7 +4035,7 @@
           <a:p>
             <a:fld id="{E484AD41-7237-4420-966D-AA6ACF9C5581}" type="datetimeFigureOut">
               <a:rPr lang="en-US" smtClean="0"/>
-              <a:t>1/18/2022</a:t>
+              <a:t>2/9/2022</a:t>
             </a:fld>
             <a:endParaRPr lang="en-US"/>
           </a:p>
@@ -26503,7 +26503,7 @@
           <a:p>
             <a:fld id="{FC69B7DB-8367-4EA5-BD31-DC3A1C807884}" type="datetimeFigureOut">
               <a:rPr lang="en-US" smtClean="0"/>
-              <a:t>1/18/2022</a:t>
+              <a:t>2/9/2022</a:t>
             </a:fld>
             <a:endParaRPr lang="en-US" dirty="0"/>
           </a:p>
@@ -26880,7 +26880,7 @@
           <a:p>
             <a:fld id="{FC69B7DB-8367-4EA5-BD31-DC3A1C807884}" type="datetimeFigureOut">
               <a:rPr lang="en-US" smtClean="0"/>
-              <a:t>1/18/2022</a:t>
+              <a:t>2/9/2022</a:t>
             </a:fld>
             <a:endParaRPr lang="en-US" dirty="0"/>
           </a:p>
@@ -27316,7 +27316,7 @@
           <a:p>
             <a:fld id="{FC69B7DB-8367-4EA5-BD31-DC3A1C807884}" type="datetimeFigureOut">
               <a:rPr lang="en-US" smtClean="0"/>
-              <a:t>1/18/2022</a:t>
+              <a:t>2/9/2022</a:t>
             </a:fld>
             <a:endParaRPr lang="en-US" dirty="0"/>
           </a:p>
@@ -27886,7 +27886,7 @@
           <a:p>
             <a:fld id="{FC69B7DB-8367-4EA5-BD31-DC3A1C807884}" type="datetimeFigureOut">
               <a:rPr lang="en-US" smtClean="0"/>
-              <a:t>1/18/2022</a:t>
+              <a:t>2/9/2022</a:t>
             </a:fld>
             <a:endParaRPr lang="en-US" dirty="0"/>
           </a:p>
@@ -28152,7 +28152,7 @@
           <a:p>
             <a:fld id="{FC69B7DB-8367-4EA5-BD31-DC3A1C807884}" type="datetimeFigureOut">
               <a:rPr lang="en-US" smtClean="0"/>
-              <a:t>1/18/2022</a:t>
+              <a:t>2/9/2022</a:t>
             </a:fld>
             <a:endParaRPr lang="en-US" dirty="0"/>
           </a:p>
@@ -28617,7 +28617,7 @@
           <a:p>
             <a:fld id="{FC69B7DB-8367-4EA5-BD31-DC3A1C807884}" type="datetimeFigureOut">
               <a:rPr lang="en-US" smtClean="0"/>
-              <a:t>1/18/2022</a:t>
+              <a:t>2/9/2022</a:t>
             </a:fld>
             <a:endParaRPr lang="en-US" dirty="0"/>
           </a:p>
@@ -29065,7 +29065,7 @@
           <a:p>
             <a:fld id="{FC69B7DB-8367-4EA5-BD31-DC3A1C807884}" type="datetimeFigureOut">
               <a:rPr lang="en-US" smtClean="0"/>
-              <a:t>1/18/2022</a:t>
+              <a:t>2/9/2022</a:t>
             </a:fld>
             <a:endParaRPr lang="en-US" dirty="0"/>
           </a:p>
@@ -29509,7 +29509,7 @@
           <a:p>
             <a:fld id="{FC69B7DB-8367-4EA5-BD31-DC3A1C807884}" type="datetimeFigureOut">
               <a:rPr lang="en-US" smtClean="0"/>
-              <a:t>1/18/2022</a:t>
+              <a:t>2/9/2022</a:t>
             </a:fld>
             <a:endParaRPr lang="en-US" dirty="0"/>
           </a:p>
@@ -29703,7 +29703,7 @@
           <a:p>
             <a:fld id="{FC69B7DB-8367-4EA5-BD31-DC3A1C807884}" type="datetimeFigureOut">
               <a:rPr lang="en-US" smtClean="0"/>
-              <a:t>1/18/2022</a:t>
+              <a:t>2/9/2022</a:t>
             </a:fld>
             <a:endParaRPr lang="en-US" dirty="0"/>
           </a:p>
@@ -49392,6 +49392,31 @@
       </p:grpSpPr>
       <p:sp>
         <p:nvSpPr>
+          <p:cNvPr id="3" name="Content Placeholder 2">
+            <a:extLst>
+              <a:ext uri="{FF2B5EF4-FFF2-40B4-BE49-F238E27FC236}">
+                <a16:creationId xmlns:a16="http://schemas.microsoft.com/office/drawing/2014/main" id="{DBBEDB8C-86B8-40A5-B713-D2C51818ACB4}"/>
+              </a:ext>
+            </a:extLst>
+          </p:cNvPr>
+          <p:cNvSpPr>
+            <a:spLocks noGrp="1"/>
+          </p:cNvSpPr>
+          <p:nvPr>
+            <p:ph idx="1"/>
+          </p:nvPr>
+        </p:nvSpPr>
+        <p:spPr/>
+        <p:txBody>
+          <a:bodyPr/>
+          <a:lstStyle/>
+          <a:p>
+            <a:endParaRPr lang="nl-NL"/>
+          </a:p>
+        </p:txBody>
+      </p:sp>
+      <p:sp>
+        <p:nvSpPr>
           <p:cNvPr id="2" name="Title 1"/>
           <p:cNvSpPr>
             <a:spLocks noGrp="1"/>
@@ -49400,12 +49425,7 @@
             <p:ph type="title"/>
           </p:nvPr>
         </p:nvSpPr>
-        <p:spPr>
-          <a:xfrm>
-            <a:off x="1193067" y="793414"/>
-            <a:ext cx="8657746" cy="740664"/>
-          </a:xfrm>
-        </p:spPr>
+        <p:spPr/>
         <p:txBody>
           <a:bodyPr/>
           <a:lstStyle/>
@@ -49738,6 +49758,33 @@
       </p:grpSpPr>
       <p:sp>
         <p:nvSpPr>
+          <p:cNvPr id="3" name="Text Placeholder 2"/>
+          <p:cNvSpPr>
+            <a:spLocks noGrp="1"/>
+          </p:cNvSpPr>
+          <p:nvPr>
+            <p:ph idx="1"/>
+          </p:nvPr>
+        </p:nvSpPr>
+        <p:spPr/>
+        <p:txBody>
+          <a:bodyPr>
+            <a:normAutofit/>
+          </a:bodyPr>
+          <a:lstStyle/>
+          <a:p>
+            <a:r>
+              <a:rPr lang="en-US" sz="2000" dirty="0"/>
+              <a:t>Middleware Fundamentals
+Demonstration: How to Create Custom Middleware
+Working with Static Files
+Demonstration: How to Work with Static Files</a:t>
+            </a:r>
+          </a:p>
+        </p:txBody>
+      </p:sp>
+      <p:sp>
+        <p:nvSpPr>
           <p:cNvPr id="2" name="Title 1"/>
           <p:cNvSpPr>
             <a:spLocks noGrp="1"/>
@@ -49754,33 +49801,6 @@
             <a:r>
               <a:rPr lang="en-US" sz="2400" dirty="0"/>
               <a:t>Lesson 2: Configuring Middleware</a:t>
-            </a:r>
-          </a:p>
-        </p:txBody>
-      </p:sp>
-      <p:sp>
-        <p:nvSpPr>
-          <p:cNvPr id="3" name="Text Placeholder 2"/>
-          <p:cNvSpPr>
-            <a:spLocks noGrp="1"/>
-          </p:cNvSpPr>
-          <p:nvPr>
-            <p:ph type="body" idx="1"/>
-          </p:nvPr>
-        </p:nvSpPr>
-        <p:spPr/>
-        <p:txBody>
-          <a:bodyPr>
-            <a:normAutofit/>
-          </a:bodyPr>
-          <a:lstStyle/>
-          <a:p>
-            <a:r>
-              <a:rPr lang="en-US" sz="2000" dirty="0"/>
-              <a:t>Middleware Fundamentals
-Demonstration: How to Create Custom Middleware
-Working with Static Files
-Demonstration: How to Work with Static Files</a:t>
             </a:r>
           </a:p>
         </p:txBody>
@@ -49817,6 +49837,31 @@
       </p:grpSpPr>
       <p:sp>
         <p:nvSpPr>
+          <p:cNvPr id="3" name="Content Placeholder 2">
+            <a:extLst>
+              <a:ext uri="{FF2B5EF4-FFF2-40B4-BE49-F238E27FC236}">
+                <a16:creationId xmlns:a16="http://schemas.microsoft.com/office/drawing/2014/main" id="{CC674AF1-8887-471F-88A7-0216423AAAD2}"/>
+              </a:ext>
+            </a:extLst>
+          </p:cNvPr>
+          <p:cNvSpPr>
+            <a:spLocks noGrp="1"/>
+          </p:cNvSpPr>
+          <p:nvPr>
+            <p:ph idx="1"/>
+          </p:nvPr>
+        </p:nvSpPr>
+        <p:spPr/>
+        <p:txBody>
+          <a:bodyPr/>
+          <a:lstStyle/>
+          <a:p>
+            <a:endParaRPr lang="nl-NL"/>
+          </a:p>
+        </p:txBody>
+      </p:sp>
+      <p:sp>
+        <p:nvSpPr>
           <p:cNvPr id="2" name="Title 1"/>
           <p:cNvSpPr>
             <a:spLocks noGrp="1"/>
@@ -50204,6 +50249,31 @@
           <a:chExt cx="0" cy="0"/>
         </a:xfrm>
       </p:grpSpPr>
+      <p:sp>
+        <p:nvSpPr>
+          <p:cNvPr id="3" name="Content Placeholder 2">
+            <a:extLst>
+              <a:ext uri="{FF2B5EF4-FFF2-40B4-BE49-F238E27FC236}">
+                <a16:creationId xmlns:a16="http://schemas.microsoft.com/office/drawing/2014/main" id="{FC69FA47-CE19-49DF-8C74-8BC2DCAE397A}"/>
+              </a:ext>
+            </a:extLst>
+          </p:cNvPr>
+          <p:cNvSpPr>
+            <a:spLocks noGrp="1"/>
+          </p:cNvSpPr>
+          <p:nvPr>
+            <p:ph idx="1"/>
+          </p:nvPr>
+        </p:nvSpPr>
+        <p:spPr/>
+        <p:txBody>
+          <a:bodyPr/>
+          <a:lstStyle/>
+          <a:p>
+            <a:endParaRPr lang="nl-NL"/>
+          </a:p>
+        </p:txBody>
+      </p:sp>
       <p:sp>
         <p:nvSpPr>
           <p:cNvPr id="2" name="Title 1"/>
@@ -50301,6 +50371,31 @@
       </p:grpSpPr>
       <p:sp>
         <p:nvSpPr>
+          <p:cNvPr id="3" name="Content Placeholder 2">
+            <a:extLst>
+              <a:ext uri="{FF2B5EF4-FFF2-40B4-BE49-F238E27FC236}">
+                <a16:creationId xmlns:a16="http://schemas.microsoft.com/office/drawing/2014/main" id="{5216AF87-75E1-4074-8C08-729AAC4997D6}"/>
+              </a:ext>
+            </a:extLst>
+          </p:cNvPr>
+          <p:cNvSpPr>
+            <a:spLocks noGrp="1"/>
+          </p:cNvSpPr>
+          <p:nvPr>
+            <p:ph idx="1"/>
+          </p:nvPr>
+        </p:nvSpPr>
+        <p:spPr/>
+        <p:txBody>
+          <a:bodyPr/>
+          <a:lstStyle/>
+          <a:p>
+            <a:endParaRPr lang="nl-NL"/>
+          </a:p>
+        </p:txBody>
+      </p:sp>
+      <p:sp>
+        <p:nvSpPr>
           <p:cNvPr id="2" name="Title 1"/>
           <p:cNvSpPr>
             <a:spLocks noGrp="1"/>
@@ -50718,6 +50813,31 @@
       </p:grpSpPr>
       <p:sp>
         <p:nvSpPr>
+          <p:cNvPr id="3" name="Content Placeholder 2">
+            <a:extLst>
+              <a:ext uri="{FF2B5EF4-FFF2-40B4-BE49-F238E27FC236}">
+                <a16:creationId xmlns:a16="http://schemas.microsoft.com/office/drawing/2014/main" id="{C027C7EC-DE5D-438B-BA35-A73F61926F20}"/>
+              </a:ext>
+            </a:extLst>
+          </p:cNvPr>
+          <p:cNvSpPr>
+            <a:spLocks noGrp="1"/>
+          </p:cNvSpPr>
+          <p:nvPr>
+            <p:ph idx="1"/>
+          </p:nvPr>
+        </p:nvSpPr>
+        <p:spPr/>
+        <p:txBody>
+          <a:bodyPr/>
+          <a:lstStyle/>
+          <a:p>
+            <a:endParaRPr lang="nl-NL"/>
+          </a:p>
+        </p:txBody>
+      </p:sp>
+      <p:sp>
+        <p:nvSpPr>
           <p:cNvPr id="2" name="Title 1"/>
           <p:cNvSpPr>
             <a:spLocks noGrp="1"/>
@@ -51171,6 +51291,31 @@
       </p:grpSpPr>
       <p:sp>
         <p:nvSpPr>
+          <p:cNvPr id="3" name="Content Placeholder 2">
+            <a:extLst>
+              <a:ext uri="{FF2B5EF4-FFF2-40B4-BE49-F238E27FC236}">
+                <a16:creationId xmlns:a16="http://schemas.microsoft.com/office/drawing/2014/main" id="{E0EA0FA7-CE3C-46B2-B706-F44BBD5283B3}"/>
+              </a:ext>
+            </a:extLst>
+          </p:cNvPr>
+          <p:cNvSpPr>
+            <a:spLocks noGrp="1"/>
+          </p:cNvSpPr>
+          <p:nvPr>
+            <p:ph idx="1"/>
+          </p:nvPr>
+        </p:nvSpPr>
+        <p:spPr/>
+        <p:txBody>
+          <a:bodyPr/>
+          <a:lstStyle/>
+          <a:p>
+            <a:endParaRPr lang="nl-NL"/>
+          </a:p>
+        </p:txBody>
+      </p:sp>
+      <p:sp>
+        <p:nvSpPr>
           <p:cNvPr id="2" name="Title 1"/>
           <p:cNvSpPr>
             <a:spLocks noGrp="1"/>
@@ -51179,12 +51324,7 @@
             <p:ph type="title"/>
           </p:nvPr>
         </p:nvSpPr>
-        <p:spPr>
-          <a:xfrm>
-            <a:off x="1228237" y="689429"/>
-            <a:ext cx="8709504" cy="740664"/>
-          </a:xfrm>
-        </p:spPr>
+        <p:spPr/>
         <p:txBody>
           <a:bodyPr/>
           <a:lstStyle/>
@@ -51611,6 +51751,31 @@
       </p:grpSpPr>
       <p:sp>
         <p:nvSpPr>
+          <p:cNvPr id="3" name="Content Placeholder 2">
+            <a:extLst>
+              <a:ext uri="{FF2B5EF4-FFF2-40B4-BE49-F238E27FC236}">
+                <a16:creationId xmlns:a16="http://schemas.microsoft.com/office/drawing/2014/main" id="{E4E8BCF8-806B-4030-8A6A-9438CEA0F7B8}"/>
+              </a:ext>
+            </a:extLst>
+          </p:cNvPr>
+          <p:cNvSpPr>
+            <a:spLocks noGrp="1"/>
+          </p:cNvSpPr>
+          <p:nvPr>
+            <p:ph idx="1"/>
+          </p:nvPr>
+        </p:nvSpPr>
+        <p:spPr/>
+        <p:txBody>
+          <a:bodyPr/>
+          <a:lstStyle/>
+          <a:p>
+            <a:endParaRPr lang="nl-NL"/>
+          </a:p>
+        </p:txBody>
+      </p:sp>
+      <p:sp>
+        <p:nvSpPr>
           <p:cNvPr id="2" name="Title 1"/>
           <p:cNvSpPr>
             <a:spLocks noGrp="1"/>
@@ -51619,12 +51784,7 @@
             <p:ph type="title"/>
           </p:nvPr>
         </p:nvSpPr>
-        <p:spPr>
-          <a:xfrm>
-            <a:off x="1418319" y="650883"/>
-            <a:ext cx="8683625" cy="740664"/>
-          </a:xfrm>
-        </p:spPr>
+        <p:spPr/>
         <p:txBody>
           <a:bodyPr/>
           <a:lstStyle/>
@@ -51962,6 +52122,31 @@
       </p:grpSpPr>
       <p:sp>
         <p:nvSpPr>
+          <p:cNvPr id="3" name="Content Placeholder 2">
+            <a:extLst>
+              <a:ext uri="{FF2B5EF4-FFF2-40B4-BE49-F238E27FC236}">
+                <a16:creationId xmlns:a16="http://schemas.microsoft.com/office/drawing/2014/main" id="{A9D68D47-E72D-4FCC-B353-F947025EEBD8}"/>
+              </a:ext>
+            </a:extLst>
+          </p:cNvPr>
+          <p:cNvSpPr>
+            <a:spLocks noGrp="1"/>
+          </p:cNvSpPr>
+          <p:nvPr>
+            <p:ph idx="1"/>
+          </p:nvPr>
+        </p:nvSpPr>
+        <p:spPr/>
+        <p:txBody>
+          <a:bodyPr/>
+          <a:lstStyle/>
+          <a:p>
+            <a:endParaRPr lang="nl-NL"/>
+          </a:p>
+        </p:txBody>
+      </p:sp>
+      <p:sp>
+        <p:nvSpPr>
           <p:cNvPr id="2" name="Title 1"/>
           <p:cNvSpPr>
             <a:spLocks noGrp="1"/>
@@ -52323,6 +52508,31 @@
       </p:grpSpPr>
       <p:sp>
         <p:nvSpPr>
+          <p:cNvPr id="3" name="Content Placeholder 2">
+            <a:extLst>
+              <a:ext uri="{FF2B5EF4-FFF2-40B4-BE49-F238E27FC236}">
+                <a16:creationId xmlns:a16="http://schemas.microsoft.com/office/drawing/2014/main" id="{DACD56F1-CE25-4B43-A2EC-4D242988C20C}"/>
+              </a:ext>
+            </a:extLst>
+          </p:cNvPr>
+          <p:cNvSpPr>
+            <a:spLocks noGrp="1"/>
+          </p:cNvSpPr>
+          <p:nvPr>
+            <p:ph idx="1"/>
+          </p:nvPr>
+        </p:nvSpPr>
+        <p:spPr/>
+        <p:txBody>
+          <a:bodyPr/>
+          <a:lstStyle/>
+          <a:p>
+            <a:endParaRPr lang="nl-NL"/>
+          </a:p>
+        </p:txBody>
+      </p:sp>
+      <p:sp>
+        <p:nvSpPr>
           <p:cNvPr id="2" name="Title 1"/>
           <p:cNvSpPr>
             <a:spLocks noGrp="1"/>
@@ -52661,6 +52871,38 @@
       </p:grpSpPr>
       <p:sp>
         <p:nvSpPr>
+          <p:cNvPr id="3" name="Text Placeholder 2"/>
+          <p:cNvSpPr>
+            <a:spLocks noGrp="1"/>
+          </p:cNvSpPr>
+          <p:nvPr>
+            <p:ph idx="1"/>
+          </p:nvPr>
+        </p:nvSpPr>
+        <p:spPr/>
+        <p:txBody>
+          <a:bodyPr>
+            <a:normAutofit/>
+          </a:bodyPr>
+          <a:lstStyle/>
+          <a:p>
+            <a:r>
+              <a:rPr lang="en-US" sz="2000" dirty="0" err="1"/>
+              <a:t>WebApplication</a:t>
+            </a:r>
+            <a:endParaRPr lang="en-US" sz="2000" dirty="0"/>
+          </a:p>
+          <a:p>
+            <a:r>
+              <a:rPr lang="en-US" sz="2000" dirty="0"/>
+              <a:t>Configuring Middleware
+Configuring Services</a:t>
+            </a:r>
+          </a:p>
+        </p:txBody>
+      </p:sp>
+      <p:sp>
+        <p:nvSpPr>
           <p:cNvPr id="2" name="Title 1"/>
           <p:cNvSpPr>
             <a:spLocks noGrp="1"/>
@@ -52677,38 +52919,6 @@
             <a:r>
               <a:rPr lang="en-US" sz="2400" dirty="0"/>
               <a:t>Module Overview</a:t>
-            </a:r>
-          </a:p>
-        </p:txBody>
-      </p:sp>
-      <p:sp>
-        <p:nvSpPr>
-          <p:cNvPr id="3" name="Text Placeholder 2"/>
-          <p:cNvSpPr>
-            <a:spLocks noGrp="1"/>
-          </p:cNvSpPr>
-          <p:nvPr>
-            <p:ph type="body" idx="1"/>
-          </p:nvPr>
-        </p:nvSpPr>
-        <p:spPr/>
-        <p:txBody>
-          <a:bodyPr>
-            <a:normAutofit/>
-          </a:bodyPr>
-          <a:lstStyle/>
-          <a:p>
-            <a:r>
-              <a:rPr lang="en-US" sz="2000" dirty="0" err="1"/>
-              <a:t>WebApplication</a:t>
-            </a:r>
-            <a:endParaRPr lang="en-US" sz="2000" dirty="0"/>
-          </a:p>
-          <a:p>
-            <a:r>
-              <a:rPr lang="en-US" sz="2000" dirty="0"/>
-              <a:t>Configuring Middleware
-Configuring Services</a:t>
             </a:r>
           </a:p>
         </p:txBody>
@@ -52745,6 +52955,31 @@
       </p:grpSpPr>
       <p:sp>
         <p:nvSpPr>
+          <p:cNvPr id="3" name="Content Placeholder 2">
+            <a:extLst>
+              <a:ext uri="{FF2B5EF4-FFF2-40B4-BE49-F238E27FC236}">
+                <a16:creationId xmlns:a16="http://schemas.microsoft.com/office/drawing/2014/main" id="{3CE2AF88-0156-4960-A328-C9429129E4B6}"/>
+              </a:ext>
+            </a:extLst>
+          </p:cNvPr>
+          <p:cNvSpPr>
+            <a:spLocks noGrp="1"/>
+          </p:cNvSpPr>
+          <p:nvPr>
+            <p:ph idx="1"/>
+          </p:nvPr>
+        </p:nvSpPr>
+        <p:spPr/>
+        <p:txBody>
+          <a:bodyPr/>
+          <a:lstStyle/>
+          <a:p>
+            <a:endParaRPr lang="nl-NL"/>
+          </a:p>
+        </p:txBody>
+      </p:sp>
+      <p:sp>
+        <p:nvSpPr>
           <p:cNvPr id="2" name="Title 1"/>
           <p:cNvSpPr>
             <a:spLocks noGrp="1"/>
@@ -53090,6 +53325,38 @@
       </p:grpSpPr>
       <p:sp>
         <p:nvSpPr>
+          <p:cNvPr id="3" name="Text Placeholder 2"/>
+          <p:cNvSpPr>
+            <a:spLocks noGrp="1"/>
+          </p:cNvSpPr>
+          <p:nvPr>
+            <p:ph idx="1"/>
+          </p:nvPr>
+        </p:nvSpPr>
+        <p:spPr/>
+        <p:txBody>
+          <a:bodyPr>
+            <a:normAutofit/>
+          </a:bodyPr>
+          <a:lstStyle/>
+          <a:p>
+            <a:r>
+              <a:rPr lang="en-US" sz="2000" dirty="0"/>
+              <a:t>Exercise 1: Working with Static Files
+Exercise 2: Creating Custom Middleware
+Exercise 3: Using Dependency Injection
+Exercise 4: Injecting a Service to a </a:t>
+            </a:r>
+            <a:r>
+              <a:rPr lang="en-US" sz="2000" dirty="0" err="1"/>
+              <a:t>PageModel</a:t>
+            </a:r>
+            <a:endParaRPr lang="en-US" sz="2000" dirty="0"/>
+          </a:p>
+        </p:txBody>
+      </p:sp>
+      <p:sp>
+        <p:nvSpPr>
           <p:cNvPr id="2" name="Title 1"/>
           <p:cNvSpPr>
             <a:spLocks noGrp="1"/>
@@ -53107,38 +53374,6 @@
               <a:rPr lang="en-US" sz="2400" dirty="0"/>
               <a:t>Lab: Configuring Middleware and Services in ASP.NET Core</a:t>
             </a:r>
-          </a:p>
-        </p:txBody>
-      </p:sp>
-      <p:sp>
-        <p:nvSpPr>
-          <p:cNvPr id="3" name="Text Placeholder 2"/>
-          <p:cNvSpPr>
-            <a:spLocks noGrp="1"/>
-          </p:cNvSpPr>
-          <p:nvPr>
-            <p:ph type="body" idx="1"/>
-          </p:nvPr>
-        </p:nvSpPr>
-        <p:spPr/>
-        <p:txBody>
-          <a:bodyPr>
-            <a:normAutofit/>
-          </a:bodyPr>
-          <a:lstStyle/>
-          <a:p>
-            <a:r>
-              <a:rPr lang="en-US" sz="2000" dirty="0"/>
-              <a:t>Exercise 1: Working with Static Files
-Exercise 2: Creating Custom Middleware
-Exercise 3: Using Dependency Injection
-Exercise 4: Injecting a Service to a </a:t>
-            </a:r>
-            <a:r>
-              <a:rPr lang="en-US" sz="2000" dirty="0" err="1"/>
-              <a:t>PageModel</a:t>
-            </a:r>
-            <a:endParaRPr lang="en-US" sz="2000" dirty="0"/>
           </a:p>
         </p:txBody>
       </p:sp>
@@ -53205,7 +53440,38 @@
       </p:grpSpPr>
       <p:sp>
         <p:nvSpPr>
-          <p:cNvPr id="2" name="Title 1"/>
+          <p:cNvPr id="5" name="Content Placeholder 4">
+            <a:extLst>
+              <a:ext uri="{FF2B5EF4-FFF2-40B4-BE49-F238E27FC236}">
+                <a16:creationId xmlns:a16="http://schemas.microsoft.com/office/drawing/2014/main" id="{85C31491-77E8-41B0-B7E7-001E4EC30524}"/>
+              </a:ext>
+            </a:extLst>
+          </p:cNvPr>
+          <p:cNvSpPr>
+            <a:spLocks noGrp="1"/>
+          </p:cNvSpPr>
+          <p:nvPr>
+            <p:ph idx="1"/>
+          </p:nvPr>
+        </p:nvSpPr>
+        <p:spPr/>
+        <p:txBody>
+          <a:bodyPr/>
+          <a:lstStyle/>
+          <a:p>
+            <a:endParaRPr lang="nl-NL"/>
+          </a:p>
+        </p:txBody>
+      </p:sp>
+      <p:sp>
+        <p:nvSpPr>
+          <p:cNvPr id="4" name="Title 3">
+            <a:extLst>
+              <a:ext uri="{FF2B5EF4-FFF2-40B4-BE49-F238E27FC236}">
+                <a16:creationId xmlns:a16="http://schemas.microsoft.com/office/drawing/2014/main" id="{7F5EAF1B-00F9-47C9-82D0-A33E97EDE696}"/>
+              </a:ext>
+            </a:extLst>
+          </p:cNvPr>
           <p:cNvSpPr>
             <a:spLocks noGrp="1"/>
           </p:cNvSpPr>
@@ -53218,26 +53484,7 @@
           <a:bodyPr/>
           <a:lstStyle/>
           <a:p>
-            <a:endParaRPr lang="en-US"/>
-          </a:p>
-        </p:txBody>
-      </p:sp>
-      <p:sp>
-        <p:nvSpPr>
-          <p:cNvPr id="3" name="Text Placeholder 2"/>
-          <p:cNvSpPr>
-            <a:spLocks noGrp="1"/>
-          </p:cNvSpPr>
-          <p:nvPr>
-            <p:ph type="body" idx="1"/>
-          </p:nvPr>
-        </p:nvSpPr>
-        <p:spPr/>
-        <p:txBody>
-          <a:bodyPr/>
-          <a:lstStyle/>
-          <a:p>
-            <a:endParaRPr lang="en-US"/>
+            <a:endParaRPr lang="nl-NL"/>
           </a:p>
         </p:txBody>
       </p:sp>
@@ -53273,6 +53520,31 @@
       </p:grpSpPr>
       <p:sp>
         <p:nvSpPr>
+          <p:cNvPr id="3" name="Content Placeholder 2">
+            <a:extLst>
+              <a:ext uri="{FF2B5EF4-FFF2-40B4-BE49-F238E27FC236}">
+                <a16:creationId xmlns:a16="http://schemas.microsoft.com/office/drawing/2014/main" id="{3C8D260C-6837-4EDA-B9CF-A28459EAB097}"/>
+              </a:ext>
+            </a:extLst>
+          </p:cNvPr>
+          <p:cNvSpPr>
+            <a:spLocks noGrp="1"/>
+          </p:cNvSpPr>
+          <p:nvPr>
+            <p:ph idx="1"/>
+          </p:nvPr>
+        </p:nvSpPr>
+        <p:spPr/>
+        <p:txBody>
+          <a:bodyPr/>
+          <a:lstStyle/>
+          <a:p>
+            <a:endParaRPr lang="nl-NL"/>
+          </a:p>
+        </p:txBody>
+      </p:sp>
+      <p:sp>
+        <p:nvSpPr>
           <p:cNvPr id="2" name="Title 1"/>
           <p:cNvSpPr>
             <a:spLocks noGrp="1"/>
@@ -53413,6 +53685,80 @@
       </p:grpSpPr>
       <p:sp>
         <p:nvSpPr>
+          <p:cNvPr id="3" name="Text Placeholder 2"/>
+          <p:cNvSpPr>
+            <a:spLocks noGrp="1"/>
+          </p:cNvSpPr>
+          <p:nvPr>
+            <p:ph idx="1"/>
+          </p:nvPr>
+        </p:nvSpPr>
+        <p:spPr/>
+        <p:txBody>
+          <a:bodyPr>
+            <a:normAutofit/>
+          </a:bodyPr>
+          <a:lstStyle/>
+          <a:p>
+            <a:r>
+              <a:rPr lang="en-US" sz="2000" dirty="0"/>
+              <a:t>What is the difference between </a:t>
+            </a:r>
+            <a:r>
+              <a:rPr lang="en-US" sz="2000" dirty="0" err="1"/>
+              <a:t>app.Use</a:t>
+            </a:r>
+            <a:r>
+              <a:rPr lang="en-US" sz="2000" dirty="0"/>
+              <a:t> and </a:t>
+            </a:r>
+            <a:r>
+              <a:rPr lang="en-US" sz="2000" dirty="0" err="1"/>
+              <a:t>app.Run</a:t>
+            </a:r>
+            <a:r>
+              <a:rPr lang="en-US" sz="2000" dirty="0"/>
+              <a:t>?
+What will change when you update the service from </a:t>
+            </a:r>
+            <a:r>
+              <a:rPr lang="en-US" sz="2000" dirty="0" err="1"/>
+              <a:t>AddSingleton</a:t>
+            </a:r>
+            <a:r>
+              <a:rPr lang="en-US" sz="2000" dirty="0"/>
+              <a:t> to </a:t>
+            </a:r>
+            <a:r>
+              <a:rPr lang="en-US" sz="2000" dirty="0" err="1"/>
+              <a:t>AddScoped</a:t>
+            </a:r>
+            <a:r>
+              <a:rPr lang="en-US" sz="2000" dirty="0"/>
+              <a:t>, or to </a:t>
+            </a:r>
+            <a:r>
+              <a:rPr lang="en-US" sz="2000" dirty="0" err="1"/>
+              <a:t>AddTransient</a:t>
+            </a:r>
+            <a:r>
+              <a:rPr lang="en-US" sz="2000" dirty="0"/>
+              <a:t>?
+What happens to the </a:t>
+            </a:r>
+            <a:r>
+              <a:rPr lang="en-US" sz="2000" dirty="0" err="1"/>
+              <a:t>UseStaticFiles</a:t>
+            </a:r>
+            <a:r>
+              <a:rPr lang="en-US" sz="2000" dirty="0"/>
+              <a:t> middleware when the browser is directed to a path where no static file is found?</a:t>
+            </a:r>
+          </a:p>
+        </p:txBody>
+      </p:sp>
+      <p:sp>
+        <p:nvSpPr>
           <p:cNvPr id="2" name="Title 1"/>
           <p:cNvSpPr>
             <a:spLocks noGrp="1"/>
@@ -53429,80 +53775,6 @@
             <a:r>
               <a:rPr lang="en-US" sz="2400"/>
               <a:t>Lab Review</a:t>
-            </a:r>
-          </a:p>
-        </p:txBody>
-      </p:sp>
-      <p:sp>
-        <p:nvSpPr>
-          <p:cNvPr id="3" name="Text Placeholder 2"/>
-          <p:cNvSpPr>
-            <a:spLocks noGrp="1"/>
-          </p:cNvSpPr>
-          <p:nvPr>
-            <p:ph type="body" idx="1"/>
-          </p:nvPr>
-        </p:nvSpPr>
-        <p:spPr/>
-        <p:txBody>
-          <a:bodyPr>
-            <a:normAutofit/>
-          </a:bodyPr>
-          <a:lstStyle/>
-          <a:p>
-            <a:r>
-              <a:rPr lang="en-US" sz="2000" dirty="0"/>
-              <a:t>What is the difference between </a:t>
-            </a:r>
-            <a:r>
-              <a:rPr lang="en-US" sz="2000" dirty="0" err="1"/>
-              <a:t>app.Use</a:t>
-            </a:r>
-            <a:r>
-              <a:rPr lang="en-US" sz="2000" dirty="0"/>
-              <a:t> and </a:t>
-            </a:r>
-            <a:r>
-              <a:rPr lang="en-US" sz="2000" dirty="0" err="1"/>
-              <a:t>app.Run</a:t>
-            </a:r>
-            <a:r>
-              <a:rPr lang="en-US" sz="2000" dirty="0"/>
-              <a:t>?
-What will change when you update the service from </a:t>
-            </a:r>
-            <a:r>
-              <a:rPr lang="en-US" sz="2000" dirty="0" err="1"/>
-              <a:t>AddSingleton</a:t>
-            </a:r>
-            <a:r>
-              <a:rPr lang="en-US" sz="2000" dirty="0"/>
-              <a:t> to </a:t>
-            </a:r>
-            <a:r>
-              <a:rPr lang="en-US" sz="2000" dirty="0" err="1"/>
-              <a:t>AddScoped</a:t>
-            </a:r>
-            <a:r>
-              <a:rPr lang="en-US" sz="2000" dirty="0"/>
-              <a:t>, or to </a:t>
-            </a:r>
-            <a:r>
-              <a:rPr lang="en-US" sz="2000" dirty="0" err="1"/>
-              <a:t>AddTransient</a:t>
-            </a:r>
-            <a:r>
-              <a:rPr lang="en-US" sz="2000" dirty="0"/>
-              <a:t>?
-What happens to the </a:t>
-            </a:r>
-            <a:r>
-              <a:rPr lang="en-US" sz="2000" dirty="0" err="1"/>
-              <a:t>UseStaticFiles</a:t>
-            </a:r>
-            <a:r>
-              <a:rPr lang="en-US" sz="2000" dirty="0"/>
-              <a:t> middleware when the browser is directed to a path where no static file is found?</a:t>
             </a:r>
           </a:p>
         </p:txBody>
@@ -53539,6 +53811,32 @@
       </p:grpSpPr>
       <p:sp>
         <p:nvSpPr>
+          <p:cNvPr id="3" name="Text Placeholder 2"/>
+          <p:cNvSpPr>
+            <a:spLocks noGrp="1"/>
+          </p:cNvSpPr>
+          <p:nvPr>
+            <p:ph idx="1"/>
+          </p:nvPr>
+        </p:nvSpPr>
+        <p:spPr/>
+        <p:txBody>
+          <a:bodyPr>
+            <a:normAutofit/>
+          </a:bodyPr>
+          <a:lstStyle/>
+          <a:p>
+            <a:r>
+              <a:rPr lang="en-US" sz="2000" dirty="0"/>
+              <a:t>Review Question
+Best Practice
+Common Issues and Troubleshooting Tips</a:t>
+            </a:r>
+          </a:p>
+        </p:txBody>
+      </p:sp>
+      <p:sp>
+        <p:nvSpPr>
           <p:cNvPr id="2" name="Title 1"/>
           <p:cNvSpPr>
             <a:spLocks noGrp="1"/>
@@ -53555,32 +53853,6 @@
             <a:r>
               <a:rPr lang="en-US" sz="2400" dirty="0"/>
               <a:t>Module Review and Takeaways</a:t>
-            </a:r>
-          </a:p>
-        </p:txBody>
-      </p:sp>
-      <p:sp>
-        <p:nvSpPr>
-          <p:cNvPr id="3" name="Text Placeholder 2"/>
-          <p:cNvSpPr>
-            <a:spLocks noGrp="1"/>
-          </p:cNvSpPr>
-          <p:nvPr>
-            <p:ph type="body" idx="1"/>
-          </p:nvPr>
-        </p:nvSpPr>
-        <p:spPr/>
-        <p:txBody>
-          <a:bodyPr>
-            <a:normAutofit/>
-          </a:bodyPr>
-          <a:lstStyle/>
-          <a:p>
-            <a:r>
-              <a:rPr lang="en-US" sz="2000" dirty="0"/>
-              <a:t>Review Question
-Best Practice
-Common Issues and Troubleshooting Tips</a:t>
             </a:r>
           </a:p>
         </p:txBody>
@@ -53617,7 +53889,38 @@
       </p:grpSpPr>
       <p:sp>
         <p:nvSpPr>
-          <p:cNvPr id="2" name="Title 1"/>
+          <p:cNvPr id="5" name="Content Placeholder 4">
+            <a:extLst>
+              <a:ext uri="{FF2B5EF4-FFF2-40B4-BE49-F238E27FC236}">
+                <a16:creationId xmlns:a16="http://schemas.microsoft.com/office/drawing/2014/main" id="{468B466E-1060-47DA-8970-7A4C55ECED70}"/>
+              </a:ext>
+            </a:extLst>
+          </p:cNvPr>
+          <p:cNvSpPr>
+            <a:spLocks noGrp="1"/>
+          </p:cNvSpPr>
+          <p:nvPr>
+            <p:ph idx="1"/>
+          </p:nvPr>
+        </p:nvSpPr>
+        <p:spPr/>
+        <p:txBody>
+          <a:bodyPr/>
+          <a:lstStyle/>
+          <a:p>
+            <a:endParaRPr lang="nl-NL"/>
+          </a:p>
+        </p:txBody>
+      </p:sp>
+      <p:sp>
+        <p:nvSpPr>
+          <p:cNvPr id="4" name="Title 3">
+            <a:extLst>
+              <a:ext uri="{FF2B5EF4-FFF2-40B4-BE49-F238E27FC236}">
+                <a16:creationId xmlns:a16="http://schemas.microsoft.com/office/drawing/2014/main" id="{E14C0BAE-186A-4AAF-9EAA-098D3C4A7FFA}"/>
+              </a:ext>
+            </a:extLst>
+          </p:cNvPr>
           <p:cNvSpPr>
             <a:spLocks noGrp="1"/>
           </p:cNvSpPr>
@@ -53630,26 +53933,7 @@
           <a:bodyPr/>
           <a:lstStyle/>
           <a:p>
-            <a:endParaRPr lang="en-US"/>
-          </a:p>
-        </p:txBody>
-      </p:sp>
-      <p:sp>
-        <p:nvSpPr>
-          <p:cNvPr id="3" name="Text Placeholder 2"/>
-          <p:cNvSpPr>
-            <a:spLocks noGrp="1"/>
-          </p:cNvSpPr>
-          <p:nvPr>
-            <p:ph type="body" idx="1"/>
-          </p:nvPr>
-        </p:nvSpPr>
-        <p:spPr/>
-        <p:txBody>
-          <a:bodyPr/>
-          <a:lstStyle/>
-          <a:p>
-            <a:endParaRPr lang="en-US"/>
+            <a:endParaRPr lang="nl-NL"/>
           </a:p>
         </p:txBody>
       </p:sp>
@@ -53685,6 +53969,356 @@
       </p:grpSpPr>
       <p:sp>
         <p:nvSpPr>
+          <p:cNvPr id="3" name="Text Placeholder 2">
+            <a:extLst>
+              <a:ext uri="{FF2B5EF4-FFF2-40B4-BE49-F238E27FC236}">
+                <a16:creationId xmlns:a16="http://schemas.microsoft.com/office/drawing/2014/main" id="{52574CE8-F689-4EF6-96C3-648350A1F9BD}"/>
+              </a:ext>
+            </a:extLst>
+          </p:cNvPr>
+          <p:cNvSpPr>
+            <a:spLocks noGrp="1"/>
+          </p:cNvSpPr>
+          <p:nvPr>
+            <p:ph idx="1"/>
+          </p:nvPr>
+        </p:nvSpPr>
+        <p:spPr/>
+        <p:txBody>
+          <a:bodyPr>
+            <a:normAutofit fontScale="92500" lnSpcReduction="20000"/>
+          </a:bodyPr>
+          <a:lstStyle/>
+          <a:p>
+            <a:pPr marL="0" indent="0">
+              <a:buNone/>
+            </a:pPr>
+            <a:r>
+              <a:rPr lang="en-US" sz="2000" dirty="0">
+                <a:latin typeface="Consolas" panose="020B0609020204030204" pitchFamily="49" charset="0"/>
+              </a:rPr>
+              <a:t>var builder = </a:t>
+            </a:r>
+            <a:r>
+              <a:rPr lang="en-US" sz="2000" dirty="0" err="1">
+                <a:latin typeface="Consolas" panose="020B0609020204030204" pitchFamily="49" charset="0"/>
+              </a:rPr>
+              <a:t>WebApplication.CreateBuilder</a:t>
+            </a:r>
+            <a:r>
+              <a:rPr lang="en-US" sz="2000" dirty="0">
+                <a:latin typeface="Consolas" panose="020B0609020204030204" pitchFamily="49" charset="0"/>
+              </a:rPr>
+              <a:t>(</a:t>
+            </a:r>
+            <a:r>
+              <a:rPr lang="en-US" sz="2000" dirty="0" err="1">
+                <a:latin typeface="Consolas" panose="020B0609020204030204" pitchFamily="49" charset="0"/>
+              </a:rPr>
+              <a:t>args</a:t>
+            </a:r>
+            <a:r>
+              <a:rPr lang="en-US" sz="2000" dirty="0">
+                <a:latin typeface="Consolas" panose="020B0609020204030204" pitchFamily="49" charset="0"/>
+              </a:rPr>
+              <a:t>);</a:t>
+            </a:r>
+            <a:endParaRPr lang="nl-NL" sz="2000" dirty="0">
+              <a:latin typeface="Consolas" panose="020B0609020204030204" pitchFamily="49" charset="0"/>
+            </a:endParaRPr>
+          </a:p>
+          <a:p>
+            <a:endParaRPr lang="nl-NL" sz="2000" dirty="0"/>
+          </a:p>
+          <a:p>
+            <a:r>
+              <a:rPr lang="nl-NL" sz="2100" b="1" dirty="0" err="1"/>
+              <a:t>WebApplicationBuilder</a:t>
+            </a:r>
+            <a:r>
+              <a:rPr lang="nl-NL" sz="2100" dirty="0"/>
+              <a:t> is </a:t>
+            </a:r>
+            <a:r>
+              <a:rPr lang="nl-NL" sz="2100" dirty="0" err="1"/>
+              <a:t>responsible</a:t>
+            </a:r>
+            <a:r>
+              <a:rPr lang="nl-NL" sz="2100" dirty="0"/>
+              <a:t> </a:t>
+            </a:r>
+            <a:r>
+              <a:rPr lang="nl-NL" sz="2100" dirty="0" err="1"/>
+              <a:t>for</a:t>
+            </a:r>
+            <a:r>
+              <a:rPr lang="nl-NL" sz="2100" dirty="0"/>
+              <a:t> 4 </a:t>
+            </a:r>
+            <a:r>
+              <a:rPr lang="nl-NL" sz="2100" dirty="0" err="1"/>
+              <a:t>main</a:t>
+            </a:r>
+            <a:r>
+              <a:rPr lang="nl-NL" sz="2100" dirty="0"/>
+              <a:t> </a:t>
+            </a:r>
+            <a:r>
+              <a:rPr lang="nl-NL" sz="2100" dirty="0" err="1"/>
+              <a:t>things</a:t>
+            </a:r>
+            <a:r>
+              <a:rPr lang="nl-NL" sz="2100" dirty="0"/>
+              <a:t>:</a:t>
+            </a:r>
+          </a:p>
+          <a:p>
+            <a:pPr lvl="1"/>
+            <a:r>
+              <a:rPr lang="nl-NL" sz="2100" dirty="0" err="1"/>
+              <a:t>Adding</a:t>
+            </a:r>
+            <a:r>
+              <a:rPr lang="nl-NL" sz="2100" dirty="0"/>
+              <a:t> </a:t>
+            </a:r>
+            <a:r>
+              <a:rPr lang="nl-NL" sz="2100" dirty="0" err="1"/>
+              <a:t>Configuration</a:t>
+            </a:r>
+            <a:r>
+              <a:rPr lang="nl-NL" sz="2100" dirty="0"/>
+              <a:t> </a:t>
+            </a:r>
+            <a:r>
+              <a:rPr lang="nl-NL" sz="2100" dirty="0" err="1"/>
+              <a:t>using</a:t>
+            </a:r>
+            <a:r>
+              <a:rPr lang="nl-NL" sz="2100" dirty="0"/>
+              <a:t> </a:t>
+            </a:r>
+            <a:r>
+              <a:rPr lang="nl-NL" sz="2100" dirty="0" err="1"/>
+              <a:t>builder.</a:t>
+            </a:r>
+            <a:r>
+              <a:rPr lang="nl-NL" sz="2100" b="1" dirty="0" err="1"/>
+              <a:t>Configuration</a:t>
+            </a:r>
+            <a:r>
+              <a:rPr lang="nl-NL" sz="2100" dirty="0"/>
+              <a:t>.</a:t>
+            </a:r>
+          </a:p>
+          <a:p>
+            <a:pPr lvl="1"/>
+            <a:r>
+              <a:rPr lang="nl-NL" sz="2100" dirty="0" err="1"/>
+              <a:t>Adding</a:t>
+            </a:r>
+            <a:r>
+              <a:rPr lang="nl-NL" sz="2100" dirty="0"/>
+              <a:t> Services </a:t>
+            </a:r>
+            <a:r>
+              <a:rPr lang="nl-NL" sz="2100" dirty="0" err="1"/>
+              <a:t>using</a:t>
+            </a:r>
+            <a:r>
+              <a:rPr lang="nl-NL" sz="2100" dirty="0"/>
+              <a:t> </a:t>
+            </a:r>
+            <a:r>
+              <a:rPr lang="nl-NL" sz="2100" dirty="0" err="1"/>
+              <a:t>builder.</a:t>
+            </a:r>
+            <a:r>
+              <a:rPr lang="nl-NL" sz="2100" b="1" dirty="0" err="1"/>
+              <a:t>Services</a:t>
+            </a:r>
+            <a:endParaRPr lang="nl-NL" sz="2100" b="1" dirty="0"/>
+          </a:p>
+          <a:p>
+            <a:pPr lvl="1"/>
+            <a:r>
+              <a:rPr lang="nl-NL" sz="2100" dirty="0" err="1"/>
+              <a:t>Configure</a:t>
+            </a:r>
+            <a:r>
+              <a:rPr lang="nl-NL" sz="2100" dirty="0"/>
+              <a:t> </a:t>
+            </a:r>
+            <a:r>
+              <a:rPr lang="nl-NL" sz="2100" dirty="0" err="1"/>
+              <a:t>Logging</a:t>
+            </a:r>
+            <a:r>
+              <a:rPr lang="nl-NL" sz="2100" dirty="0"/>
+              <a:t> </a:t>
+            </a:r>
+            <a:r>
+              <a:rPr lang="nl-NL" sz="2100" dirty="0" err="1"/>
+              <a:t>using</a:t>
+            </a:r>
+            <a:r>
+              <a:rPr lang="nl-NL" sz="2100" dirty="0"/>
+              <a:t> </a:t>
+            </a:r>
+            <a:r>
+              <a:rPr lang="nl-NL" sz="2100" dirty="0" err="1"/>
+              <a:t>builder.</a:t>
+            </a:r>
+            <a:r>
+              <a:rPr lang="nl-NL" sz="2100" b="1" dirty="0" err="1"/>
+              <a:t>Logging</a:t>
+            </a:r>
+            <a:endParaRPr lang="nl-NL" sz="2100" b="1" dirty="0"/>
+          </a:p>
+          <a:p>
+            <a:pPr lvl="1"/>
+            <a:r>
+              <a:rPr lang="nl-NL" sz="2100" dirty="0"/>
+              <a:t>General </a:t>
+            </a:r>
+            <a:r>
+              <a:rPr lang="nl-NL" sz="2100" b="1" dirty="0" err="1"/>
+              <a:t>IHostBuilder</a:t>
+            </a:r>
+            <a:r>
+              <a:rPr lang="nl-NL" sz="2100" dirty="0"/>
+              <a:t> </a:t>
+            </a:r>
+            <a:r>
+              <a:rPr lang="nl-NL" sz="2100" dirty="0" err="1"/>
+              <a:t>and</a:t>
+            </a:r>
+            <a:r>
+              <a:rPr lang="nl-NL" sz="2100" dirty="0"/>
+              <a:t> </a:t>
+            </a:r>
+            <a:r>
+              <a:rPr lang="nl-NL" sz="2100" b="1" dirty="0" err="1"/>
+              <a:t>IWebHostBuilder</a:t>
+            </a:r>
+            <a:r>
+              <a:rPr lang="nl-NL" sz="2100" dirty="0"/>
+              <a:t> </a:t>
+            </a:r>
+            <a:r>
+              <a:rPr lang="nl-NL" sz="2100" dirty="0" err="1"/>
+              <a:t>configuration</a:t>
+            </a:r>
+            <a:endParaRPr lang="nl-NL" sz="2100" dirty="0"/>
+          </a:p>
+          <a:p>
+            <a:pPr lvl="1"/>
+            <a:endParaRPr lang="en-US" sz="1600" dirty="0"/>
+          </a:p>
+          <a:p>
+            <a:pPr marL="106313" lvl="1">
+              <a:buFont typeface="Arial" panose="020B0604020202020204" pitchFamily="34" charset="0"/>
+              <a:buChar char="•"/>
+            </a:pPr>
+            <a:r>
+              <a:rPr lang="nl-NL" sz="2000" dirty="0">
+                <a:latin typeface="Consolas" panose="020B0609020204030204" pitchFamily="49" charset="0"/>
+              </a:rPr>
+              <a:t>var app = </a:t>
+            </a:r>
+            <a:r>
+              <a:rPr lang="nl-NL" sz="2000" dirty="0" err="1">
+                <a:latin typeface="Consolas" panose="020B0609020204030204" pitchFamily="49" charset="0"/>
+              </a:rPr>
+              <a:t>builder.Build</a:t>
+            </a:r>
+            <a:r>
+              <a:rPr lang="nl-NL" sz="2000" dirty="0">
+                <a:latin typeface="Consolas" panose="020B0609020204030204" pitchFamily="49" charset="0"/>
+              </a:rPr>
+              <a:t>();</a:t>
+            </a:r>
+          </a:p>
+          <a:p>
+            <a:pPr marL="106313" lvl="1">
+              <a:buFont typeface="Arial" panose="020B0604020202020204" pitchFamily="34" charset="0"/>
+              <a:buChar char="•"/>
+            </a:pPr>
+            <a:endParaRPr lang="nl-NL" sz="2000" dirty="0">
+              <a:latin typeface="Consolas" panose="020B0609020204030204" pitchFamily="49" charset="0"/>
+            </a:endParaRPr>
+          </a:p>
+          <a:p>
+            <a:pPr marL="0" lvl="1" indent="0">
+              <a:buNone/>
+            </a:pPr>
+            <a:r>
+              <a:rPr lang="en-US" sz="2100" b="1" dirty="0" err="1"/>
+              <a:t>WebApplication</a:t>
+            </a:r>
+            <a:r>
+              <a:rPr lang="en-US" sz="2100" dirty="0"/>
+              <a:t> implements multiple different interfaces:</a:t>
+            </a:r>
+          </a:p>
+          <a:p>
+            <a:pPr marL="449213" lvl="2" indent="-342900"/>
+            <a:r>
+              <a:rPr lang="en-US" sz="2016" b="1" dirty="0" err="1"/>
+              <a:t>IHost</a:t>
+            </a:r>
+            <a:r>
+              <a:rPr lang="en-US" sz="2016" b="1" dirty="0"/>
+              <a:t> </a:t>
+            </a:r>
+            <a:r>
+              <a:rPr lang="en-US" sz="2016" dirty="0"/>
+              <a:t>- used to start and stop the host</a:t>
+            </a:r>
+          </a:p>
+          <a:p>
+            <a:pPr marL="449213" lvl="2" indent="-342900"/>
+            <a:r>
+              <a:rPr lang="en-US" sz="2016" b="1" dirty="0" err="1"/>
+              <a:t>IApplicationBuilder</a:t>
+            </a:r>
+            <a:r>
+              <a:rPr lang="en-US" sz="2016" b="1" dirty="0"/>
+              <a:t> </a:t>
+            </a:r>
+            <a:r>
+              <a:rPr lang="en-US" sz="2016" dirty="0"/>
+              <a:t>- used to build the middleware pipeline</a:t>
+            </a:r>
+          </a:p>
+          <a:p>
+            <a:pPr marL="449213" lvl="2" indent="-342900"/>
+            <a:r>
+              <a:rPr lang="en-US" sz="2016" b="1" dirty="0" err="1"/>
+              <a:t>IEndpointRouteBuilder</a:t>
+            </a:r>
+            <a:r>
+              <a:rPr lang="en-US" sz="2016" b="1" dirty="0"/>
+              <a:t> </a:t>
+            </a:r>
+            <a:r>
+              <a:rPr lang="en-US" sz="2016" dirty="0"/>
+              <a:t>- used to add endpoints</a:t>
+            </a:r>
+          </a:p>
+          <a:p>
+            <a:pPr marL="106313" lvl="1">
+              <a:buFont typeface="Arial" panose="020B0604020202020204" pitchFamily="34" charset="0"/>
+              <a:buChar char="•"/>
+            </a:pPr>
+            <a:endParaRPr lang="nl-NL" sz="2000" dirty="0">
+              <a:latin typeface="Consolas" panose="020B0609020204030204" pitchFamily="49" charset="0"/>
+            </a:endParaRPr>
+          </a:p>
+        </p:txBody>
+      </p:sp>
+      <p:sp>
+        <p:nvSpPr>
           <p:cNvPr id="2" name="Title 1">
             <a:extLst>
               <a:ext uri="{FF2B5EF4-FFF2-40B4-BE49-F238E27FC236}">
@@ -53713,356 +54347,6 @@
               <a:t>WebApplication</a:t>
             </a:r>
             <a:endParaRPr lang="nl-NL" sz="2400" dirty="0"/>
-          </a:p>
-        </p:txBody>
-      </p:sp>
-      <p:sp>
-        <p:nvSpPr>
-          <p:cNvPr id="3" name="Text Placeholder 2">
-            <a:extLst>
-              <a:ext uri="{FF2B5EF4-FFF2-40B4-BE49-F238E27FC236}">
-                <a16:creationId xmlns:a16="http://schemas.microsoft.com/office/drawing/2014/main" id="{52574CE8-F689-4EF6-96C3-648350A1F9BD}"/>
-              </a:ext>
-            </a:extLst>
-          </p:cNvPr>
-          <p:cNvSpPr>
-            <a:spLocks noGrp="1"/>
-          </p:cNvSpPr>
-          <p:nvPr>
-            <p:ph type="body" idx="1"/>
-          </p:nvPr>
-        </p:nvSpPr>
-        <p:spPr/>
-        <p:txBody>
-          <a:bodyPr>
-            <a:normAutofit fontScale="92500" lnSpcReduction="20000"/>
-          </a:bodyPr>
-          <a:lstStyle/>
-          <a:p>
-            <a:pPr marL="0" indent="0">
-              <a:buNone/>
-            </a:pPr>
-            <a:r>
-              <a:rPr lang="en-US" sz="2000" dirty="0">
-                <a:latin typeface="Consolas" panose="020B0609020204030204" pitchFamily="49" charset="0"/>
-              </a:rPr>
-              <a:t>var builder = </a:t>
-            </a:r>
-            <a:r>
-              <a:rPr lang="en-US" sz="2000" dirty="0" err="1">
-                <a:latin typeface="Consolas" panose="020B0609020204030204" pitchFamily="49" charset="0"/>
-              </a:rPr>
-              <a:t>WebApplication.CreateBuilder</a:t>
-            </a:r>
-            <a:r>
-              <a:rPr lang="en-US" sz="2000" dirty="0">
-                <a:latin typeface="Consolas" panose="020B0609020204030204" pitchFamily="49" charset="0"/>
-              </a:rPr>
-              <a:t>(</a:t>
-            </a:r>
-            <a:r>
-              <a:rPr lang="en-US" sz="2000" dirty="0" err="1">
-                <a:latin typeface="Consolas" panose="020B0609020204030204" pitchFamily="49" charset="0"/>
-              </a:rPr>
-              <a:t>args</a:t>
-            </a:r>
-            <a:r>
-              <a:rPr lang="en-US" sz="2000" dirty="0">
-                <a:latin typeface="Consolas" panose="020B0609020204030204" pitchFamily="49" charset="0"/>
-              </a:rPr>
-              <a:t>);</a:t>
-            </a:r>
-            <a:endParaRPr lang="nl-NL" sz="2000" dirty="0">
-              <a:latin typeface="Consolas" panose="020B0609020204030204" pitchFamily="49" charset="0"/>
-            </a:endParaRPr>
-          </a:p>
-          <a:p>
-            <a:endParaRPr lang="nl-NL" sz="2000" dirty="0"/>
-          </a:p>
-          <a:p>
-            <a:r>
-              <a:rPr lang="nl-NL" sz="2100" b="1" dirty="0" err="1"/>
-              <a:t>WebApplicationBuilder</a:t>
-            </a:r>
-            <a:r>
-              <a:rPr lang="nl-NL" sz="2100" dirty="0"/>
-              <a:t> is </a:t>
-            </a:r>
-            <a:r>
-              <a:rPr lang="nl-NL" sz="2100" dirty="0" err="1"/>
-              <a:t>responsible</a:t>
-            </a:r>
-            <a:r>
-              <a:rPr lang="nl-NL" sz="2100" dirty="0"/>
-              <a:t> </a:t>
-            </a:r>
-            <a:r>
-              <a:rPr lang="nl-NL" sz="2100" dirty="0" err="1"/>
-              <a:t>for</a:t>
-            </a:r>
-            <a:r>
-              <a:rPr lang="nl-NL" sz="2100" dirty="0"/>
-              <a:t> 4 </a:t>
-            </a:r>
-            <a:r>
-              <a:rPr lang="nl-NL" sz="2100" dirty="0" err="1"/>
-              <a:t>main</a:t>
-            </a:r>
-            <a:r>
-              <a:rPr lang="nl-NL" sz="2100" dirty="0"/>
-              <a:t> </a:t>
-            </a:r>
-            <a:r>
-              <a:rPr lang="nl-NL" sz="2100" dirty="0" err="1"/>
-              <a:t>things</a:t>
-            </a:r>
-            <a:r>
-              <a:rPr lang="nl-NL" sz="2100" dirty="0"/>
-              <a:t>:</a:t>
-            </a:r>
-          </a:p>
-          <a:p>
-            <a:pPr lvl="1"/>
-            <a:r>
-              <a:rPr lang="nl-NL" sz="2100" dirty="0" err="1"/>
-              <a:t>Adding</a:t>
-            </a:r>
-            <a:r>
-              <a:rPr lang="nl-NL" sz="2100" dirty="0"/>
-              <a:t> </a:t>
-            </a:r>
-            <a:r>
-              <a:rPr lang="nl-NL" sz="2100" dirty="0" err="1"/>
-              <a:t>Configuration</a:t>
-            </a:r>
-            <a:r>
-              <a:rPr lang="nl-NL" sz="2100" dirty="0"/>
-              <a:t> </a:t>
-            </a:r>
-            <a:r>
-              <a:rPr lang="nl-NL" sz="2100" dirty="0" err="1"/>
-              <a:t>using</a:t>
-            </a:r>
-            <a:r>
-              <a:rPr lang="nl-NL" sz="2100" dirty="0"/>
-              <a:t> </a:t>
-            </a:r>
-            <a:r>
-              <a:rPr lang="nl-NL" sz="2100" dirty="0" err="1"/>
-              <a:t>builder.</a:t>
-            </a:r>
-            <a:r>
-              <a:rPr lang="nl-NL" sz="2100" b="1" dirty="0" err="1"/>
-              <a:t>Configuration</a:t>
-            </a:r>
-            <a:r>
-              <a:rPr lang="nl-NL" sz="2100" dirty="0"/>
-              <a:t>.</a:t>
-            </a:r>
-          </a:p>
-          <a:p>
-            <a:pPr lvl="1"/>
-            <a:r>
-              <a:rPr lang="nl-NL" sz="2100" dirty="0" err="1"/>
-              <a:t>Adding</a:t>
-            </a:r>
-            <a:r>
-              <a:rPr lang="nl-NL" sz="2100" dirty="0"/>
-              <a:t> Services </a:t>
-            </a:r>
-            <a:r>
-              <a:rPr lang="nl-NL" sz="2100" dirty="0" err="1"/>
-              <a:t>using</a:t>
-            </a:r>
-            <a:r>
-              <a:rPr lang="nl-NL" sz="2100" dirty="0"/>
-              <a:t> </a:t>
-            </a:r>
-            <a:r>
-              <a:rPr lang="nl-NL" sz="2100" dirty="0" err="1"/>
-              <a:t>builder.</a:t>
-            </a:r>
-            <a:r>
-              <a:rPr lang="nl-NL" sz="2100" b="1" dirty="0" err="1"/>
-              <a:t>Services</a:t>
-            </a:r>
-            <a:endParaRPr lang="nl-NL" sz="2100" b="1" dirty="0"/>
-          </a:p>
-          <a:p>
-            <a:pPr lvl="1"/>
-            <a:r>
-              <a:rPr lang="nl-NL" sz="2100" dirty="0" err="1"/>
-              <a:t>Configure</a:t>
-            </a:r>
-            <a:r>
-              <a:rPr lang="nl-NL" sz="2100" dirty="0"/>
-              <a:t> </a:t>
-            </a:r>
-            <a:r>
-              <a:rPr lang="nl-NL" sz="2100" dirty="0" err="1"/>
-              <a:t>Logging</a:t>
-            </a:r>
-            <a:r>
-              <a:rPr lang="nl-NL" sz="2100" dirty="0"/>
-              <a:t> </a:t>
-            </a:r>
-            <a:r>
-              <a:rPr lang="nl-NL" sz="2100" dirty="0" err="1"/>
-              <a:t>using</a:t>
-            </a:r>
-            <a:r>
-              <a:rPr lang="nl-NL" sz="2100" dirty="0"/>
-              <a:t> </a:t>
-            </a:r>
-            <a:r>
-              <a:rPr lang="nl-NL" sz="2100" dirty="0" err="1"/>
-              <a:t>builder.</a:t>
-            </a:r>
-            <a:r>
-              <a:rPr lang="nl-NL" sz="2100" b="1" dirty="0" err="1"/>
-              <a:t>Logging</a:t>
-            </a:r>
-            <a:endParaRPr lang="nl-NL" sz="2100" b="1" dirty="0"/>
-          </a:p>
-          <a:p>
-            <a:pPr lvl="1"/>
-            <a:r>
-              <a:rPr lang="nl-NL" sz="2100" dirty="0"/>
-              <a:t>General </a:t>
-            </a:r>
-            <a:r>
-              <a:rPr lang="nl-NL" sz="2100" b="1" dirty="0" err="1"/>
-              <a:t>IHostBuilder</a:t>
-            </a:r>
-            <a:r>
-              <a:rPr lang="nl-NL" sz="2100" dirty="0"/>
-              <a:t> </a:t>
-            </a:r>
-            <a:r>
-              <a:rPr lang="nl-NL" sz="2100" dirty="0" err="1"/>
-              <a:t>and</a:t>
-            </a:r>
-            <a:r>
-              <a:rPr lang="nl-NL" sz="2100" dirty="0"/>
-              <a:t> </a:t>
-            </a:r>
-            <a:r>
-              <a:rPr lang="nl-NL" sz="2100" b="1" dirty="0" err="1"/>
-              <a:t>IWebHostBuilder</a:t>
-            </a:r>
-            <a:r>
-              <a:rPr lang="nl-NL" sz="2100" dirty="0"/>
-              <a:t> </a:t>
-            </a:r>
-            <a:r>
-              <a:rPr lang="nl-NL" sz="2100" dirty="0" err="1"/>
-              <a:t>configuration</a:t>
-            </a:r>
-            <a:endParaRPr lang="nl-NL" sz="2100" dirty="0"/>
-          </a:p>
-          <a:p>
-            <a:pPr lvl="1"/>
-            <a:endParaRPr lang="en-US" sz="1600" dirty="0"/>
-          </a:p>
-          <a:p>
-            <a:pPr marL="106313" lvl="1">
-              <a:buFont typeface="Arial" panose="020B0604020202020204" pitchFamily="34" charset="0"/>
-              <a:buChar char="•"/>
-            </a:pPr>
-            <a:r>
-              <a:rPr lang="nl-NL" sz="2000" dirty="0">
-                <a:latin typeface="Consolas" panose="020B0609020204030204" pitchFamily="49" charset="0"/>
-              </a:rPr>
-              <a:t>var app = </a:t>
-            </a:r>
-            <a:r>
-              <a:rPr lang="nl-NL" sz="2000" dirty="0" err="1">
-                <a:latin typeface="Consolas" panose="020B0609020204030204" pitchFamily="49" charset="0"/>
-              </a:rPr>
-              <a:t>builder.Build</a:t>
-            </a:r>
-            <a:r>
-              <a:rPr lang="nl-NL" sz="2000" dirty="0">
-                <a:latin typeface="Consolas" panose="020B0609020204030204" pitchFamily="49" charset="0"/>
-              </a:rPr>
-              <a:t>();</a:t>
-            </a:r>
-          </a:p>
-          <a:p>
-            <a:pPr marL="106313" lvl="1">
-              <a:buFont typeface="Arial" panose="020B0604020202020204" pitchFamily="34" charset="0"/>
-              <a:buChar char="•"/>
-            </a:pPr>
-            <a:endParaRPr lang="nl-NL" sz="2000" dirty="0">
-              <a:latin typeface="Consolas" panose="020B0609020204030204" pitchFamily="49" charset="0"/>
-            </a:endParaRPr>
-          </a:p>
-          <a:p>
-            <a:pPr marL="0" lvl="1" indent="0">
-              <a:buNone/>
-            </a:pPr>
-            <a:r>
-              <a:rPr lang="en-US" sz="2100" b="1" dirty="0" err="1"/>
-              <a:t>WebApplication</a:t>
-            </a:r>
-            <a:r>
-              <a:rPr lang="en-US" sz="2100" dirty="0"/>
-              <a:t> implements multiple different interfaces:</a:t>
-            </a:r>
-          </a:p>
-          <a:p>
-            <a:pPr marL="449213" lvl="2" indent="-342900"/>
-            <a:r>
-              <a:rPr lang="en-US" sz="2016" b="1" dirty="0" err="1"/>
-              <a:t>IHost</a:t>
-            </a:r>
-            <a:r>
-              <a:rPr lang="en-US" sz="2016" b="1" dirty="0"/>
-              <a:t> </a:t>
-            </a:r>
-            <a:r>
-              <a:rPr lang="en-US" sz="2016" dirty="0"/>
-              <a:t>- used to start and stop the host</a:t>
-            </a:r>
-          </a:p>
-          <a:p>
-            <a:pPr marL="449213" lvl="2" indent="-342900"/>
-            <a:r>
-              <a:rPr lang="en-US" sz="2016" b="1" dirty="0" err="1"/>
-              <a:t>IApplicationBuilder</a:t>
-            </a:r>
-            <a:r>
-              <a:rPr lang="en-US" sz="2016" b="1" dirty="0"/>
-              <a:t> </a:t>
-            </a:r>
-            <a:r>
-              <a:rPr lang="en-US" sz="2016" dirty="0"/>
-              <a:t>- used to build the middleware pipeline</a:t>
-            </a:r>
-          </a:p>
-          <a:p>
-            <a:pPr marL="449213" lvl="2" indent="-342900"/>
-            <a:r>
-              <a:rPr lang="en-US" sz="2016" b="1" dirty="0" err="1"/>
-              <a:t>IEndpointRouteBuilder</a:t>
-            </a:r>
-            <a:r>
-              <a:rPr lang="en-US" sz="2016" b="1" dirty="0"/>
-              <a:t> </a:t>
-            </a:r>
-            <a:r>
-              <a:rPr lang="en-US" sz="2016" dirty="0"/>
-              <a:t>- used to add endpoints</a:t>
-            </a:r>
-          </a:p>
-          <a:p>
-            <a:pPr marL="106313" lvl="1">
-              <a:buFont typeface="Arial" panose="020B0604020202020204" pitchFamily="34" charset="0"/>
-              <a:buChar char="•"/>
-            </a:pPr>
-            <a:endParaRPr lang="nl-NL" sz="2000" dirty="0">
-              <a:latin typeface="Consolas" panose="020B0609020204030204" pitchFamily="49" charset="0"/>
-            </a:endParaRPr>
           </a:p>
         </p:txBody>
       </p:sp>
@@ -54098,6 +54382,34 @@
       </p:grpSpPr>
       <p:sp>
         <p:nvSpPr>
+          <p:cNvPr id="3" name="Text Placeholder 2"/>
+          <p:cNvSpPr>
+            <a:spLocks noGrp="1"/>
+          </p:cNvSpPr>
+          <p:nvPr>
+            <p:ph idx="1"/>
+          </p:nvPr>
+        </p:nvSpPr>
+        <p:spPr/>
+        <p:txBody>
+          <a:bodyPr>
+            <a:normAutofit/>
+          </a:bodyPr>
+          <a:lstStyle/>
+          <a:p>
+            <a:r>
+              <a:rPr lang="en-US" sz="2000" dirty="0"/>
+              <a:t>Introduction to Dependency Injection
+Using builder to Configure Services
+Demonstration: How to Use Dependency Injection
+Inject Services to Pages
+Service Lifetime</a:t>
+            </a:r>
+          </a:p>
+        </p:txBody>
+      </p:sp>
+      <p:sp>
+        <p:nvSpPr>
           <p:cNvPr id="2" name="Title 1"/>
           <p:cNvSpPr>
             <a:spLocks noGrp="1"/>
@@ -54114,34 +54426,6 @@
             <a:r>
               <a:rPr lang="en-US" sz="2400" dirty="0"/>
               <a:t>Lesson 2: Configuring Services</a:t>
-            </a:r>
-          </a:p>
-        </p:txBody>
-      </p:sp>
-      <p:sp>
-        <p:nvSpPr>
-          <p:cNvPr id="3" name="Text Placeholder 2"/>
-          <p:cNvSpPr>
-            <a:spLocks noGrp="1"/>
-          </p:cNvSpPr>
-          <p:nvPr>
-            <p:ph type="body" idx="1"/>
-          </p:nvPr>
-        </p:nvSpPr>
-        <p:spPr/>
-        <p:txBody>
-          <a:bodyPr>
-            <a:normAutofit/>
-          </a:bodyPr>
-          <a:lstStyle/>
-          <a:p>
-            <a:r>
-              <a:rPr lang="en-US" sz="2000" dirty="0"/>
-              <a:t>Introduction to Dependency Injection
-Using builder to Configure Services
-Demonstration: How to Use Dependency Injection
-Inject Services to Pages
-Service Lifetime</a:t>
             </a:r>
           </a:p>
         </p:txBody>
@@ -54176,6 +54460,31 @@
           <a:chExt cx="0" cy="0"/>
         </a:xfrm>
       </p:grpSpPr>
+      <p:sp>
+        <p:nvSpPr>
+          <p:cNvPr id="3" name="Content Placeholder 2">
+            <a:extLst>
+              <a:ext uri="{FF2B5EF4-FFF2-40B4-BE49-F238E27FC236}">
+                <a16:creationId xmlns:a16="http://schemas.microsoft.com/office/drawing/2014/main" id="{E26238A8-FB32-4C32-BA59-9D5545E62FFB}"/>
+              </a:ext>
+            </a:extLst>
+          </p:cNvPr>
+          <p:cNvSpPr>
+            <a:spLocks noGrp="1"/>
+          </p:cNvSpPr>
+          <p:nvPr>
+            <p:ph idx="1"/>
+          </p:nvPr>
+        </p:nvSpPr>
+        <p:spPr/>
+        <p:txBody>
+          <a:bodyPr/>
+          <a:lstStyle/>
+          <a:p>
+            <a:endParaRPr lang="nl-NL"/>
+          </a:p>
+        </p:txBody>
+      </p:sp>
       <p:sp>
         <p:nvSpPr>
           <p:cNvPr id="2" name="Title 1"/>
@@ -54260,6 +54569,31 @@
       </p:grpSpPr>
       <p:sp>
         <p:nvSpPr>
+          <p:cNvPr id="3" name="Content Placeholder 2">
+            <a:extLst>
+              <a:ext uri="{FF2B5EF4-FFF2-40B4-BE49-F238E27FC236}">
+                <a16:creationId xmlns:a16="http://schemas.microsoft.com/office/drawing/2014/main" id="{7E0D3DAC-DE6C-4944-9C27-9055FAA53270}"/>
+              </a:ext>
+            </a:extLst>
+          </p:cNvPr>
+          <p:cNvSpPr>
+            <a:spLocks noGrp="1"/>
+          </p:cNvSpPr>
+          <p:nvPr>
+            <p:ph idx="1"/>
+          </p:nvPr>
+        </p:nvSpPr>
+        <p:spPr/>
+        <p:txBody>
+          <a:bodyPr/>
+          <a:lstStyle/>
+          <a:p>
+            <a:endParaRPr lang="nl-NL"/>
+          </a:p>
+        </p:txBody>
+      </p:sp>
+      <p:sp>
+        <p:nvSpPr>
           <p:cNvPr id="2" name="Title 1"/>
           <p:cNvSpPr>
             <a:spLocks noGrp="1"/>
@@ -54608,6 +54942,31 @@
       </p:grpSpPr>
       <p:sp>
         <p:nvSpPr>
+          <p:cNvPr id="3" name="Content Placeholder 2">
+            <a:extLst>
+              <a:ext uri="{FF2B5EF4-FFF2-40B4-BE49-F238E27FC236}">
+                <a16:creationId xmlns:a16="http://schemas.microsoft.com/office/drawing/2014/main" id="{CB100B08-82A5-4311-8ED8-F22307C52638}"/>
+              </a:ext>
+            </a:extLst>
+          </p:cNvPr>
+          <p:cNvSpPr>
+            <a:spLocks noGrp="1"/>
+          </p:cNvSpPr>
+          <p:nvPr>
+            <p:ph idx="1"/>
+          </p:nvPr>
+        </p:nvSpPr>
+        <p:spPr/>
+        <p:txBody>
+          <a:bodyPr/>
+          <a:lstStyle/>
+          <a:p>
+            <a:endParaRPr lang="nl-NL"/>
+          </a:p>
+        </p:txBody>
+      </p:sp>
+      <p:sp>
+        <p:nvSpPr>
           <p:cNvPr id="2" name="Title 1"/>
           <p:cNvSpPr>
             <a:spLocks noGrp="1"/>
@@ -54962,6 +55321,31 @@
           <a:chExt cx="0" cy="0"/>
         </a:xfrm>
       </p:grpSpPr>
+      <p:sp>
+        <p:nvSpPr>
+          <p:cNvPr id="3" name="Content Placeholder 2">
+            <a:extLst>
+              <a:ext uri="{FF2B5EF4-FFF2-40B4-BE49-F238E27FC236}">
+                <a16:creationId xmlns:a16="http://schemas.microsoft.com/office/drawing/2014/main" id="{508F068A-12DF-43AE-8FC0-A9DFE9A37811}"/>
+              </a:ext>
+            </a:extLst>
+          </p:cNvPr>
+          <p:cNvSpPr>
+            <a:spLocks noGrp="1"/>
+          </p:cNvSpPr>
+          <p:nvPr>
+            <p:ph idx="1"/>
+          </p:nvPr>
+        </p:nvSpPr>
+        <p:spPr/>
+        <p:txBody>
+          <a:bodyPr/>
+          <a:lstStyle/>
+          <a:p>
+            <a:endParaRPr lang="nl-NL"/>
+          </a:p>
+        </p:txBody>
+      </p:sp>
       <p:sp>
         <p:nvSpPr>
           <p:cNvPr id="2" name="Title 1"/>
@@ -55447,6 +55831,31 @@
           <a:chExt cx="0" cy="0"/>
         </a:xfrm>
       </p:grpSpPr>
+      <p:sp>
+        <p:nvSpPr>
+          <p:cNvPr id="3" name="Content Placeholder 2">
+            <a:extLst>
+              <a:ext uri="{FF2B5EF4-FFF2-40B4-BE49-F238E27FC236}">
+                <a16:creationId xmlns:a16="http://schemas.microsoft.com/office/drawing/2014/main" id="{34B671E9-3962-4F68-9A99-EB78CB5B2DDF}"/>
+              </a:ext>
+            </a:extLst>
+          </p:cNvPr>
+          <p:cNvSpPr>
+            <a:spLocks noGrp="1"/>
+          </p:cNvSpPr>
+          <p:nvPr>
+            <p:ph idx="1"/>
+          </p:nvPr>
+        </p:nvSpPr>
+        <p:spPr/>
+        <p:txBody>
+          <a:bodyPr/>
+          <a:lstStyle/>
+          <a:p>
+            <a:endParaRPr lang="nl-NL"/>
+          </a:p>
+        </p:txBody>
+      </p:sp>
       <p:sp>
         <p:nvSpPr>
           <p:cNvPr id="2" name="Title 1"/>
